--- a/Apresentação/Apresentação.pptx
+++ b/Apresentação/Apresentação.pptx
@@ -16,7 +16,7 @@
     <p:sldId id="259" r:id="rId7"/>
     <p:sldId id="260" r:id="rId8"/>
     <p:sldId id="261" r:id="rId9"/>
-    <p:sldId id="264" r:id="rId10"/>
+    <p:sldId id="265" r:id="rId10"/>
   </p:sldIdLst>
   <p:sldSz cx="12192000" cy="6858000"/>
   <p:notesSz cx="6858000" cy="9144000"/>
@@ -2798,7 +2798,7 @@
           <a:p>
             <a:fld id="{C898B6DF-180F-4701-8E6B-DBD45FB8F00D}" type="datetimeFigureOut">
               <a:rPr lang="en-GB" smtClean="0"/>
-              <a:t>09/04/2021</a:t>
+              <a:t>11/04/2021</a:t>
             </a:fld>
             <a:endParaRPr lang="en-GB"/>
           </a:p>
@@ -2957,7 +2957,7 @@
           <a:p>
             <a:fld id="{FBE41520-2DDE-4B38-8129-A85E52256D1C}" type="slidenum">
               <a:rPr lang="en-GB" smtClean="0"/>
-              <a:t>‹nº›</a:t>
+              <a:t>‹#›</a:t>
             </a:fld>
             <a:endParaRPr lang="en-GB"/>
           </a:p>
@@ -3331,7 +3331,7 @@
           <a:p>
             <a:fld id="{12241623-A064-4BED-B073-BA4D61433402}" type="datetime1">
               <a:rPr lang="en-US" smtClean="0"/>
-              <a:t>4/9/2021</a:t>
+              <a:t>4/11/2021</a:t>
             </a:fld>
             <a:endParaRPr lang="en-US" dirty="0"/>
           </a:p>
@@ -3374,7 +3374,7 @@
             <a:fld id="{FAEF9944-A4F6-4C59-AEBD-678D6480B8EA}" type="slidenum">
               <a:rPr lang="en-US" smtClean="0"/>
               <a:pPr/>
-              <a:t>‹nº›</a:t>
+              <a:t>‹#›</a:t>
             </a:fld>
             <a:endParaRPr lang="en-US" dirty="0"/>
           </a:p>
@@ -3502,7 +3502,7 @@
           <a:p>
             <a:fld id="{6F86ED0C-1DA7-41F0-94CF-6218B1FEDFF1}" type="datetime1">
               <a:rPr lang="en-US" smtClean="0"/>
-              <a:t>4/9/2021</a:t>
+              <a:t>4/11/2021</a:t>
             </a:fld>
             <a:endParaRPr lang="en-US" dirty="0"/>
           </a:p>
@@ -3546,7 +3546,7 @@
             <a:fld id="{FAEF9944-A4F6-4C59-AEBD-678D6480B8EA}" type="slidenum">
               <a:rPr lang="en-US" smtClean="0"/>
               <a:pPr algn="l"/>
-              <a:t>‹nº›</a:t>
+              <a:t>‹#›</a:t>
             </a:fld>
             <a:endParaRPr lang="en-US" dirty="0"/>
           </a:p>
@@ -3727,7 +3727,7 @@
           <a:p>
             <a:fld id="{EECF02AB-6034-4B88-BC5A-7C17CB0EF809}" type="datetime1">
               <a:rPr lang="en-US" smtClean="0"/>
-              <a:t>4/9/2021</a:t>
+              <a:t>4/11/2021</a:t>
             </a:fld>
             <a:endParaRPr lang="en-US" dirty="0"/>
           </a:p>
@@ -3780,7 +3780,7 @@
             <a:fld id="{FAEF9944-A4F6-4C59-AEBD-678D6480B8EA}" type="slidenum">
               <a:rPr lang="en-US" smtClean="0"/>
               <a:pPr/>
-              <a:t>‹nº›</a:t>
+              <a:t>‹#›</a:t>
             </a:fld>
             <a:endParaRPr lang="en-US" dirty="0"/>
           </a:p>
@@ -3908,7 +3908,7 @@
           <a:p>
             <a:fld id="{22F3E5F3-28EE-488F-BD53-B744C06C3DEC}" type="datetime1">
               <a:rPr lang="en-US" smtClean="0"/>
-              <a:t>4/9/2021</a:t>
+              <a:t>4/11/2021</a:t>
             </a:fld>
             <a:endParaRPr lang="en-US" dirty="0"/>
           </a:p>
@@ -3952,7 +3952,7 @@
             <a:fld id="{FAEF9944-A4F6-4C59-AEBD-678D6480B8EA}" type="slidenum">
               <a:rPr lang="en-US" smtClean="0"/>
               <a:pPr algn="l"/>
-              <a:t>‹nº›</a:t>
+              <a:t>‹#›</a:t>
             </a:fld>
             <a:endParaRPr lang="en-US" dirty="0"/>
           </a:p>
@@ -4216,7 +4216,7 @@
           <a:p>
             <a:fld id="{E72EB70D-CD01-44DA-83B3-8FEB3383D307}" type="datetime1">
               <a:rPr lang="en-US" smtClean="0"/>
-              <a:t>4/9/2021</a:t>
+              <a:t>4/11/2021</a:t>
             </a:fld>
             <a:endParaRPr lang="en-US" dirty="0"/>
           </a:p>
@@ -4276,7 +4276,7 @@
             <a:fld id="{FAEF9944-A4F6-4C59-AEBD-678D6480B8EA}" type="slidenum">
               <a:rPr lang="en-US" smtClean="0"/>
               <a:pPr algn="l"/>
-              <a:t>‹nº›</a:t>
+              <a:t>‹#›</a:t>
             </a:fld>
             <a:endParaRPr lang="en-US" dirty="0"/>
           </a:p>
@@ -4522,7 +4522,7 @@
           <a:p>
             <a:fld id="{D0158CFD-9357-46BE-A189-D637A67C8730}" type="datetime1">
               <a:rPr lang="en-US" smtClean="0"/>
-              <a:t>4/9/2021</a:t>
+              <a:t>4/11/2021</a:t>
             </a:fld>
             <a:endParaRPr lang="en-US" dirty="0"/>
           </a:p>
@@ -4566,7 +4566,7 @@
             <a:fld id="{FAEF9944-A4F6-4C59-AEBD-678D6480B8EA}" type="slidenum">
               <a:rPr lang="en-US" smtClean="0"/>
               <a:pPr algn="l"/>
-              <a:t>‹nº›</a:t>
+              <a:t>‹#›</a:t>
             </a:fld>
             <a:endParaRPr lang="en-US" dirty="0"/>
           </a:p>
@@ -4946,7 +4946,7 @@
           <a:p>
             <a:fld id="{7B4742EE-B331-4632-BD10-A82FED6B6FC0}" type="datetime1">
               <a:rPr lang="en-US" smtClean="0"/>
-              <a:t>4/9/2021</a:t>
+              <a:t>4/11/2021</a:t>
             </a:fld>
             <a:endParaRPr lang="en-US" dirty="0"/>
           </a:p>
@@ -4990,7 +4990,7 @@
             <a:fld id="{FAEF9944-A4F6-4C59-AEBD-678D6480B8EA}" type="slidenum">
               <a:rPr lang="en-US" smtClean="0"/>
               <a:pPr algn="l"/>
-              <a:t>‹nº›</a:t>
+              <a:t>‹#›</a:t>
             </a:fld>
             <a:endParaRPr lang="en-US" dirty="0"/>
           </a:p>
@@ -5066,7 +5066,7 @@
           <a:p>
             <a:fld id="{451BA835-D13F-49F4-8F11-5D576AC65FAD}" type="datetime1">
               <a:rPr lang="en-US" smtClean="0"/>
-              <a:t>4/9/2021</a:t>
+              <a:t>4/11/2021</a:t>
             </a:fld>
             <a:endParaRPr lang="en-US" dirty="0"/>
           </a:p>
@@ -5110,7 +5110,7 @@
             <a:fld id="{FAEF9944-A4F6-4C59-AEBD-678D6480B8EA}" type="slidenum">
               <a:rPr lang="en-US" smtClean="0"/>
               <a:pPr algn="l"/>
-              <a:t>‹nº›</a:t>
+              <a:t>‹#›</a:t>
             </a:fld>
             <a:endParaRPr lang="en-US" dirty="0"/>
           </a:p>
@@ -5163,7 +5163,7 @@
           <a:p>
             <a:fld id="{ADBD1799-ACB5-4CB2-86A2-5C574F1C8706}" type="datetime1">
               <a:rPr lang="en-US" smtClean="0"/>
-              <a:t>4/9/2021</a:t>
+              <a:t>4/11/2021</a:t>
             </a:fld>
             <a:endParaRPr lang="en-US" dirty="0"/>
           </a:p>
@@ -5207,7 +5207,7 @@
             <a:fld id="{FAEF9944-A4F6-4C59-AEBD-678D6480B8EA}" type="slidenum">
               <a:rPr lang="en-US" smtClean="0"/>
               <a:pPr algn="l"/>
-              <a:t>‹nº›</a:t>
+              <a:t>‹#›</a:t>
             </a:fld>
             <a:endParaRPr lang="en-US" dirty="0"/>
           </a:p>
@@ -5438,7 +5438,7 @@
           <a:p>
             <a:fld id="{ED5DD0D6-7A82-473E-879B-C6ECD6CCCFEC}" type="datetime1">
               <a:rPr lang="en-US" smtClean="0"/>
-              <a:t>4/9/2021</a:t>
+              <a:t>4/11/2021</a:t>
             </a:fld>
             <a:endParaRPr lang="en-US" dirty="0"/>
           </a:p>
@@ -5482,7 +5482,7 @@
             <a:fld id="{FAEF9944-A4F6-4C59-AEBD-678D6480B8EA}" type="slidenum">
               <a:rPr lang="en-US" smtClean="0"/>
               <a:pPr algn="l"/>
-              <a:t>‹nº›</a:t>
+              <a:t>‹#›</a:t>
             </a:fld>
             <a:endParaRPr lang="en-US" dirty="0"/>
           </a:p>
@@ -5705,7 +5705,7 @@
           <a:p>
             <a:fld id="{D4605E03-BC17-41A7-854C-DFAB672737DC}" type="datetime1">
               <a:rPr lang="en-US" smtClean="0"/>
-              <a:t>4/9/2021</a:t>
+              <a:t>4/11/2021</a:t>
             </a:fld>
             <a:endParaRPr lang="en-US" dirty="0"/>
           </a:p>
@@ -5749,7 +5749,7 @@
             <a:fld id="{FAEF9944-A4F6-4C59-AEBD-678D6480B8EA}" type="slidenum">
               <a:rPr lang="en-US" smtClean="0"/>
               <a:pPr algn="l"/>
-              <a:t>‹nº›</a:t>
+              <a:t>‹#›</a:t>
             </a:fld>
             <a:endParaRPr lang="en-US" dirty="0"/>
           </a:p>
@@ -5956,7 +5956,7 @@
           <a:p>
             <a:fld id="{C4408324-A84C-4A45-93B6-78D079CCE772}" type="datetime1">
               <a:rPr lang="en-US" smtClean="0"/>
-              <a:t>4/9/2021</a:t>
+              <a:t>4/11/2021</a:t>
             </a:fld>
             <a:endParaRPr lang="en-US" dirty="0"/>
           </a:p>
@@ -6032,7 +6032,7 @@
             <a:fld id="{FAEF9944-A4F6-4C59-AEBD-678D6480B8EA}" type="slidenum">
               <a:rPr lang="en-US" smtClean="0"/>
               <a:pPr algn="l"/>
-              <a:t>‹nº›</a:t>
+              <a:t>‹#›</a:t>
             </a:fld>
             <a:endParaRPr lang="en-US" dirty="0"/>
           </a:p>
@@ -6972,12 +6972,12 @@
               <a:t>Neste projeto pretendemos desenvolver uma aplicação de leilões online onde os dados irão ser guardados numa base de dados. A interação com o utilizador irá ser efetuada com recurso a uma API desenvolvida em </a:t>
             </a:r>
             <a:r>
-              <a:rPr lang="pt-PT" dirty="0" err="1"/>
+              <a:rPr lang="pt-PT" i="1" dirty="0"/>
               <a:t>Python</a:t>
             </a:r>
             <a:r>
               <a:rPr lang="pt-PT" dirty="0"/>
-              <a:t> a ser executada sobre a base de dados. Os utilizadores poderão criar leilões para venda de artigos ou licitar noutros leilões em decurso.</a:t>
+              <a:t>. Os utilizadores poderão criar leilões para venda de artigos ou licitar noutros leilões em decurso.</a:t>
             </a:r>
           </a:p>
         </p:txBody>
@@ -7034,10 +7034,9 @@
           <a:lstStyle/>
           <a:p>
             <a:r>
-              <a:rPr lang="pt-PT"/>
-              <a:t>Operações</a:t>
-            </a:r>
-            <a:endParaRPr lang="pt-PT" dirty="0"/>
+              <a:rPr lang="pt-PT" dirty="0"/>
+              <a:t>Operations</a:t>
+            </a:r>
           </a:p>
         </p:txBody>
       </p:sp>
@@ -7063,73 +7062,72 @@
           <a:lstStyle/>
           <a:p>
             <a:r>
-              <a:rPr lang="pt-PT"/>
+              <a:rPr lang="pt-PT" dirty="0"/>
               <a:t>As operações disponíveis para o utilizador são:</a:t>
             </a:r>
           </a:p>
           <a:p>
             <a:pPr lvl="1"/>
             <a:r>
-              <a:rPr lang="pt-PT"/>
-              <a:t>Registo e autenticação no servidor;</a:t>
+              <a:rPr lang="pt-PT" dirty="0"/>
+              <a:t>Registo e autenticação na base de dados;</a:t>
             </a:r>
           </a:p>
           <a:p>
             <a:pPr lvl="1"/>
             <a:r>
-              <a:rPr lang="pt-PT"/>
-              <a:t>Criar leilão para venda de artigo;</a:t>
+              <a:rPr lang="pt-PT" dirty="0"/>
+              <a:t>Criar leilão para a venda de um artigo;</a:t>
             </a:r>
           </a:p>
           <a:p>
             <a:pPr lvl="1"/>
             <a:r>
-              <a:rPr lang="pt-PT"/>
-              <a:t>Visualizar leilões existentes;</a:t>
+              <a:rPr lang="pt-PT" dirty="0"/>
+              <a:t>Aceder aos seus leilões;</a:t>
             </a:r>
           </a:p>
           <a:p>
             <a:pPr lvl="1"/>
             <a:r>
-              <a:rPr lang="pt-PT"/>
-              <a:t>Pesquisar leilões por artigo;</a:t>
+              <a:rPr lang="pt-PT" dirty="0"/>
+              <a:t>Pesquisar leilões de um artigo artigo;</a:t>
             </a:r>
           </a:p>
           <a:p>
             <a:pPr lvl="1"/>
             <a:r>
-              <a:rPr lang="pt-PT"/>
+              <a:rPr lang="pt-PT" dirty="0"/>
               <a:t>Consultar detalhes de um leilão;</a:t>
             </a:r>
           </a:p>
           <a:p>
             <a:pPr lvl="1"/>
             <a:r>
-              <a:rPr lang="pt-PT"/>
+              <a:rPr lang="pt-PT" dirty="0"/>
               <a:t>Efetuar licitação num leilão;</a:t>
             </a:r>
           </a:p>
           <a:p>
             <a:pPr lvl="1"/>
             <a:r>
-              <a:rPr lang="pt-PT"/>
-              <a:t>Visualizar todos os leilões que o utilizador participa;</a:t>
+              <a:rPr lang="pt-PT" dirty="0"/>
+              <a:t>Visualizar todos os leilões em que o utilizador participa;</a:t>
             </a:r>
           </a:p>
           <a:p>
             <a:pPr lvl="1"/>
             <a:r>
-              <a:rPr lang="pt-PT"/>
+              <a:rPr lang="pt-PT" dirty="0"/>
               <a:t>Editar leilão (vendedor apenas, histórico ficará guardado);</a:t>
             </a:r>
           </a:p>
           <a:p>
             <a:pPr lvl="1"/>
             <a:r>
-              <a:rPr lang="pt-PT"/>
+              <a:rPr lang="pt-PT" dirty="0"/>
               <a:t>Mandar mensagem ao vendedor.</a:t>
             </a:r>
-            <a:endParaRPr lang="pt-PT" dirty="0"/>
           </a:p>
         </p:txBody>
       </p:sp>
@@ -7186,7 +7184,7 @@
           <a:p>
             <a:r>
               <a:rPr lang="pt-PT" dirty="0"/>
-              <a:t>conflitos</a:t>
+              <a:t>Conflicts</a:t>
             </a:r>
           </a:p>
         </p:txBody>
@@ -7333,20 +7331,29 @@
           <a:bodyPr/>
           <a:lstStyle/>
           <a:p>
+            <a:pPr algn="just"/>
             <a:r>
               <a:rPr lang="pt-PT" dirty="0"/>
               <a:t>A API irá ser desenvolvida em </a:t>
             </a:r>
             <a:r>
-              <a:rPr lang="pt-PT" dirty="0" err="1"/>
+              <a:rPr lang="pt-PT" i="1" dirty="0" err="1"/>
               <a:t>Python</a:t>
             </a:r>
             <a:r>
               <a:rPr lang="pt-PT" dirty="0"/>
-              <a:t> recorrendo ao módulo psycopg2 para conexão à base de dados. A base de dados irá ser gerenciada pelo software </a:t>
-            </a:r>
-            <a:r>
-              <a:rPr lang="pt-PT" dirty="0" err="1"/>
+              <a:t> recorrendo ao módulo </a:t>
+            </a:r>
+            <a:r>
+              <a:rPr lang="pt-PT" i="1" dirty="0"/>
+              <a:t>psycopg2</a:t>
+            </a:r>
+            <a:r>
+              <a:rPr lang="pt-PT" dirty="0"/>
+              <a:t> para conexão à base de dados. A base de dados irá ser gerida pelo software </a:t>
+            </a:r>
+            <a:r>
+              <a:rPr lang="pt-PT" i="1" dirty="0"/>
               <a:t>PostgreSQL</a:t>
             </a:r>
             <a:r>
@@ -7471,6 +7478,55 @@
       </p:grpSpPr>
       <p:sp>
         <p:nvSpPr>
+          <p:cNvPr id="3" name="Rectangle 2">
+            <a:extLst>
+              <a:ext uri="{FF2B5EF4-FFF2-40B4-BE49-F238E27FC236}">
+                <a16:creationId xmlns:a16="http://schemas.microsoft.com/office/drawing/2014/main" id="{D53BEF86-51AF-46A8-A493-4D6C411CAEAB}"/>
+              </a:ext>
+            </a:extLst>
+          </p:cNvPr>
+          <p:cNvSpPr/>
+          <p:nvPr/>
+        </p:nvSpPr>
+        <p:spPr>
+          <a:xfrm>
+            <a:off x="742494" y="1996198"/>
+            <a:ext cx="10758195" cy="4670379"/>
+          </a:xfrm>
+          <a:prstGeom prst="rect">
+            <a:avLst/>
+          </a:prstGeom>
+          <a:solidFill>
+            <a:schemeClr val="tx1"/>
+          </a:solidFill>
+        </p:spPr>
+        <p:style>
+          <a:lnRef idx="2">
+            <a:schemeClr val="accent1">
+              <a:shade val="50000"/>
+            </a:schemeClr>
+          </a:lnRef>
+          <a:fillRef idx="1">
+            <a:schemeClr val="accent1"/>
+          </a:fillRef>
+          <a:effectRef idx="0">
+            <a:schemeClr val="accent1"/>
+          </a:effectRef>
+          <a:fontRef idx="minor">
+            <a:schemeClr val="lt1"/>
+          </a:fontRef>
+        </p:style>
+        <p:txBody>
+          <a:bodyPr rtlCol="0" anchor="ctr"/>
+          <a:lstStyle/>
+          <a:p>
+            <a:pPr algn="ctr"/>
+            <a:endParaRPr lang="en-GB"/>
+          </a:p>
+        </p:txBody>
+      </p:sp>
+      <p:sp>
+        <p:nvSpPr>
           <p:cNvPr id="2" name="Title 1">
             <a:extLst>
               <a:ext uri="{FF2B5EF4-FFF2-40B4-BE49-F238E27FC236}">
@@ -7491,7 +7547,7 @@
           <a:lstStyle/>
           <a:p>
             <a:r>
-              <a:rPr lang="en-US" dirty="0"/>
+              <a:rPr lang="en-US"/>
               <a:t>ER diagram</a:t>
             </a:r>
             <a:endParaRPr lang="en-GB" dirty="0"/>
@@ -7528,7 +7584,7 @@
         </p:blipFill>
         <p:spPr>
           <a:xfrm>
-            <a:off x="1203325" y="2032275"/>
+            <a:off x="1281505" y="2169968"/>
             <a:ext cx="9783763" cy="4165051"/>
           </a:xfrm>
         </p:spPr>
@@ -7565,13 +7621,62 @@
       </p:grpSpPr>
       <p:sp>
         <p:nvSpPr>
-          <p:cNvPr id="2" name="Título 1">
+          <p:cNvPr id="3" name="Rectangle 2">
             <a:extLst>
               <a:ext uri="{FF2B5EF4-FFF2-40B4-BE49-F238E27FC236}">
-                <a16:creationId xmlns:a16="http://schemas.microsoft.com/office/drawing/2014/main" id="{C1A4E7E8-B0AF-4B3F-AC39-639C4983EEAA}"/>
+                <a16:creationId xmlns:a16="http://schemas.microsoft.com/office/drawing/2014/main" id="{D53BEF86-51AF-46A8-A493-4D6C411CAEAB}"/>
               </a:ext>
             </a:extLst>
           </p:cNvPr>
+          <p:cNvSpPr/>
+          <p:nvPr/>
+        </p:nvSpPr>
+        <p:spPr>
+          <a:xfrm>
+            <a:off x="742494" y="1996198"/>
+            <a:ext cx="10758195" cy="4670379"/>
+          </a:xfrm>
+          <a:prstGeom prst="rect">
+            <a:avLst/>
+          </a:prstGeom>
+          <a:solidFill>
+            <a:schemeClr val="tx1"/>
+          </a:solidFill>
+        </p:spPr>
+        <p:style>
+          <a:lnRef idx="2">
+            <a:schemeClr val="accent1">
+              <a:shade val="50000"/>
+            </a:schemeClr>
+          </a:lnRef>
+          <a:fillRef idx="1">
+            <a:schemeClr val="accent1"/>
+          </a:fillRef>
+          <a:effectRef idx="0">
+            <a:schemeClr val="accent1"/>
+          </a:effectRef>
+          <a:fontRef idx="minor">
+            <a:schemeClr val="lt1"/>
+          </a:fontRef>
+        </p:style>
+        <p:txBody>
+          <a:bodyPr rtlCol="0" anchor="ctr"/>
+          <a:lstStyle/>
+          <a:p>
+            <a:pPr algn="ctr"/>
+            <a:endParaRPr lang="en-GB"/>
+          </a:p>
+        </p:txBody>
+      </p:sp>
+      <p:sp>
+        <p:nvSpPr>
+          <p:cNvPr id="2" name="Title 1">
+            <a:extLst>
+              <a:ext uri="{FF2B5EF4-FFF2-40B4-BE49-F238E27FC236}">
+                <a16:creationId xmlns:a16="http://schemas.microsoft.com/office/drawing/2014/main" id="{ABEE40E1-3CF2-423F-B25C-5EAD6F6A82D4}"/>
+              </a:ext>
+            </a:extLst>
+          </p:cNvPr>
           <p:cNvSpPr>
             <a:spLocks noGrp="1"/>
           </p:cNvSpPr>
@@ -7585,18 +7690,19 @@
           <a:lstStyle/>
           <a:p>
             <a:r>
-              <a:rPr lang="pt-PT" dirty="0"/>
-              <a:t>Tabelas</a:t>
-            </a:r>
+              <a:rPr lang="en-US" dirty="0"/>
+              <a:t>Tables</a:t>
+            </a:r>
+            <a:endParaRPr lang="en-GB" dirty="0"/>
           </a:p>
         </p:txBody>
       </p:sp>
       <p:pic>
         <p:nvPicPr>
-          <p:cNvPr id="5" name="Marcador de Posição de Conteúdo 4">
+          <p:cNvPr id="7" name="Marcador de Posição de Conteúdo 4">
             <a:extLst>
               <a:ext uri="{FF2B5EF4-FFF2-40B4-BE49-F238E27FC236}">
-                <a16:creationId xmlns:a16="http://schemas.microsoft.com/office/drawing/2014/main" id="{77FE2AFC-9676-4E8F-9AF6-8864603AA272}"/>
+                <a16:creationId xmlns:a16="http://schemas.microsoft.com/office/drawing/2014/main" id="{EE4B2CFA-5028-42AD-9C20-A3C0BBCB4E9B}"/>
               </a:ext>
             </a:extLst>
           </p:cNvPr>
@@ -7621,7 +7727,7 @@
         </p:blipFill>
         <p:spPr>
           <a:xfrm>
-            <a:off x="1203325" y="2077032"/>
+            <a:off x="1202919" y="2177856"/>
             <a:ext cx="9783763" cy="4075537"/>
           </a:xfrm>
         </p:spPr>
@@ -7629,7 +7735,7 @@
     </p:spTree>
     <p:extLst>
       <p:ext uri="{BB962C8B-B14F-4D97-AF65-F5344CB8AC3E}">
-        <p14:creationId xmlns:p14="http://schemas.microsoft.com/office/powerpoint/2010/main" val="2684473693"/>
+        <p14:creationId xmlns:p14="http://schemas.microsoft.com/office/powerpoint/2010/main" val="3396809642"/>
       </p:ext>
     </p:extLst>
   </p:cSld>

--- a/Apresentação/Apresentação.pptx
+++ b/Apresentação/Apresentação.pptx
@@ -5,18 +5,19 @@
     <p:sldMasterId id="2147483766" r:id="rId1"/>
   </p:sldMasterIdLst>
   <p:notesMasterIdLst>
-    <p:notesMasterId r:id="rId11"/>
+    <p:notesMasterId r:id="rId12"/>
   </p:notesMasterIdLst>
   <p:sldIdLst>
     <p:sldId id="256" r:id="rId2"/>
     <p:sldId id="257" r:id="rId3"/>
     <p:sldId id="258" r:id="rId4"/>
     <p:sldId id="262" r:id="rId5"/>
-    <p:sldId id="263" r:id="rId6"/>
-    <p:sldId id="259" r:id="rId7"/>
-    <p:sldId id="260" r:id="rId8"/>
-    <p:sldId id="261" r:id="rId9"/>
-    <p:sldId id="265" r:id="rId10"/>
+    <p:sldId id="266" r:id="rId6"/>
+    <p:sldId id="263" r:id="rId7"/>
+    <p:sldId id="259" r:id="rId8"/>
+    <p:sldId id="260" r:id="rId9"/>
+    <p:sldId id="261" r:id="rId10"/>
+    <p:sldId id="265" r:id="rId11"/>
   </p:sldIdLst>
   <p:sldSz cx="12192000" cy="6858000"/>
   <p:notesSz cx="6858000" cy="9144000"/>
@@ -2798,7 +2799,7 @@
           <a:p>
             <a:fld id="{C898B6DF-180F-4701-8E6B-DBD45FB8F00D}" type="datetimeFigureOut">
               <a:rPr lang="en-GB" smtClean="0"/>
-              <a:t>11/04/2021</a:t>
+              <a:t>15/04/2021</a:t>
             </a:fld>
             <a:endParaRPr lang="en-GB"/>
           </a:p>
@@ -3331,7 +3332,7 @@
           <a:p>
             <a:fld id="{12241623-A064-4BED-B073-BA4D61433402}" type="datetime1">
               <a:rPr lang="en-US" smtClean="0"/>
-              <a:t>4/11/2021</a:t>
+              <a:t>4/15/2021</a:t>
             </a:fld>
             <a:endParaRPr lang="en-US" dirty="0"/>
           </a:p>
@@ -3502,7 +3503,7 @@
           <a:p>
             <a:fld id="{6F86ED0C-1DA7-41F0-94CF-6218B1FEDFF1}" type="datetime1">
               <a:rPr lang="en-US" smtClean="0"/>
-              <a:t>4/11/2021</a:t>
+              <a:t>4/15/2021</a:t>
             </a:fld>
             <a:endParaRPr lang="en-US" dirty="0"/>
           </a:p>
@@ -3727,7 +3728,7 @@
           <a:p>
             <a:fld id="{EECF02AB-6034-4B88-BC5A-7C17CB0EF809}" type="datetime1">
               <a:rPr lang="en-US" smtClean="0"/>
-              <a:t>4/11/2021</a:t>
+              <a:t>4/15/2021</a:t>
             </a:fld>
             <a:endParaRPr lang="en-US" dirty="0"/>
           </a:p>
@@ -3908,7 +3909,7 @@
           <a:p>
             <a:fld id="{22F3E5F3-28EE-488F-BD53-B744C06C3DEC}" type="datetime1">
               <a:rPr lang="en-US" smtClean="0"/>
-              <a:t>4/11/2021</a:t>
+              <a:t>4/15/2021</a:t>
             </a:fld>
             <a:endParaRPr lang="en-US" dirty="0"/>
           </a:p>
@@ -4216,7 +4217,7 @@
           <a:p>
             <a:fld id="{E72EB70D-CD01-44DA-83B3-8FEB3383D307}" type="datetime1">
               <a:rPr lang="en-US" smtClean="0"/>
-              <a:t>4/11/2021</a:t>
+              <a:t>4/15/2021</a:t>
             </a:fld>
             <a:endParaRPr lang="en-US" dirty="0"/>
           </a:p>
@@ -4522,7 +4523,7 @@
           <a:p>
             <a:fld id="{D0158CFD-9357-46BE-A189-D637A67C8730}" type="datetime1">
               <a:rPr lang="en-US" smtClean="0"/>
-              <a:t>4/11/2021</a:t>
+              <a:t>4/15/2021</a:t>
             </a:fld>
             <a:endParaRPr lang="en-US" dirty="0"/>
           </a:p>
@@ -4946,7 +4947,7 @@
           <a:p>
             <a:fld id="{7B4742EE-B331-4632-BD10-A82FED6B6FC0}" type="datetime1">
               <a:rPr lang="en-US" smtClean="0"/>
-              <a:t>4/11/2021</a:t>
+              <a:t>4/15/2021</a:t>
             </a:fld>
             <a:endParaRPr lang="en-US" dirty="0"/>
           </a:p>
@@ -5066,7 +5067,7 @@
           <a:p>
             <a:fld id="{451BA835-D13F-49F4-8F11-5D576AC65FAD}" type="datetime1">
               <a:rPr lang="en-US" smtClean="0"/>
-              <a:t>4/11/2021</a:t>
+              <a:t>4/15/2021</a:t>
             </a:fld>
             <a:endParaRPr lang="en-US" dirty="0"/>
           </a:p>
@@ -5163,7 +5164,7 @@
           <a:p>
             <a:fld id="{ADBD1799-ACB5-4CB2-86A2-5C574F1C8706}" type="datetime1">
               <a:rPr lang="en-US" smtClean="0"/>
-              <a:t>4/11/2021</a:t>
+              <a:t>4/15/2021</a:t>
             </a:fld>
             <a:endParaRPr lang="en-US" dirty="0"/>
           </a:p>
@@ -5438,7 +5439,7 @@
           <a:p>
             <a:fld id="{ED5DD0D6-7A82-473E-879B-C6ECD6CCCFEC}" type="datetime1">
               <a:rPr lang="en-US" smtClean="0"/>
-              <a:t>4/11/2021</a:t>
+              <a:t>4/15/2021</a:t>
             </a:fld>
             <a:endParaRPr lang="en-US" dirty="0"/>
           </a:p>
@@ -5705,7 +5706,7 @@
           <a:p>
             <a:fld id="{D4605E03-BC17-41A7-854C-DFAB672737DC}" type="datetime1">
               <a:rPr lang="en-US" smtClean="0"/>
-              <a:t>4/11/2021</a:t>
+              <a:t>4/15/2021</a:t>
             </a:fld>
             <a:endParaRPr lang="en-US" dirty="0"/>
           </a:p>
@@ -5956,7 +5957,7 @@
           <a:p>
             <a:fld id="{C4408324-A84C-4A45-93B6-78D079CCE772}" type="datetime1">
               <a:rPr lang="en-US" smtClean="0"/>
-              <a:t>4/11/2021</a:t>
+              <a:t>4/15/2021</a:t>
             </a:fld>
             <a:endParaRPr lang="en-US" dirty="0"/>
           </a:p>
@@ -6727,8 +6728,8 @@
           <a:lstStyle/>
           <a:p>
             <a:r>
-              <a:rPr lang="en-US" dirty="0" err="1"/>
-              <a:t>ebay</a:t>
+              <a:rPr lang="en-US" dirty="0"/>
+              <a:t>Auction House</a:t>
             </a:r>
             <a:endParaRPr lang="en-GB" dirty="0"/>
           </a:p>
@@ -6791,6 +6792,149 @@
   </p:cSld>
   <p:clrMapOvr>
     <a:overrideClrMapping bg1="dk1" tx1="lt1" bg2="dk2" tx2="lt2" accent1="accent1" accent2="accent2" accent3="accent3" accent4="accent4" accent5="accent5" accent6="accent6" hlink="hlink" folHlink="folHlink"/>
+  </p:clrMapOvr>
+</p:sld>
+</file>
+
+<file path=ppt/slides/slide10.xml><?xml version="1.0" encoding="utf-8"?>
+<p:sld xmlns:a="http://schemas.openxmlformats.org/drawingml/2006/main" xmlns:r="http://schemas.openxmlformats.org/officeDocument/2006/relationships" xmlns:p="http://schemas.openxmlformats.org/presentationml/2006/main">
+  <p:cSld>
+    <p:spTree>
+      <p:nvGrpSpPr>
+        <p:cNvPr id="1" name=""/>
+        <p:cNvGrpSpPr/>
+        <p:nvPr/>
+      </p:nvGrpSpPr>
+      <p:grpSpPr>
+        <a:xfrm>
+          <a:off x="0" y="0"/>
+          <a:ext cx="0" cy="0"/>
+          <a:chOff x="0" y="0"/>
+          <a:chExt cx="0" cy="0"/>
+        </a:xfrm>
+      </p:grpSpPr>
+      <p:sp>
+        <p:nvSpPr>
+          <p:cNvPr id="3" name="Rectangle 2">
+            <a:extLst>
+              <a:ext uri="{FF2B5EF4-FFF2-40B4-BE49-F238E27FC236}">
+                <a16:creationId xmlns:a16="http://schemas.microsoft.com/office/drawing/2014/main" id="{D53BEF86-51AF-46A8-A493-4D6C411CAEAB}"/>
+              </a:ext>
+            </a:extLst>
+          </p:cNvPr>
+          <p:cNvSpPr/>
+          <p:nvPr/>
+        </p:nvSpPr>
+        <p:spPr>
+          <a:xfrm>
+            <a:off x="742494" y="1996198"/>
+            <a:ext cx="10758195" cy="4670379"/>
+          </a:xfrm>
+          <a:prstGeom prst="rect">
+            <a:avLst/>
+          </a:prstGeom>
+          <a:solidFill>
+            <a:schemeClr val="tx1"/>
+          </a:solidFill>
+        </p:spPr>
+        <p:style>
+          <a:lnRef idx="2">
+            <a:schemeClr val="accent1">
+              <a:shade val="50000"/>
+            </a:schemeClr>
+          </a:lnRef>
+          <a:fillRef idx="1">
+            <a:schemeClr val="accent1"/>
+          </a:fillRef>
+          <a:effectRef idx="0">
+            <a:schemeClr val="accent1"/>
+          </a:effectRef>
+          <a:fontRef idx="minor">
+            <a:schemeClr val="lt1"/>
+          </a:fontRef>
+        </p:style>
+        <p:txBody>
+          <a:bodyPr rtlCol="0" anchor="ctr"/>
+          <a:lstStyle/>
+          <a:p>
+            <a:pPr algn="ctr"/>
+            <a:endParaRPr lang="en-GB"/>
+          </a:p>
+        </p:txBody>
+      </p:sp>
+      <p:sp>
+        <p:nvSpPr>
+          <p:cNvPr id="2" name="Title 1">
+            <a:extLst>
+              <a:ext uri="{FF2B5EF4-FFF2-40B4-BE49-F238E27FC236}">
+                <a16:creationId xmlns:a16="http://schemas.microsoft.com/office/drawing/2014/main" id="{ABEE40E1-3CF2-423F-B25C-5EAD6F6A82D4}"/>
+              </a:ext>
+            </a:extLst>
+          </p:cNvPr>
+          <p:cNvSpPr>
+            <a:spLocks noGrp="1"/>
+          </p:cNvSpPr>
+          <p:nvPr>
+            <p:ph type="title"/>
+          </p:nvPr>
+        </p:nvSpPr>
+        <p:spPr/>
+        <p:txBody>
+          <a:bodyPr/>
+          <a:lstStyle/>
+          <a:p>
+            <a:r>
+              <a:rPr lang="en-US" dirty="0"/>
+              <a:t>Tables</a:t>
+            </a:r>
+            <a:endParaRPr lang="en-GB" dirty="0"/>
+          </a:p>
+        </p:txBody>
+      </p:sp>
+      <p:pic>
+        <p:nvPicPr>
+          <p:cNvPr id="7" name="Marcador de Posição de Conteúdo 4">
+            <a:extLst>
+              <a:ext uri="{FF2B5EF4-FFF2-40B4-BE49-F238E27FC236}">
+                <a16:creationId xmlns:a16="http://schemas.microsoft.com/office/drawing/2014/main" id="{EE4B2CFA-5028-42AD-9C20-A3C0BBCB4E9B}"/>
+              </a:ext>
+            </a:extLst>
+          </p:cNvPr>
+          <p:cNvPicPr>
+            <a:picLocks noGrp="1" noChangeAspect="1"/>
+          </p:cNvPicPr>
+          <p:nvPr>
+            <p:ph idx="1"/>
+          </p:nvPr>
+        </p:nvPicPr>
+        <p:blipFill>
+          <a:blip r:embed="rId2">
+            <a:extLst>
+              <a:ext uri="{28A0092B-C50C-407E-A947-70E740481C1C}">
+                <a14:useLocalDpi xmlns:a14="http://schemas.microsoft.com/office/drawing/2010/main" val="0"/>
+              </a:ext>
+            </a:extLst>
+          </a:blip>
+          <a:stretch>
+            <a:fillRect/>
+          </a:stretch>
+        </p:blipFill>
+        <p:spPr>
+          <a:xfrm>
+            <a:off x="1202919" y="2177856"/>
+            <a:ext cx="9783763" cy="4075537"/>
+          </a:xfrm>
+        </p:spPr>
+      </p:pic>
+    </p:spTree>
+    <p:extLst>
+      <p:ext uri="{BB962C8B-B14F-4D97-AF65-F5344CB8AC3E}">
+        <p14:creationId xmlns:p14="http://schemas.microsoft.com/office/powerpoint/2010/main" val="3396809642"/>
+      </p:ext>
+    </p:extLst>
+  </p:cSld>
+  <p:clrMapOvr>
+    <a:masterClrMapping/>
   </p:clrMapOvr>
 </p:sld>
 </file>
@@ -6967,9 +7111,12 @@
           <a:bodyPr/>
           <a:lstStyle/>
           <a:p>
+            <a:pPr marL="0" indent="0" algn="just">
+              <a:buNone/>
+            </a:pPr>
             <a:r>
               <a:rPr lang="pt-PT" dirty="0"/>
-              <a:t>Neste projeto pretendemos desenvolver uma aplicação de leilões online onde os dados irão ser guardados numa base de dados. A interação com o utilizador irá ser efetuada com recurso a uma API desenvolvida em </a:t>
+              <a:t>Neste projeto pretendemos desenvolver uma aplicação de leilões online onde os dados serão guardados numa base de dados. A interação entre a base de dados e o utilizador será feita através de uma API desenvolvida em </a:t>
             </a:r>
             <a:r>
               <a:rPr lang="pt-PT" i="1" dirty="0"/>
@@ -6977,7 +7124,7 @@
             </a:r>
             <a:r>
               <a:rPr lang="pt-PT" dirty="0"/>
-              <a:t>. Os utilizadores poderão criar leilões para venda de artigos ou licitar noutros leilões em decurso.</a:t>
+              <a:t>. Os utilizadores poderão criar leilões para vender artigos ou licitar noutros leilões em decurso, fazer perguntas ou comentários no moral do leilão, entre outras...</a:t>
             </a:r>
           </a:p>
         </p:txBody>
@@ -7035,7 +7182,7 @@
           <a:p>
             <a:r>
               <a:rPr lang="pt-PT" dirty="0"/>
-              <a:t>Operations</a:t>
+              <a:t>User Operations</a:t>
             </a:r>
           </a:p>
         </p:txBody>
@@ -7056,14 +7203,22 @@
             <p:ph idx="1"/>
           </p:nvPr>
         </p:nvSpPr>
-        <p:spPr/>
+        <p:spPr>
+          <a:xfrm>
+            <a:off x="1202919" y="1976169"/>
+            <a:ext cx="9784080" cy="4708716"/>
+          </a:xfrm>
+        </p:spPr>
         <p:txBody>
           <a:bodyPr/>
           <a:lstStyle/>
           <a:p>
+            <a:pPr marL="0" indent="0">
+              <a:buNone/>
+            </a:pPr>
             <a:r>
               <a:rPr lang="pt-PT" dirty="0"/>
-              <a:t>As operações disponíveis para o utilizador são:</a:t>
+              <a:t>As operações disponíveis para os utilizadores são:</a:t>
             </a:r>
           </a:p>
           <a:p>
@@ -7090,14 +7245,28 @@
           <a:p>
             <a:pPr lvl="1"/>
             <a:r>
-              <a:rPr lang="pt-PT" dirty="0"/>
-              <a:t>Pesquisar leilões de um artigo artigo;</a:t>
+              <a:rPr lang="pt-PT" dirty="0">
+                <a:solidFill>
+                  <a:schemeClr val="accent6">
+                    <a:lumMod val="60000"/>
+                    <a:lumOff val="40000"/>
+                  </a:schemeClr>
+                </a:solidFill>
+              </a:rPr>
+              <a:t>Pesquisar leilões de um artigo;</a:t>
             </a:r>
           </a:p>
           <a:p>
             <a:pPr lvl="1"/>
             <a:r>
-              <a:rPr lang="pt-PT" dirty="0"/>
+              <a:rPr lang="pt-PT" dirty="0">
+                <a:solidFill>
+                  <a:schemeClr val="accent6">
+                    <a:lumMod val="60000"/>
+                    <a:lumOff val="40000"/>
+                  </a:schemeClr>
+                </a:solidFill>
+              </a:rPr>
               <a:t>Consultar detalhes de um leilão;</a:t>
             </a:r>
           </a:p>
@@ -7112,7 +7281,7 @@
             <a:pPr lvl="1"/>
             <a:r>
               <a:rPr lang="pt-PT" dirty="0"/>
-              <a:t>Visualizar todos os leilões em que o utilizador participa;</a:t>
+              <a:t>Visualizar todos os leilões em que participa;</a:t>
             </a:r>
           </a:p>
           <a:p>
@@ -7126,7 +7295,35 @@
             <a:pPr lvl="1"/>
             <a:r>
               <a:rPr lang="pt-PT" dirty="0"/>
-              <a:t>Mandar mensagem ao vendedor.</a:t>
+              <a:t>Escrever mensagem num leilão.</a:t>
+            </a:r>
+          </a:p>
+          <a:p>
+            <a:pPr marL="228600" lvl="1" indent="0">
+              <a:buNone/>
+            </a:pPr>
+            <a:endParaRPr lang="pt-PT" dirty="0"/>
+          </a:p>
+          <a:p>
+            <a:pPr marL="228600" lvl="1" indent="0">
+              <a:buNone/>
+            </a:pPr>
+            <a:endParaRPr lang="pt-PT" dirty="0"/>
+          </a:p>
+          <a:p>
+            <a:pPr marL="228600" lvl="1" indent="0">
+              <a:buNone/>
+            </a:pPr>
+            <a:r>
+              <a:rPr lang="pt-PT" sz="1600" dirty="0">
+                <a:solidFill>
+                  <a:schemeClr val="accent6">
+                    <a:lumMod val="60000"/>
+                    <a:lumOff val="40000"/>
+                  </a:schemeClr>
+                </a:solidFill>
+              </a:rPr>
+              <a:t>Operação pode ser feita por um utilizador que não esteja registado.</a:t>
             </a:r>
           </a:p>
         </p:txBody>
@@ -7163,10 +7360,10 @@
       </p:grpSpPr>
       <p:sp>
         <p:nvSpPr>
-          <p:cNvPr id="2" name="Título 1">
+          <p:cNvPr id="2" name="Title 1">
             <a:extLst>
               <a:ext uri="{FF2B5EF4-FFF2-40B4-BE49-F238E27FC236}">
-                <a16:creationId xmlns:a16="http://schemas.microsoft.com/office/drawing/2014/main" id="{34B5AB49-1E82-4231-B3FC-AB127A6CAFF6}"/>
+                <a16:creationId xmlns:a16="http://schemas.microsoft.com/office/drawing/2014/main" id="{9A15C2F9-A88D-4604-9EE9-72A150B1C757}"/>
               </a:ext>
             </a:extLst>
           </p:cNvPr>
@@ -7183,18 +7380,19 @@
           <a:lstStyle/>
           <a:p>
             <a:r>
-              <a:rPr lang="pt-PT" dirty="0"/>
-              <a:t>Conflicts</a:t>
-            </a:r>
-          </a:p>
-        </p:txBody>
-      </p:sp>
-      <p:sp>
-        <p:nvSpPr>
-          <p:cNvPr id="3" name="Marcador de Posição de Conteúdo 2">
+              <a:rPr lang="en-US" dirty="0"/>
+              <a:t>API Operations</a:t>
+            </a:r>
+            <a:endParaRPr lang="en-GB" dirty="0"/>
+          </a:p>
+        </p:txBody>
+      </p:sp>
+      <p:sp>
+        <p:nvSpPr>
+          <p:cNvPr id="3" name="Content Placeholder 2">
             <a:extLst>
               <a:ext uri="{FF2B5EF4-FFF2-40B4-BE49-F238E27FC236}">
-                <a16:creationId xmlns:a16="http://schemas.microsoft.com/office/drawing/2014/main" id="{408F1BD4-B980-4F57-A379-2896945CAAF6}"/>
+                <a16:creationId xmlns:a16="http://schemas.microsoft.com/office/drawing/2014/main" id="{FDC3BFB8-A54F-47F4-8D8D-2538164F74E1}"/>
               </a:ext>
             </a:extLst>
           </p:cNvPr>
@@ -7214,48 +7412,186 @@
               <a:buNone/>
             </a:pPr>
             <a:r>
-              <a:rPr lang="pt-PT" dirty="0"/>
-              <a:t>Irá haver um possível conflito:</a:t>
+              <a:rPr lang="en-US" dirty="0" err="1"/>
+              <a:t>Operações</a:t>
+            </a:r>
+            <a:r>
+              <a:rPr lang="en-US" dirty="0"/>
+              <a:t> da API:</a:t>
             </a:r>
           </a:p>
           <a:p>
             <a:pPr lvl="1"/>
             <a:r>
-              <a:rPr lang="pt-PT" dirty="0"/>
-              <a:t>Vários utilizadores licitarem o mesmo;</a:t>
-            </a:r>
+              <a:rPr lang="en-GB" dirty="0" err="1"/>
+              <a:t>Registar</a:t>
+            </a:r>
+            <a:r>
+              <a:rPr lang="en-GB" dirty="0"/>
+              <a:t> </a:t>
+            </a:r>
+            <a:r>
+              <a:rPr lang="en-GB" dirty="0" err="1"/>
+              <a:t>utilizadores</a:t>
+            </a:r>
+            <a:endParaRPr lang="en-GB" dirty="0"/>
           </a:p>
           <a:p>
             <a:pPr lvl="1"/>
-            <a:endParaRPr lang="pt-PT" dirty="0"/>
-          </a:p>
-          <a:p>
-            <a:pPr marL="0" indent="0">
+            <a:r>
+              <a:rPr lang="en-GB" dirty="0" err="1"/>
+              <a:t>Autenticar</a:t>
+            </a:r>
+            <a:r>
+              <a:rPr lang="en-GB" dirty="0"/>
+              <a:t> </a:t>
+            </a:r>
+            <a:r>
+              <a:rPr lang="en-GB" dirty="0" err="1"/>
+              <a:t>utilizadores</a:t>
+            </a:r>
+            <a:endParaRPr lang="en-GB" dirty="0"/>
+          </a:p>
+          <a:p>
+            <a:pPr lvl="1"/>
+            <a:r>
+              <a:rPr lang="en-GB" dirty="0" err="1"/>
+              <a:t>Listar</a:t>
+            </a:r>
+            <a:r>
+              <a:rPr lang="en-GB" dirty="0"/>
+              <a:t> </a:t>
+            </a:r>
+            <a:r>
+              <a:rPr lang="en-GB" dirty="0" err="1"/>
+              <a:t>todos</a:t>
+            </a:r>
+            <a:r>
+              <a:rPr lang="en-GB" dirty="0"/>
+              <a:t> </a:t>
+            </a:r>
+            <a:r>
+              <a:rPr lang="en-GB" dirty="0" err="1"/>
+              <a:t>os</a:t>
+            </a:r>
+            <a:r>
+              <a:rPr lang="en-GB" dirty="0"/>
+              <a:t> </a:t>
+            </a:r>
+            <a:r>
+              <a:rPr lang="en-GB" dirty="0" err="1"/>
+              <a:t>leilões</a:t>
+            </a:r>
+            <a:endParaRPr lang="en-GB" dirty="0"/>
+          </a:p>
+          <a:p>
+            <a:pPr lvl="1"/>
+            <a:r>
+              <a:rPr lang="en-GB" dirty="0" err="1"/>
+              <a:t>Pesquisar</a:t>
+            </a:r>
+            <a:r>
+              <a:rPr lang="en-GB" dirty="0"/>
+              <a:t> </a:t>
+            </a:r>
+            <a:r>
+              <a:rPr lang="en-GB" dirty="0" err="1"/>
+              <a:t>leilões</a:t>
+            </a:r>
+            <a:r>
+              <a:rPr lang="en-GB" dirty="0"/>
+              <a:t> </a:t>
+            </a:r>
+            <a:r>
+              <a:rPr lang="en-GB" dirty="0" err="1"/>
+              <a:t>existentes</a:t>
+            </a:r>
+            <a:endParaRPr lang="en-GB" dirty="0"/>
+          </a:p>
+          <a:p>
+            <a:pPr lvl="1"/>
+            <a:r>
+              <a:rPr lang="en-GB" dirty="0" err="1"/>
+              <a:t>Consultar</a:t>
+            </a:r>
+            <a:r>
+              <a:rPr lang="en-GB" dirty="0"/>
+              <a:t> </a:t>
+            </a:r>
+            <a:r>
+              <a:rPr lang="en-GB" dirty="0" err="1"/>
+              <a:t>detalhes</a:t>
+            </a:r>
+            <a:r>
+              <a:rPr lang="en-GB" dirty="0"/>
+              <a:t> de um </a:t>
+            </a:r>
+            <a:r>
+              <a:rPr lang="en-GB" dirty="0" err="1"/>
+              <a:t>leilão</a:t>
+            </a:r>
+            <a:endParaRPr lang="en-GB" dirty="0"/>
+          </a:p>
+          <a:p>
+            <a:pPr lvl="1"/>
+            <a:r>
+              <a:rPr lang="en-GB" dirty="0" err="1"/>
+              <a:t>Notificação</a:t>
+            </a:r>
+            <a:r>
+              <a:rPr lang="en-GB" dirty="0"/>
+              <a:t> dos </a:t>
+            </a:r>
+            <a:r>
+              <a:rPr lang="en-GB" dirty="0" err="1"/>
+              <a:t>utilizadores</a:t>
+            </a:r>
+            <a:r>
+              <a:rPr lang="en-GB" dirty="0"/>
+              <a:t> que </a:t>
+            </a:r>
+            <a:r>
+              <a:rPr lang="en-GB" dirty="0" err="1"/>
+              <a:t>participam</a:t>
+            </a:r>
+            <a:r>
+              <a:rPr lang="en-GB" dirty="0"/>
+              <a:t> </a:t>
+            </a:r>
+            <a:r>
+              <a:rPr lang="en-GB" dirty="0" err="1"/>
+              <a:t>num</a:t>
+            </a:r>
+            <a:r>
+              <a:rPr lang="en-GB" dirty="0"/>
+              <a:t> </a:t>
+            </a:r>
+            <a:r>
+              <a:rPr lang="en-GB" dirty="0" err="1"/>
+              <a:t>leilão</a:t>
+            </a:r>
+            <a:endParaRPr lang="en-GB" dirty="0"/>
+          </a:p>
+          <a:p>
+            <a:pPr lvl="1"/>
+            <a:endParaRPr lang="en-GB" dirty="0"/>
+          </a:p>
+          <a:p>
+            <a:pPr lvl="1"/>
+            <a:endParaRPr lang="en-GB" dirty="0"/>
+          </a:p>
+          <a:p>
+            <a:pPr marL="228600" lvl="1" indent="0">
               <a:buNone/>
             </a:pPr>
-            <a:r>
-              <a:rPr lang="pt-PT" dirty="0"/>
-              <a:t>Para resolver o conflito irá ser necessário criar uma transação sempre que um utilizador desejar licitar num determinado leilão.</a:t>
-            </a:r>
-          </a:p>
-          <a:p>
-            <a:pPr lvl="1"/>
-            <a:endParaRPr lang="pt-PT" dirty="0"/>
-          </a:p>
-          <a:p>
-            <a:pPr lvl="1"/>
-            <a:endParaRPr lang="pt-PT" dirty="0"/>
-          </a:p>
-          <a:p>
-            <a:pPr lvl="1"/>
-            <a:endParaRPr lang="pt-PT" dirty="0"/>
+            <a:endParaRPr lang="en-GB" dirty="0"/>
           </a:p>
         </p:txBody>
       </p:sp>
     </p:spTree>
     <p:extLst>
       <p:ext uri="{BB962C8B-B14F-4D97-AF65-F5344CB8AC3E}">
-        <p14:creationId xmlns:p14="http://schemas.microsoft.com/office/powerpoint/2010/main" val="1589603869"/>
+        <p14:creationId xmlns:p14="http://schemas.microsoft.com/office/powerpoint/2010/main" val="2643332848"/>
       </p:ext>
     </p:extLst>
   </p:cSld>
@@ -7284,10 +7620,10 @@
       </p:grpSpPr>
       <p:sp>
         <p:nvSpPr>
-          <p:cNvPr id="2" name="Title 1">
+          <p:cNvPr id="2" name="Título 1">
             <a:extLst>
               <a:ext uri="{FF2B5EF4-FFF2-40B4-BE49-F238E27FC236}">
-                <a16:creationId xmlns:a16="http://schemas.microsoft.com/office/drawing/2014/main" id="{51DD0710-75AE-4ECB-A71A-413661B56C9F}"/>
+                <a16:creationId xmlns:a16="http://schemas.microsoft.com/office/drawing/2014/main" id="{34B5AB49-1E82-4231-B3FC-AB127A6CAFF6}"/>
               </a:ext>
             </a:extLst>
           </p:cNvPr>
@@ -7304,18 +7640,18 @@
           <a:lstStyle/>
           <a:p>
             <a:r>
-              <a:rPr lang="en-GB" dirty="0"/>
-              <a:t>Core technologies</a:t>
-            </a:r>
-          </a:p>
-        </p:txBody>
-      </p:sp>
-      <p:sp>
-        <p:nvSpPr>
-          <p:cNvPr id="3" name="Content Placeholder 2">
+              <a:rPr lang="pt-PT" dirty="0"/>
+              <a:t>Conflicts</a:t>
+            </a:r>
+          </a:p>
+        </p:txBody>
+      </p:sp>
+      <p:sp>
+        <p:nvSpPr>
+          <p:cNvPr id="3" name="Marcador de Posição de Conteúdo 2">
             <a:extLst>
               <a:ext uri="{FF2B5EF4-FFF2-40B4-BE49-F238E27FC236}">
-                <a16:creationId xmlns:a16="http://schemas.microsoft.com/office/drawing/2014/main" id="{F37072B6-925D-4CF8-B46C-20BEE700B2EE}"/>
+                <a16:creationId xmlns:a16="http://schemas.microsoft.com/office/drawing/2014/main" id="{408F1BD4-B980-4F57-A379-2896945CAAF6}"/>
               </a:ext>
             </a:extLst>
           </p:cNvPr>
@@ -7331,42 +7667,77 @@
           <a:bodyPr/>
           <a:lstStyle/>
           <a:p>
-            <a:pPr algn="just"/>
+            <a:pPr marL="0" indent="0">
+              <a:buNone/>
+            </a:pPr>
             <a:r>
               <a:rPr lang="pt-PT" dirty="0"/>
-              <a:t>A API irá ser desenvolvida em </a:t>
-            </a:r>
-            <a:r>
-              <a:rPr lang="pt-PT" i="1" dirty="0" err="1"/>
-              <a:t>Python</a:t>
-            </a:r>
+              <a:t>Posseiveis conflitos:</a:t>
+            </a:r>
+          </a:p>
+          <a:p>
+            <a:pPr lvl="1"/>
             <a:r>
               <a:rPr lang="pt-PT" dirty="0"/>
-              <a:t> recorrendo ao módulo </a:t>
+              <a:t>Vários utilizadores licitarem o mesmo.</a:t>
+            </a:r>
+          </a:p>
+          <a:p>
+            <a:pPr lvl="1"/>
+            <a:r>
+              <a:rPr lang="pt-PT" dirty="0"/>
+              <a:t>Criação de utilizadores com o mesmo </a:t>
             </a:r>
             <a:r>
               <a:rPr lang="pt-PT" i="1" dirty="0"/>
-              <a:t>psycopg2</a:t>
-            </a:r>
+              <a:t>username.</a:t>
+            </a:r>
+          </a:p>
+          <a:p>
+            <a:pPr lvl="1"/>
+            <a:endParaRPr lang="pt-PT" i="1" dirty="0"/>
+          </a:p>
+          <a:p>
+            <a:pPr marL="0" indent="0">
+              <a:buNone/>
+            </a:pPr>
             <a:r>
               <a:rPr lang="pt-PT" dirty="0"/>
-              <a:t> para conexão à base de dados. A base de dados irá ser gerida pelo software </a:t>
-            </a:r>
-            <a:r>
-              <a:rPr lang="pt-PT" i="1" dirty="0"/>
-              <a:t>PostgreSQL</a:t>
-            </a:r>
+              <a:t>Para resolver estes conflitos será necessário começar uma transação sempre que:</a:t>
+            </a:r>
+          </a:p>
+          <a:p>
+            <a:pPr lvl="1"/>
             <a:r>
               <a:rPr lang="pt-PT" dirty="0"/>
-              <a:t>.</a:t>
-            </a:r>
+              <a:t> Um utilizador pretenda licitar num determinado leilão.</a:t>
+            </a:r>
+          </a:p>
+          <a:p>
+            <a:pPr lvl="1"/>
+            <a:r>
+              <a:rPr lang="pt-PT" dirty="0"/>
+              <a:t>Um utlizador pretenda criar um novo registo na base de dados.</a:t>
+            </a:r>
+          </a:p>
+          <a:p>
+            <a:pPr lvl="1"/>
+            <a:endParaRPr lang="pt-PT" dirty="0"/>
+          </a:p>
+          <a:p>
+            <a:pPr lvl="1"/>
+            <a:endParaRPr lang="pt-PT" dirty="0"/>
+          </a:p>
+          <a:p>
+            <a:pPr lvl="1"/>
+            <a:endParaRPr lang="pt-PT" dirty="0"/>
           </a:p>
         </p:txBody>
       </p:sp>
     </p:spTree>
     <p:extLst>
       <p:ext uri="{BB962C8B-B14F-4D97-AF65-F5344CB8AC3E}">
-        <p14:creationId xmlns:p14="http://schemas.microsoft.com/office/powerpoint/2010/main" val="2778729409"/>
+        <p14:creationId xmlns:p14="http://schemas.microsoft.com/office/powerpoint/2010/main" val="1589603869"/>
       </p:ext>
     </p:extLst>
   </p:cSld>
@@ -7398,6 +7769,141 @@
           <p:cNvPr id="2" name="Title 1">
             <a:extLst>
               <a:ext uri="{FF2B5EF4-FFF2-40B4-BE49-F238E27FC236}">
+                <a16:creationId xmlns:a16="http://schemas.microsoft.com/office/drawing/2014/main" id="{51DD0710-75AE-4ECB-A71A-413661B56C9F}"/>
+              </a:ext>
+            </a:extLst>
+          </p:cNvPr>
+          <p:cNvSpPr>
+            <a:spLocks noGrp="1"/>
+          </p:cNvSpPr>
+          <p:nvPr>
+            <p:ph type="title"/>
+          </p:nvPr>
+        </p:nvSpPr>
+        <p:spPr/>
+        <p:txBody>
+          <a:bodyPr/>
+          <a:lstStyle/>
+          <a:p>
+            <a:r>
+              <a:rPr lang="en-GB" dirty="0"/>
+              <a:t>Core technologies</a:t>
+            </a:r>
+          </a:p>
+        </p:txBody>
+      </p:sp>
+      <p:sp>
+        <p:nvSpPr>
+          <p:cNvPr id="3" name="Content Placeholder 2">
+            <a:extLst>
+              <a:ext uri="{FF2B5EF4-FFF2-40B4-BE49-F238E27FC236}">
+                <a16:creationId xmlns:a16="http://schemas.microsoft.com/office/drawing/2014/main" id="{F37072B6-925D-4CF8-B46C-20BEE700B2EE}"/>
+              </a:ext>
+            </a:extLst>
+          </p:cNvPr>
+          <p:cNvSpPr>
+            <a:spLocks noGrp="1"/>
+          </p:cNvSpPr>
+          <p:nvPr>
+            <p:ph idx="1"/>
+          </p:nvPr>
+        </p:nvSpPr>
+        <p:spPr/>
+        <p:txBody>
+          <a:bodyPr/>
+          <a:lstStyle/>
+          <a:p>
+            <a:pPr algn="just"/>
+            <a:r>
+              <a:rPr lang="pt-PT" dirty="0"/>
+              <a:t>A API será desenvolvida em </a:t>
+            </a:r>
+            <a:r>
+              <a:rPr lang="pt-PT" i="1" dirty="0"/>
+              <a:t>Python</a:t>
+            </a:r>
+            <a:r>
+              <a:rPr lang="pt-PT" dirty="0"/>
+              <a:t> recorrendo ao módulo </a:t>
+            </a:r>
+            <a:r>
+              <a:rPr lang="pt-PT" i="1" dirty="0"/>
+              <a:t>psycopg2</a:t>
+            </a:r>
+            <a:r>
+              <a:rPr lang="pt-PT" dirty="0"/>
+              <a:t> para conexão à base de dados. A base de dados irá ser gerida pelo software </a:t>
+            </a:r>
+            <a:r>
+              <a:rPr lang="pt-PT" i="1" dirty="0"/>
+              <a:t>PostgreSQL</a:t>
+            </a:r>
+            <a:r>
+              <a:rPr lang="pt-PT" dirty="0"/>
+              <a:t>.</a:t>
+            </a:r>
+          </a:p>
+          <a:p>
+            <a:pPr algn="just"/>
+            <a:r>
+              <a:rPr lang="pt-PT" dirty="0"/>
+              <a:t>Será usado o </a:t>
+            </a:r>
+            <a:r>
+              <a:rPr lang="pt-PT" i="1" dirty="0"/>
+              <a:t>Postman </a:t>
+            </a:r>
+            <a:r>
+              <a:rPr lang="pt-PT" dirty="0"/>
+              <a:t>para fazer as </a:t>
+            </a:r>
+            <a:r>
+              <a:rPr lang="pt-PT" i="1" dirty="0"/>
+              <a:t>queries </a:t>
+            </a:r>
+            <a:r>
+              <a:rPr lang="pt-PT" dirty="0"/>
+              <a:t>à base de dados</a:t>
+            </a:r>
+            <a:endParaRPr lang="pt-PT" i="1" dirty="0"/>
+          </a:p>
+        </p:txBody>
+      </p:sp>
+    </p:spTree>
+    <p:extLst>
+      <p:ext uri="{BB962C8B-B14F-4D97-AF65-F5344CB8AC3E}">
+        <p14:creationId xmlns:p14="http://schemas.microsoft.com/office/powerpoint/2010/main" val="2778729409"/>
+      </p:ext>
+    </p:extLst>
+  </p:cSld>
+  <p:clrMapOvr>
+    <a:masterClrMapping/>
+  </p:clrMapOvr>
+</p:sld>
+</file>
+
+<file path=ppt/slides/slide8.xml><?xml version="1.0" encoding="utf-8"?>
+<p:sld xmlns:a="http://schemas.openxmlformats.org/drawingml/2006/main" xmlns:r="http://schemas.openxmlformats.org/officeDocument/2006/relationships" xmlns:p="http://schemas.openxmlformats.org/presentationml/2006/main">
+  <p:cSld>
+    <p:spTree>
+      <p:nvGrpSpPr>
+        <p:cNvPr id="1" name=""/>
+        <p:cNvGrpSpPr/>
+        <p:nvPr/>
+      </p:nvGrpSpPr>
+      <p:grpSpPr>
+        <a:xfrm>
+          <a:off x="0" y="0"/>
+          <a:ext cx="0" cy="0"/>
+          <a:chOff x="0" y="0"/>
+          <a:chExt cx="0" cy="0"/>
+        </a:xfrm>
+      </p:grpSpPr>
+      <p:sp>
+        <p:nvSpPr>
+          <p:cNvPr id="2" name="Title 1">
+            <a:extLst>
+              <a:ext uri="{FF2B5EF4-FFF2-40B4-BE49-F238E27FC236}">
                 <a16:creationId xmlns:a16="http://schemas.microsoft.com/office/drawing/2014/main" id="{8B300776-9D30-4903-9887-247269051F53}"/>
               </a:ext>
             </a:extLst>
@@ -7442,7 +7948,93 @@
           <a:bodyPr/>
           <a:lstStyle/>
           <a:p>
-            <a:endParaRPr lang="en-GB"/>
+            <a:pPr marL="0" indent="0">
+              <a:buNone/>
+            </a:pPr>
+            <a:r>
+              <a:rPr lang="en-US" dirty="0"/>
+              <a:t>Com as </a:t>
+            </a:r>
+            <a:r>
+              <a:rPr lang="en-US" dirty="0" err="1"/>
+              <a:t>tableas</a:t>
+            </a:r>
+            <a:r>
+              <a:rPr lang="en-US" dirty="0"/>
+              <a:t> e o </a:t>
+            </a:r>
+            <a:r>
+              <a:rPr lang="en-US" dirty="0" err="1"/>
+              <a:t>modelo</a:t>
+            </a:r>
+            <a:r>
+              <a:rPr lang="en-US" dirty="0"/>
+              <a:t> ER </a:t>
+            </a:r>
+            <a:r>
+              <a:rPr lang="en-US" dirty="0" err="1"/>
+              <a:t>criados</a:t>
+            </a:r>
+            <a:r>
+              <a:rPr lang="en-US" dirty="0"/>
+              <a:t>, </a:t>
+            </a:r>
+            <a:r>
+              <a:rPr lang="en-US" dirty="0" err="1"/>
+              <a:t>será</a:t>
+            </a:r>
+            <a:r>
+              <a:rPr lang="en-US" dirty="0"/>
+              <a:t> </a:t>
+            </a:r>
+            <a:r>
+              <a:rPr lang="en-US" dirty="0" err="1"/>
+              <a:t>desenvolvida</a:t>
+            </a:r>
+            <a:r>
+              <a:rPr lang="en-US" dirty="0"/>
+              <a:t> a API que </a:t>
+            </a:r>
+            <a:r>
+              <a:rPr lang="en-US" dirty="0" err="1"/>
+              <a:t>irá</a:t>
+            </a:r>
+            <a:r>
+              <a:rPr lang="en-US" dirty="0"/>
+              <a:t> </a:t>
+            </a:r>
+            <a:r>
+              <a:rPr lang="en-US" dirty="0" err="1"/>
+              <a:t>implementar</a:t>
+            </a:r>
+            <a:r>
+              <a:rPr lang="en-US" dirty="0"/>
+              <a:t> as </a:t>
+            </a:r>
+            <a:r>
+              <a:rPr lang="en-US" dirty="0" err="1"/>
+              <a:t>funções</a:t>
+            </a:r>
+            <a:r>
+              <a:rPr lang="en-US" dirty="0"/>
+              <a:t> </a:t>
+            </a:r>
+            <a:r>
+              <a:rPr lang="en-US" dirty="0" err="1"/>
+              <a:t>descritas</a:t>
+            </a:r>
+            <a:r>
+              <a:rPr lang="en-US" dirty="0"/>
+              <a:t> </a:t>
+            </a:r>
+            <a:r>
+              <a:rPr lang="en-US" dirty="0" err="1"/>
+              <a:t>anteriormente</a:t>
+            </a:r>
+            <a:r>
+              <a:rPr lang="en-US" dirty="0"/>
+              <a:t>.</a:t>
+            </a:r>
           </a:p>
         </p:txBody>
       </p:sp>
@@ -7459,7 +8051,7 @@
 </p:sld>
 </file>
 
-<file path=ppt/slides/slide8.xml><?xml version="1.0" encoding="utf-8"?>
+<file path=ppt/slides/slide9.xml><?xml version="1.0" encoding="utf-8"?>
 <p:sld xmlns:a="http://schemas.openxmlformats.org/drawingml/2006/main" xmlns:r="http://schemas.openxmlformats.org/officeDocument/2006/relationships" xmlns:p="http://schemas.openxmlformats.org/presentationml/2006/main">
   <p:cSld>
     <p:spTree>
@@ -7593,149 +8185,6 @@
     <p:extLst>
       <p:ext uri="{BB962C8B-B14F-4D97-AF65-F5344CB8AC3E}">
         <p14:creationId xmlns:p14="http://schemas.microsoft.com/office/powerpoint/2010/main" val="1600242738"/>
-      </p:ext>
-    </p:extLst>
-  </p:cSld>
-  <p:clrMapOvr>
-    <a:masterClrMapping/>
-  </p:clrMapOvr>
-</p:sld>
-</file>
-
-<file path=ppt/slides/slide9.xml><?xml version="1.0" encoding="utf-8"?>
-<p:sld xmlns:a="http://schemas.openxmlformats.org/drawingml/2006/main" xmlns:r="http://schemas.openxmlformats.org/officeDocument/2006/relationships" xmlns:p="http://schemas.openxmlformats.org/presentationml/2006/main">
-  <p:cSld>
-    <p:spTree>
-      <p:nvGrpSpPr>
-        <p:cNvPr id="1" name=""/>
-        <p:cNvGrpSpPr/>
-        <p:nvPr/>
-      </p:nvGrpSpPr>
-      <p:grpSpPr>
-        <a:xfrm>
-          <a:off x="0" y="0"/>
-          <a:ext cx="0" cy="0"/>
-          <a:chOff x="0" y="0"/>
-          <a:chExt cx="0" cy="0"/>
-        </a:xfrm>
-      </p:grpSpPr>
-      <p:sp>
-        <p:nvSpPr>
-          <p:cNvPr id="3" name="Rectangle 2">
-            <a:extLst>
-              <a:ext uri="{FF2B5EF4-FFF2-40B4-BE49-F238E27FC236}">
-                <a16:creationId xmlns:a16="http://schemas.microsoft.com/office/drawing/2014/main" id="{D53BEF86-51AF-46A8-A493-4D6C411CAEAB}"/>
-              </a:ext>
-            </a:extLst>
-          </p:cNvPr>
-          <p:cNvSpPr/>
-          <p:nvPr/>
-        </p:nvSpPr>
-        <p:spPr>
-          <a:xfrm>
-            <a:off x="742494" y="1996198"/>
-            <a:ext cx="10758195" cy="4670379"/>
-          </a:xfrm>
-          <a:prstGeom prst="rect">
-            <a:avLst/>
-          </a:prstGeom>
-          <a:solidFill>
-            <a:schemeClr val="tx1"/>
-          </a:solidFill>
-        </p:spPr>
-        <p:style>
-          <a:lnRef idx="2">
-            <a:schemeClr val="accent1">
-              <a:shade val="50000"/>
-            </a:schemeClr>
-          </a:lnRef>
-          <a:fillRef idx="1">
-            <a:schemeClr val="accent1"/>
-          </a:fillRef>
-          <a:effectRef idx="0">
-            <a:schemeClr val="accent1"/>
-          </a:effectRef>
-          <a:fontRef idx="minor">
-            <a:schemeClr val="lt1"/>
-          </a:fontRef>
-        </p:style>
-        <p:txBody>
-          <a:bodyPr rtlCol="0" anchor="ctr"/>
-          <a:lstStyle/>
-          <a:p>
-            <a:pPr algn="ctr"/>
-            <a:endParaRPr lang="en-GB"/>
-          </a:p>
-        </p:txBody>
-      </p:sp>
-      <p:sp>
-        <p:nvSpPr>
-          <p:cNvPr id="2" name="Title 1">
-            <a:extLst>
-              <a:ext uri="{FF2B5EF4-FFF2-40B4-BE49-F238E27FC236}">
-                <a16:creationId xmlns:a16="http://schemas.microsoft.com/office/drawing/2014/main" id="{ABEE40E1-3CF2-423F-B25C-5EAD6F6A82D4}"/>
-              </a:ext>
-            </a:extLst>
-          </p:cNvPr>
-          <p:cNvSpPr>
-            <a:spLocks noGrp="1"/>
-          </p:cNvSpPr>
-          <p:nvPr>
-            <p:ph type="title"/>
-          </p:nvPr>
-        </p:nvSpPr>
-        <p:spPr/>
-        <p:txBody>
-          <a:bodyPr/>
-          <a:lstStyle/>
-          <a:p>
-            <a:r>
-              <a:rPr lang="en-US" dirty="0"/>
-              <a:t>Tables</a:t>
-            </a:r>
-            <a:endParaRPr lang="en-GB" dirty="0"/>
-          </a:p>
-        </p:txBody>
-      </p:sp>
-      <p:pic>
-        <p:nvPicPr>
-          <p:cNvPr id="7" name="Marcador de Posição de Conteúdo 4">
-            <a:extLst>
-              <a:ext uri="{FF2B5EF4-FFF2-40B4-BE49-F238E27FC236}">
-                <a16:creationId xmlns:a16="http://schemas.microsoft.com/office/drawing/2014/main" id="{EE4B2CFA-5028-42AD-9C20-A3C0BBCB4E9B}"/>
-              </a:ext>
-            </a:extLst>
-          </p:cNvPr>
-          <p:cNvPicPr>
-            <a:picLocks noGrp="1" noChangeAspect="1"/>
-          </p:cNvPicPr>
-          <p:nvPr>
-            <p:ph idx="1"/>
-          </p:nvPr>
-        </p:nvPicPr>
-        <p:blipFill>
-          <a:blip r:embed="rId2">
-            <a:extLst>
-              <a:ext uri="{28A0092B-C50C-407E-A947-70E740481C1C}">
-                <a14:useLocalDpi xmlns:a14="http://schemas.microsoft.com/office/drawing/2010/main" val="0"/>
-              </a:ext>
-            </a:extLst>
-          </a:blip>
-          <a:stretch>
-            <a:fillRect/>
-          </a:stretch>
-        </p:blipFill>
-        <p:spPr>
-          <a:xfrm>
-            <a:off x="1202919" y="2177856"/>
-            <a:ext cx="9783763" cy="4075537"/>
-          </a:xfrm>
-        </p:spPr>
-      </p:pic>
-    </p:spTree>
-    <p:extLst>
-      <p:ext uri="{BB962C8B-B14F-4D97-AF65-F5344CB8AC3E}">
-        <p14:creationId xmlns:p14="http://schemas.microsoft.com/office/powerpoint/2010/main" val="3396809642"/>
       </p:ext>
     </p:extLst>
   </p:cSld>

--- a/Apresentação/Apresentação.pptx
+++ b/Apresentação/Apresentação.pptx
@@ -1,27 +1,127 @@
 
 <file path=ppt/presentation.xml><?xml version="1.0" encoding="utf-8"?>
-<p:presentation xmlns:a="http://schemas.openxmlformats.org/drawingml/2006/main" xmlns:p="http://schemas.openxmlformats.org/presentationml/2006/main" xmlns:r="http://schemas.openxmlformats.org/officeDocument/2006/relationships" xmlns:p14="http://schemas.microsoft.com/office/powerpoint/2010/main" xmlns:p15="http://schemas.microsoft.com/office/powerpoint/2012/main" xmlns:mc="http://schemas.openxmlformats.org/markup-compatibility/2006">
+<p:presentation xmlns:a="http://schemas.openxmlformats.org/drawingml/2006/main" xmlns:r="http://schemas.openxmlformats.org/officeDocument/2006/relationships" xmlns:p="http://schemas.openxmlformats.org/presentationml/2006/main">
   <p:sldMasterIdLst>
-    <p:sldMasterId id="2147483648" r:id="rId2"/>
-    <p:sldMasterId id="2147483661" r:id="rId3"/>
+    <p:sldMasterId id="2147483648" r:id="rId1"/>
+    <p:sldMasterId id="2147483661" r:id="rId2"/>
   </p:sldMasterIdLst>
   <p:notesMasterIdLst>
-    <p:notesMasterId r:id="rId4"/>
+    <p:notesMasterId r:id="rId13"/>
   </p:notesMasterIdLst>
   <p:sldIdLst>
-    <p:sldId id="256" r:id="rId5"/>
-    <p:sldId id="257" r:id="rId6"/>
-    <p:sldId id="258" r:id="rId7"/>
-    <p:sldId id="259" r:id="rId8"/>
-    <p:sldId id="260" r:id="rId9"/>
-    <p:sldId id="261" r:id="rId10"/>
-    <p:sldId id="262" r:id="rId11"/>
-    <p:sldId id="263" r:id="rId12"/>
-    <p:sldId id="264" r:id="rId13"/>
-    <p:sldId id="265" r:id="rId14"/>
+    <p:sldId id="256" r:id="rId3"/>
+    <p:sldId id="257" r:id="rId4"/>
+    <p:sldId id="258" r:id="rId5"/>
+    <p:sldId id="259" r:id="rId6"/>
+    <p:sldId id="260" r:id="rId7"/>
+    <p:sldId id="261" r:id="rId8"/>
+    <p:sldId id="262" r:id="rId9"/>
+    <p:sldId id="263" r:id="rId10"/>
+    <p:sldId id="264" r:id="rId11"/>
+    <p:sldId id="265" r:id="rId12"/>
   </p:sldIdLst>
   <p:sldSz cx="12192000" cy="6858000"/>
   <p:notesSz cx="6858000" cy="9144000"/>
+  <p:defaultTextStyle>
+    <a:defPPr>
+      <a:defRPr lang="en-US"/>
+    </a:defPPr>
+    <a:lvl1pPr marL="0" algn="l" defTabSz="914400" rtl="0" eaLnBrk="1" latinLnBrk="0" hangingPunct="1">
+      <a:defRPr sz="1800" kern="1200">
+        <a:solidFill>
+          <a:schemeClr val="tx1"/>
+        </a:solidFill>
+        <a:latin typeface="+mn-lt"/>
+        <a:ea typeface="+mn-ea"/>
+        <a:cs typeface="+mn-cs"/>
+      </a:defRPr>
+    </a:lvl1pPr>
+    <a:lvl2pPr marL="457200" algn="l" defTabSz="914400" rtl="0" eaLnBrk="1" latinLnBrk="0" hangingPunct="1">
+      <a:defRPr sz="1800" kern="1200">
+        <a:solidFill>
+          <a:schemeClr val="tx1"/>
+        </a:solidFill>
+        <a:latin typeface="+mn-lt"/>
+        <a:ea typeface="+mn-ea"/>
+        <a:cs typeface="+mn-cs"/>
+      </a:defRPr>
+    </a:lvl2pPr>
+    <a:lvl3pPr marL="914400" algn="l" defTabSz="914400" rtl="0" eaLnBrk="1" latinLnBrk="0" hangingPunct="1">
+      <a:defRPr sz="1800" kern="1200">
+        <a:solidFill>
+          <a:schemeClr val="tx1"/>
+        </a:solidFill>
+        <a:latin typeface="+mn-lt"/>
+        <a:ea typeface="+mn-ea"/>
+        <a:cs typeface="+mn-cs"/>
+      </a:defRPr>
+    </a:lvl3pPr>
+    <a:lvl4pPr marL="1371600" algn="l" defTabSz="914400" rtl="0" eaLnBrk="1" latinLnBrk="0" hangingPunct="1">
+      <a:defRPr sz="1800" kern="1200">
+        <a:solidFill>
+          <a:schemeClr val="tx1"/>
+        </a:solidFill>
+        <a:latin typeface="+mn-lt"/>
+        <a:ea typeface="+mn-ea"/>
+        <a:cs typeface="+mn-cs"/>
+      </a:defRPr>
+    </a:lvl4pPr>
+    <a:lvl5pPr marL="1828800" algn="l" defTabSz="914400" rtl="0" eaLnBrk="1" latinLnBrk="0" hangingPunct="1">
+      <a:defRPr sz="1800" kern="1200">
+        <a:solidFill>
+          <a:schemeClr val="tx1"/>
+        </a:solidFill>
+        <a:latin typeface="+mn-lt"/>
+        <a:ea typeface="+mn-ea"/>
+        <a:cs typeface="+mn-cs"/>
+      </a:defRPr>
+    </a:lvl5pPr>
+    <a:lvl6pPr marL="2286000" algn="l" defTabSz="914400" rtl="0" eaLnBrk="1" latinLnBrk="0" hangingPunct="1">
+      <a:defRPr sz="1800" kern="1200">
+        <a:solidFill>
+          <a:schemeClr val="tx1"/>
+        </a:solidFill>
+        <a:latin typeface="+mn-lt"/>
+        <a:ea typeface="+mn-ea"/>
+        <a:cs typeface="+mn-cs"/>
+      </a:defRPr>
+    </a:lvl6pPr>
+    <a:lvl7pPr marL="2743200" algn="l" defTabSz="914400" rtl="0" eaLnBrk="1" latinLnBrk="0" hangingPunct="1">
+      <a:defRPr sz="1800" kern="1200">
+        <a:solidFill>
+          <a:schemeClr val="tx1"/>
+        </a:solidFill>
+        <a:latin typeface="+mn-lt"/>
+        <a:ea typeface="+mn-ea"/>
+        <a:cs typeface="+mn-cs"/>
+      </a:defRPr>
+    </a:lvl7pPr>
+    <a:lvl8pPr marL="3200400" algn="l" defTabSz="914400" rtl="0" eaLnBrk="1" latinLnBrk="0" hangingPunct="1">
+      <a:defRPr sz="1800" kern="1200">
+        <a:solidFill>
+          <a:schemeClr val="tx1"/>
+        </a:solidFill>
+        <a:latin typeface="+mn-lt"/>
+        <a:ea typeface="+mn-ea"/>
+        <a:cs typeface="+mn-cs"/>
+      </a:defRPr>
+    </a:lvl8pPr>
+    <a:lvl9pPr marL="3657600" algn="l" defTabSz="914400" rtl="0" eaLnBrk="1" latinLnBrk="0" hangingPunct="1">
+      <a:defRPr sz="1800" kern="1200">
+        <a:solidFill>
+          <a:schemeClr val="tx1"/>
+        </a:solidFill>
+        <a:latin typeface="+mn-lt"/>
+        <a:ea typeface="+mn-ea"/>
+        <a:cs typeface="+mn-cs"/>
+      </a:defRPr>
+    </a:lvl9pPr>
+  </p:defaultTextStyle>
+  <p:extLst>
+    <p:ext uri="{EFAFB233-063F-42B5-8137-9DF3F51BA10A}">
+      <p15:sldGuideLst xmlns:p15="http://schemas.microsoft.com/office/powerpoint/2012/main"/>
+    </p:ext>
+  </p:extLst>
 </p:presentation>
 </file>
 
@@ -1035,7 +1135,7 @@
   <dgm:whole/>
   <dgm:extLst>
     <a:ext uri="http://schemas.microsoft.com/office/drawing/2008/diagram">
-      <dsp:dataModelExt xmlns:dsp="http://schemas.microsoft.com/office/drawing/2008/diagram" relId="rId5" minVer="http://schemas.openxmlformats.org/drawingml/2006/diagram"/>
+      <dsp:dataModelExt xmlns:dsp="http://schemas.microsoft.com/office/drawing/2008/diagram" relId="rId6" minVer="http://schemas.openxmlformats.org/drawingml/2006/diagram"/>
     </a:ext>
   </dgm:extLst>
 </dgm:dataModel>
@@ -1056,8 +1156,8 @@
       </dsp:nvSpPr>
       <dsp:spPr>
         <a:xfrm>
-          <a:off x="0" y="441802"/>
-          <a:ext cx="9783763" cy="1190700"/>
+          <a:off x="0" y="463589"/>
+          <a:ext cx="9783360" cy="1168650"/>
         </a:xfrm>
         <a:prstGeom prst="rect">
           <a:avLst/>
@@ -1071,7 +1171,7 @@
             <a:alphaOff val="0"/>
           </a:schemeClr>
         </a:solidFill>
-        <a:ln w="12700" cap="flat" cmpd="sng" algn="ctr">
+        <a:ln w="25400" cap="flat" cmpd="sng" algn="ctr">
           <a:solidFill>
             <a:schemeClr val="dk2">
               <a:hueOff val="0"/>
@@ -1081,6 +1181,7 @@
             </a:schemeClr>
           </a:solidFill>
           <a:prstDash val="solid"/>
+          <a:miter/>
         </a:ln>
         <a:effectLst/>
       </dsp:spPr>
@@ -1097,7 +1198,7 @@
         <a:fontRef idx="minor"/>
       </dsp:style>
       <dsp:txBody>
-        <a:bodyPr spcFirstLastPara="0" vert="horz" wrap="square" lIns="759329" tIns="583184" rIns="759329" bIns="199136" numCol="1" spcCol="1270" anchor="t" anchorCtr="0">
+        <a:bodyPr spcFirstLastPara="0" vert="horz" wrap="square" lIns="759297" tIns="583184" rIns="759297" bIns="199136" numCol="1" spcCol="1270" anchor="t" anchorCtr="0">
           <a:noAutofit/>
         </a:bodyPr>
         <a:lstStyle/>
@@ -1121,8 +1222,8 @@
         </a:p>
       </dsp:txBody>
       <dsp:txXfrm>
-        <a:off x="0" y="441802"/>
-        <a:ext cx="9783763" cy="1190700"/>
+        <a:off x="0" y="463589"/>
+        <a:ext cx="9783360" cy="1168650"/>
       </dsp:txXfrm>
     </dsp:sp>
     <dsp:sp modelId="{E8450802-F14C-4FFD-AF63-C2B84A58D651}">
@@ -1132,8 +1233,8 @@
       </dsp:nvSpPr>
       <dsp:spPr>
         <a:xfrm>
-          <a:off x="489188" y="28522"/>
-          <a:ext cx="6848634" cy="826560"/>
+          <a:off x="489168" y="50309"/>
+          <a:ext cx="6848352" cy="826560"/>
         </a:xfrm>
         <a:prstGeom prst="roundRect">
           <a:avLst/>
@@ -1146,7 +1247,7 @@
             <a:alphaOff val="0"/>
           </a:schemeClr>
         </a:solidFill>
-        <a:ln w="12700" cap="flat" cmpd="sng" algn="ctr">
+        <a:ln w="25400" cap="flat" cmpd="sng" algn="ctr">
           <a:solidFill>
             <a:schemeClr val="lt2">
               <a:hueOff val="0"/>
@@ -1156,6 +1257,7 @@
             </a:schemeClr>
           </a:solidFill>
           <a:prstDash val="solid"/>
+          <a:miter/>
         </a:ln>
         <a:effectLst/>
       </dsp:spPr>
@@ -1174,7 +1276,7 @@
         </a:fontRef>
       </dsp:style>
       <dsp:txBody>
-        <a:bodyPr spcFirstLastPara="0" vert="horz" wrap="square" lIns="258862" tIns="0" rIns="258862" bIns="0" numCol="1" spcCol="1270" anchor="ctr" anchorCtr="0">
+        <a:bodyPr spcFirstLastPara="0" vert="horz" wrap="square" lIns="258851" tIns="0" rIns="258851" bIns="0" numCol="1" spcCol="1270" anchor="ctr" anchorCtr="0">
           <a:noAutofit/>
         </a:bodyPr>
         <a:lstStyle/>
@@ -1198,8 +1300,8 @@
         </a:p>
       </dsp:txBody>
       <dsp:txXfrm>
-        <a:off x="529537" y="68871"/>
-        <a:ext cx="6767936" cy="745862"/>
+        <a:off x="529517" y="90658"/>
+        <a:ext cx="6767654" cy="745862"/>
       </dsp:txXfrm>
     </dsp:sp>
     <dsp:sp modelId="{52D2284D-4F6C-4571-A6BE-3ABBA5524EF2}">
@@ -1209,8 +1311,8 @@
       </dsp:nvSpPr>
       <dsp:spPr>
         <a:xfrm>
-          <a:off x="0" y="2196982"/>
-          <a:ext cx="9783763" cy="1190700"/>
+          <a:off x="0" y="2196720"/>
+          <a:ext cx="9783360" cy="1168650"/>
         </a:xfrm>
         <a:prstGeom prst="rect">
           <a:avLst/>
@@ -1224,7 +1326,7 @@
             <a:alphaOff val="0"/>
           </a:schemeClr>
         </a:solidFill>
-        <a:ln w="12700" cap="flat" cmpd="sng" algn="ctr">
+        <a:ln w="25400" cap="flat" cmpd="sng" algn="ctr">
           <a:solidFill>
             <a:schemeClr val="dk2">
               <a:hueOff val="0"/>
@@ -1234,6 +1336,7 @@
             </a:schemeClr>
           </a:solidFill>
           <a:prstDash val="solid"/>
+          <a:miter/>
         </a:ln>
         <a:effectLst/>
       </dsp:spPr>
@@ -1250,7 +1353,7 @@
         <a:fontRef idx="minor"/>
       </dsp:style>
       <dsp:txBody>
-        <a:bodyPr spcFirstLastPara="0" vert="horz" wrap="square" lIns="759329" tIns="583184" rIns="759329" bIns="199136" numCol="1" spcCol="1270" anchor="t" anchorCtr="0">
+        <a:bodyPr spcFirstLastPara="0" vert="horz" wrap="square" lIns="759297" tIns="583184" rIns="759297" bIns="199136" numCol="1" spcCol="1270" anchor="t" anchorCtr="0">
           <a:noAutofit/>
         </a:bodyPr>
         <a:lstStyle/>
@@ -1274,8 +1377,8 @@
         </a:p>
       </dsp:txBody>
       <dsp:txXfrm>
-        <a:off x="0" y="2196982"/>
-        <a:ext cx="9783763" cy="1190700"/>
+        <a:off x="0" y="2196720"/>
+        <a:ext cx="9783360" cy="1168650"/>
       </dsp:txXfrm>
     </dsp:sp>
     <dsp:sp modelId="{2DEC81C1-435E-4C1C-BFC3-C3407D7AE16D}">
@@ -1285,8 +1388,8 @@
       </dsp:nvSpPr>
       <dsp:spPr>
         <a:xfrm>
-          <a:off x="489188" y="1783702"/>
-          <a:ext cx="6848634" cy="826560"/>
+          <a:off x="489168" y="1783440"/>
+          <a:ext cx="6848352" cy="826560"/>
         </a:xfrm>
         <a:prstGeom prst="roundRect">
           <a:avLst/>
@@ -1299,7 +1402,7 @@
             <a:alphaOff val="0"/>
           </a:schemeClr>
         </a:solidFill>
-        <a:ln w="12700" cap="flat" cmpd="sng" algn="ctr">
+        <a:ln w="25400" cap="flat" cmpd="sng" algn="ctr">
           <a:solidFill>
             <a:schemeClr val="lt2">
               <a:hueOff val="0"/>
@@ -1309,6 +1412,7 @@
             </a:schemeClr>
           </a:solidFill>
           <a:prstDash val="solid"/>
+          <a:miter/>
         </a:ln>
         <a:effectLst/>
       </dsp:spPr>
@@ -1327,7 +1431,7 @@
         </a:fontRef>
       </dsp:style>
       <dsp:txBody>
-        <a:bodyPr spcFirstLastPara="0" vert="horz" wrap="square" lIns="258862" tIns="0" rIns="258862" bIns="0" numCol="1" spcCol="1270" anchor="ctr" anchorCtr="0">
+        <a:bodyPr spcFirstLastPara="0" vert="horz" wrap="square" lIns="258851" tIns="0" rIns="258851" bIns="0" numCol="1" spcCol="1270" anchor="ctr" anchorCtr="0">
           <a:noAutofit/>
         </a:bodyPr>
         <a:lstStyle/>
@@ -1351,8 +1455,8 @@
         </a:p>
       </dsp:txBody>
       <dsp:txXfrm>
-        <a:off x="529537" y="1824051"/>
-        <a:ext cx="6767936" cy="745862"/>
+        <a:off x="529517" y="1823789"/>
+        <a:ext cx="6767654" cy="745862"/>
       </dsp:txXfrm>
     </dsp:sp>
   </dsp:spTree>
@@ -2619,7 +2723,339 @@
 </file>
 
 <file path=ppt/notesMasters/notesMaster1.xml><?xml version="1.0" encoding="utf-8"?>
-<p:notesMaster xmlns:a="http://schemas.openxmlformats.org/drawingml/2006/main" xmlns:p="http://schemas.openxmlformats.org/presentationml/2006/main" xmlns:r="http://schemas.openxmlformats.org/officeDocument/2006/relationships" xmlns:p14="http://schemas.microsoft.com/office/powerpoint/2010/main" xmlns:p15="http://schemas.microsoft.com/office/powerpoint/2012/main" xmlns:mc="http://schemas.openxmlformats.org/markup-compatibility/2006">
+<p:notesMaster xmlns:a="http://schemas.openxmlformats.org/drawingml/2006/main" xmlns:r="http://schemas.openxmlformats.org/officeDocument/2006/relationships" xmlns:p="http://schemas.openxmlformats.org/presentationml/2006/main">
+  <p:cSld>
+    <p:bg>
+      <p:bgRef idx="1001">
+        <a:schemeClr val="bg1"/>
+      </p:bgRef>
+    </p:bg>
+    <p:spTree>
+      <p:nvGrpSpPr>
+        <p:cNvPr id="1" name=""/>
+        <p:cNvGrpSpPr/>
+        <p:nvPr/>
+      </p:nvGrpSpPr>
+      <p:grpSpPr>
+        <a:xfrm>
+          <a:off x="0" y="0"/>
+          <a:ext cx="0" cy="0"/>
+          <a:chOff x="0" y="0"/>
+          <a:chExt cx="0" cy="0"/>
+        </a:xfrm>
+      </p:grpSpPr>
+      <p:sp>
+        <p:nvSpPr>
+          <p:cNvPr id="85" name="PlaceHolder 1"/>
+          <p:cNvSpPr>
+            <a:spLocks noGrp="1" noRot="1" noChangeAspect="1"/>
+          </p:cNvSpPr>
+          <p:nvPr>
+            <p:ph type="sldImg"/>
+          </p:nvPr>
+        </p:nvSpPr>
+        <p:spPr>
+          <a:xfrm>
+            <a:off x="216000" y="812520"/>
+            <a:ext cx="7127280" cy="4008960"/>
+          </a:xfrm>
+          <a:prstGeom prst="rect">
+            <a:avLst/>
+          </a:prstGeom>
+        </p:spPr>
+        <p:txBody>
+          <a:bodyPr lIns="0" tIns="0" rIns="0" bIns="0" anchor="ctr">
+            <a:noAutofit/>
+          </a:bodyPr>
+          <a:lstStyle/>
+          <a:p>
+            <a:r>
+              <a:rPr lang="en-US" sz="1800" b="0" strike="noStrike" spc="-1">
+                <a:solidFill>
+                  <a:srgbClr val="FFFFFF"/>
+                </a:solidFill>
+                <a:latin typeface="Corbel"/>
+              </a:rPr>
+              <a:t>Click to move the slide</a:t>
+            </a:r>
+          </a:p>
+        </p:txBody>
+      </p:sp>
+      <p:sp>
+        <p:nvSpPr>
+          <p:cNvPr id="86" name="PlaceHolder 2"/>
+          <p:cNvSpPr>
+            <a:spLocks noGrp="1"/>
+          </p:cNvSpPr>
+          <p:nvPr>
+            <p:ph type="body"/>
+          </p:nvPr>
+        </p:nvSpPr>
+        <p:spPr>
+          <a:xfrm>
+            <a:off x="756000" y="5078520"/>
+            <a:ext cx="6047640" cy="4811040"/>
+          </a:xfrm>
+          <a:prstGeom prst="rect">
+            <a:avLst/>
+          </a:prstGeom>
+        </p:spPr>
+        <p:txBody>
+          <a:bodyPr lIns="0" tIns="0" rIns="0" bIns="0">
+            <a:noAutofit/>
+          </a:bodyPr>
+          <a:lstStyle/>
+          <a:p>
+            <a:r>
+              <a:rPr lang="pt-PT" sz="2000" b="0" strike="noStrike" spc="-1">
+                <a:latin typeface="Arial"/>
+              </a:rPr>
+              <a:t>Click to edit the notes format</a:t>
+            </a:r>
+          </a:p>
+        </p:txBody>
+      </p:sp>
+      <p:sp>
+        <p:nvSpPr>
+          <p:cNvPr id="87" name="PlaceHolder 3"/>
+          <p:cNvSpPr>
+            <a:spLocks noGrp="1"/>
+          </p:cNvSpPr>
+          <p:nvPr>
+            <p:ph type="hdr"/>
+          </p:nvPr>
+        </p:nvSpPr>
+        <p:spPr>
+          <a:xfrm>
+            <a:off x="0" y="0"/>
+            <a:ext cx="3280680" cy="534240"/>
+          </a:xfrm>
+          <a:prstGeom prst="rect">
+            <a:avLst/>
+          </a:prstGeom>
+        </p:spPr>
+        <p:txBody>
+          <a:bodyPr lIns="0" tIns="0" rIns="0" bIns="0">
+            <a:noAutofit/>
+          </a:bodyPr>
+          <a:lstStyle/>
+          <a:p>
+            <a:r>
+              <a:rPr lang="pt-PT" sz="1400" b="0" strike="noStrike" spc="-1">
+                <a:latin typeface="Times New Roman"/>
+              </a:rPr>
+              <a:t>&lt;header&gt;</a:t>
+            </a:r>
+          </a:p>
+        </p:txBody>
+      </p:sp>
+      <p:sp>
+        <p:nvSpPr>
+          <p:cNvPr id="88" name="PlaceHolder 4"/>
+          <p:cNvSpPr>
+            <a:spLocks noGrp="1"/>
+          </p:cNvSpPr>
+          <p:nvPr>
+            <p:ph type="dt"/>
+          </p:nvPr>
+        </p:nvSpPr>
+        <p:spPr>
+          <a:xfrm>
+            <a:off x="4278960" y="0"/>
+            <a:ext cx="3280680" cy="534240"/>
+          </a:xfrm>
+          <a:prstGeom prst="rect">
+            <a:avLst/>
+          </a:prstGeom>
+        </p:spPr>
+        <p:txBody>
+          <a:bodyPr lIns="0" tIns="0" rIns="0" bIns="0">
+            <a:noAutofit/>
+          </a:bodyPr>
+          <a:lstStyle/>
+          <a:p>
+            <a:pPr algn="r"/>
+            <a:r>
+              <a:rPr lang="pt-PT" sz="1400" b="0" strike="noStrike" spc="-1">
+                <a:latin typeface="Times New Roman"/>
+              </a:rPr>
+              <a:t>&lt;date/time&gt;</a:t>
+            </a:r>
+          </a:p>
+        </p:txBody>
+      </p:sp>
+      <p:sp>
+        <p:nvSpPr>
+          <p:cNvPr id="89" name="PlaceHolder 5"/>
+          <p:cNvSpPr>
+            <a:spLocks noGrp="1"/>
+          </p:cNvSpPr>
+          <p:nvPr>
+            <p:ph type="ftr"/>
+          </p:nvPr>
+        </p:nvSpPr>
+        <p:spPr>
+          <a:xfrm>
+            <a:off x="0" y="10157400"/>
+            <a:ext cx="3280680" cy="534240"/>
+          </a:xfrm>
+          <a:prstGeom prst="rect">
+            <a:avLst/>
+          </a:prstGeom>
+        </p:spPr>
+        <p:txBody>
+          <a:bodyPr lIns="0" tIns="0" rIns="0" bIns="0" anchor="b">
+            <a:noAutofit/>
+          </a:bodyPr>
+          <a:lstStyle/>
+          <a:p>
+            <a:r>
+              <a:rPr lang="pt-PT" sz="1400" b="0" strike="noStrike" spc="-1">
+                <a:latin typeface="Times New Roman"/>
+              </a:rPr>
+              <a:t>&lt;footer&gt;</a:t>
+            </a:r>
+          </a:p>
+        </p:txBody>
+      </p:sp>
+      <p:sp>
+        <p:nvSpPr>
+          <p:cNvPr id="90" name="PlaceHolder 6"/>
+          <p:cNvSpPr>
+            <a:spLocks noGrp="1"/>
+          </p:cNvSpPr>
+          <p:nvPr>
+            <p:ph type="sldNum"/>
+          </p:nvPr>
+        </p:nvSpPr>
+        <p:spPr>
+          <a:xfrm>
+            <a:off x="4278960" y="10157400"/>
+            <a:ext cx="3280680" cy="534240"/>
+          </a:xfrm>
+          <a:prstGeom prst="rect">
+            <a:avLst/>
+          </a:prstGeom>
+        </p:spPr>
+        <p:txBody>
+          <a:bodyPr lIns="0" tIns="0" rIns="0" bIns="0" anchor="b">
+            <a:noAutofit/>
+          </a:bodyPr>
+          <a:lstStyle/>
+          <a:p>
+            <a:pPr algn="r"/>
+            <a:fld id="{D560EF4A-286B-46A3-A9FD-8E66AE06F845}" type="slidenum">
+              <a:rPr lang="pt-PT" sz="1400" b="0" strike="noStrike" spc="-1">
+                <a:latin typeface="Times New Roman"/>
+              </a:rPr>
+              <a:t>‹#›</a:t>
+            </a:fld>
+            <a:endParaRPr lang="pt-PT" sz="1400" b="0" strike="noStrike" spc="-1">
+              <a:latin typeface="Times New Roman"/>
+            </a:endParaRPr>
+          </a:p>
+        </p:txBody>
+      </p:sp>
+    </p:spTree>
+  </p:cSld>
+  <p:clrMap bg1="lt1" tx1="dk1" bg2="lt2" tx2="dk2" accent1="accent1" accent2="accent2" accent3="accent3" accent4="accent4" accent5="accent5" accent6="accent6" hlink="hlink" folHlink="folHlink"/>
+  <p:notesStyle>
+    <a:lvl1pPr marL="0" algn="l" defTabSz="914400" rtl="0" eaLnBrk="1" latinLnBrk="0" hangingPunct="1">
+      <a:defRPr sz="1200" kern="1200">
+        <a:solidFill>
+          <a:schemeClr val="tx1"/>
+        </a:solidFill>
+        <a:latin typeface="+mn-lt"/>
+        <a:ea typeface="+mn-ea"/>
+        <a:cs typeface="+mn-cs"/>
+      </a:defRPr>
+    </a:lvl1pPr>
+    <a:lvl2pPr marL="457200" algn="l" defTabSz="914400" rtl="0" eaLnBrk="1" latinLnBrk="0" hangingPunct="1">
+      <a:defRPr sz="1200" kern="1200">
+        <a:solidFill>
+          <a:schemeClr val="tx1"/>
+        </a:solidFill>
+        <a:latin typeface="+mn-lt"/>
+        <a:ea typeface="+mn-ea"/>
+        <a:cs typeface="+mn-cs"/>
+      </a:defRPr>
+    </a:lvl2pPr>
+    <a:lvl3pPr marL="914400" algn="l" defTabSz="914400" rtl="0" eaLnBrk="1" latinLnBrk="0" hangingPunct="1">
+      <a:defRPr sz="1200" kern="1200">
+        <a:solidFill>
+          <a:schemeClr val="tx1"/>
+        </a:solidFill>
+        <a:latin typeface="+mn-lt"/>
+        <a:ea typeface="+mn-ea"/>
+        <a:cs typeface="+mn-cs"/>
+      </a:defRPr>
+    </a:lvl3pPr>
+    <a:lvl4pPr marL="1371600" algn="l" defTabSz="914400" rtl="0" eaLnBrk="1" latinLnBrk="0" hangingPunct="1">
+      <a:defRPr sz="1200" kern="1200">
+        <a:solidFill>
+          <a:schemeClr val="tx1"/>
+        </a:solidFill>
+        <a:latin typeface="+mn-lt"/>
+        <a:ea typeface="+mn-ea"/>
+        <a:cs typeface="+mn-cs"/>
+      </a:defRPr>
+    </a:lvl4pPr>
+    <a:lvl5pPr marL="1828800" algn="l" defTabSz="914400" rtl="0" eaLnBrk="1" latinLnBrk="0" hangingPunct="1">
+      <a:defRPr sz="1200" kern="1200">
+        <a:solidFill>
+          <a:schemeClr val="tx1"/>
+        </a:solidFill>
+        <a:latin typeface="+mn-lt"/>
+        <a:ea typeface="+mn-ea"/>
+        <a:cs typeface="+mn-cs"/>
+      </a:defRPr>
+    </a:lvl5pPr>
+    <a:lvl6pPr marL="2286000" algn="l" defTabSz="914400" rtl="0" eaLnBrk="1" latinLnBrk="0" hangingPunct="1">
+      <a:defRPr sz="1200" kern="1200">
+        <a:solidFill>
+          <a:schemeClr val="tx1"/>
+        </a:solidFill>
+        <a:latin typeface="+mn-lt"/>
+        <a:ea typeface="+mn-ea"/>
+        <a:cs typeface="+mn-cs"/>
+      </a:defRPr>
+    </a:lvl6pPr>
+    <a:lvl7pPr marL="2743200" algn="l" defTabSz="914400" rtl="0" eaLnBrk="1" latinLnBrk="0" hangingPunct="1">
+      <a:defRPr sz="1200" kern="1200">
+        <a:solidFill>
+          <a:schemeClr val="tx1"/>
+        </a:solidFill>
+        <a:latin typeface="+mn-lt"/>
+        <a:ea typeface="+mn-ea"/>
+        <a:cs typeface="+mn-cs"/>
+      </a:defRPr>
+    </a:lvl7pPr>
+    <a:lvl8pPr marL="3200400" algn="l" defTabSz="914400" rtl="0" eaLnBrk="1" latinLnBrk="0" hangingPunct="1">
+      <a:defRPr sz="1200" kern="1200">
+        <a:solidFill>
+          <a:schemeClr val="tx1"/>
+        </a:solidFill>
+        <a:latin typeface="+mn-lt"/>
+        <a:ea typeface="+mn-ea"/>
+        <a:cs typeface="+mn-cs"/>
+      </a:defRPr>
+    </a:lvl8pPr>
+    <a:lvl9pPr marL="3657600" algn="l" defTabSz="914400" rtl="0" eaLnBrk="1" latinLnBrk="0" hangingPunct="1">
+      <a:defRPr sz="1200" kern="1200">
+        <a:solidFill>
+          <a:schemeClr val="tx1"/>
+        </a:solidFill>
+        <a:latin typeface="+mn-lt"/>
+        <a:ea typeface="+mn-ea"/>
+        <a:cs typeface="+mn-cs"/>
+      </a:defRPr>
+    </a:lvl9pPr>
+  </p:notesStyle>
+</p:notesMaster>
+</file>
+
+<file path=ppt/notesSlides/notesSlide1.xml><?xml version="1.0" encoding="utf-8"?>
+<p:notes xmlns:a="http://schemas.openxmlformats.org/drawingml/2006/main" xmlns:r="http://schemas.openxmlformats.org/officeDocument/2006/relationships" xmlns:p="http://schemas.openxmlformats.org/presentationml/2006/main">
   <p:cSld>
     <p:spTree>
       <p:nvGrpSpPr>
@@ -2637,9 +3073,9 @@
       </p:grpSpPr>
       <p:sp>
         <p:nvSpPr>
-          <p:cNvPr id="85" name="PlaceHolder 1"/>
+          <p:cNvPr id="113" name="PlaceHolder 1"/>
           <p:cNvSpPr>
-            <a:spLocks noGrp="1"/>
+            <a:spLocks noGrp="1" noRot="1" noChangeAspect="1"/>
           </p:cNvSpPr>
           <p:nvPr>
             <p:ph type="sldImg"/>
@@ -2647,255 +3083,8 @@
         </p:nvSpPr>
         <p:spPr>
           <a:xfrm>
-            <a:off x="216000" y="812520"/>
-            <a:ext cx="7127280" cy="4008960"/>
-          </a:xfrm>
-          <a:prstGeom prst="rect">
-            <a:avLst/>
-          </a:prstGeom>
-        </p:spPr>
-        <p:txBody>
-          <a:bodyPr lIns="0" rIns="0" tIns="0" bIns="0" anchor="ctr">
-            <a:noAutofit/>
-          </a:bodyPr>
-          <a:p>
-            <a:r>
-              <a:rPr b="0" lang="en-US" sz="1800" spc="-1" strike="noStrike">
-                <a:solidFill>
-                  <a:srgbClr val="ffffff"/>
-                </a:solidFill>
-                <a:latin typeface="Corbel"/>
-              </a:rPr>
-              <a:t>Click to move the slide</a:t>
-            </a:r>
-            <a:endParaRPr b="0" lang="en-US" sz="1800" spc="-1" strike="noStrike">
-              <a:solidFill>
-                <a:srgbClr val="ffffff"/>
-              </a:solidFill>
-              <a:latin typeface="Corbel"/>
-            </a:endParaRPr>
-          </a:p>
-        </p:txBody>
-      </p:sp>
-      <p:sp>
-        <p:nvSpPr>
-          <p:cNvPr id="86" name="PlaceHolder 2"/>
-          <p:cNvSpPr>
-            <a:spLocks noGrp="1"/>
-          </p:cNvSpPr>
-          <p:nvPr>
-            <p:ph type="body"/>
-          </p:nvPr>
-        </p:nvSpPr>
-        <p:spPr>
-          <a:xfrm>
-            <a:off x="756000" y="5078520"/>
-            <a:ext cx="6047640" cy="4811040"/>
-          </a:xfrm>
-          <a:prstGeom prst="rect">
-            <a:avLst/>
-          </a:prstGeom>
-        </p:spPr>
-        <p:txBody>
-          <a:bodyPr lIns="0" rIns="0" tIns="0" bIns="0">
-            <a:noAutofit/>
-          </a:bodyPr>
-          <a:p>
-            <a:r>
-              <a:rPr b="0" lang="pt-PT" sz="2000" spc="-1" strike="noStrike">
-                <a:latin typeface="Arial"/>
-              </a:rPr>
-              <a:t>Click to edit the notes format</a:t>
-            </a:r>
-            <a:endParaRPr b="0" lang="pt-PT" sz="2000" spc="-1" strike="noStrike">
-              <a:latin typeface="Arial"/>
-            </a:endParaRPr>
-          </a:p>
-        </p:txBody>
-      </p:sp>
-      <p:sp>
-        <p:nvSpPr>
-          <p:cNvPr id="87" name="PlaceHolder 3"/>
-          <p:cNvSpPr>
-            <a:spLocks noGrp="1"/>
-          </p:cNvSpPr>
-          <p:nvPr>
-            <p:ph type="hdr"/>
-          </p:nvPr>
-        </p:nvSpPr>
-        <p:spPr>
-          <a:xfrm>
-            <a:off x="0" y="0"/>
-            <a:ext cx="3280680" cy="534240"/>
-          </a:xfrm>
-          <a:prstGeom prst="rect">
-            <a:avLst/>
-          </a:prstGeom>
-        </p:spPr>
-        <p:txBody>
-          <a:bodyPr lIns="0" rIns="0" tIns="0" bIns="0">
-            <a:noAutofit/>
-          </a:bodyPr>
-          <a:p>
-            <a:r>
-              <a:rPr b="0" lang="pt-PT" sz="1400" spc="-1" strike="noStrike">
-                <a:latin typeface="Times New Roman"/>
-              </a:rPr>
-              <a:t>&lt;header&gt;</a:t>
-            </a:r>
-            <a:endParaRPr b="0" lang="pt-PT" sz="1400" spc="-1" strike="noStrike">
-              <a:latin typeface="Times New Roman"/>
-            </a:endParaRPr>
-          </a:p>
-        </p:txBody>
-      </p:sp>
-      <p:sp>
-        <p:nvSpPr>
-          <p:cNvPr id="88" name="PlaceHolder 4"/>
-          <p:cNvSpPr>
-            <a:spLocks noGrp="1"/>
-          </p:cNvSpPr>
-          <p:nvPr>
-            <p:ph type="dt"/>
-          </p:nvPr>
-        </p:nvSpPr>
-        <p:spPr>
-          <a:xfrm>
-            <a:off x="4278960" y="0"/>
-            <a:ext cx="3280680" cy="534240"/>
-          </a:xfrm>
-          <a:prstGeom prst="rect">
-            <a:avLst/>
-          </a:prstGeom>
-        </p:spPr>
-        <p:txBody>
-          <a:bodyPr lIns="0" rIns="0" tIns="0" bIns="0">
-            <a:noAutofit/>
-          </a:bodyPr>
-          <a:p>
-            <a:pPr algn="r"/>
-            <a:r>
-              <a:rPr b="0" lang="pt-PT" sz="1400" spc="-1" strike="noStrike">
-                <a:latin typeface="Times New Roman"/>
-              </a:rPr>
-              <a:t>&lt;date/time&gt;</a:t>
-            </a:r>
-            <a:endParaRPr b="0" lang="pt-PT" sz="1400" spc="-1" strike="noStrike">
-              <a:latin typeface="Times New Roman"/>
-            </a:endParaRPr>
-          </a:p>
-        </p:txBody>
-      </p:sp>
-      <p:sp>
-        <p:nvSpPr>
-          <p:cNvPr id="89" name="PlaceHolder 5"/>
-          <p:cNvSpPr>
-            <a:spLocks noGrp="1"/>
-          </p:cNvSpPr>
-          <p:nvPr>
-            <p:ph type="ftr"/>
-          </p:nvPr>
-        </p:nvSpPr>
-        <p:spPr>
-          <a:xfrm>
-            <a:off x="0" y="10157400"/>
-            <a:ext cx="3280680" cy="534240"/>
-          </a:xfrm>
-          <a:prstGeom prst="rect">
-            <a:avLst/>
-          </a:prstGeom>
-        </p:spPr>
-        <p:txBody>
-          <a:bodyPr lIns="0" rIns="0" tIns="0" bIns="0" anchor="b">
-            <a:noAutofit/>
-          </a:bodyPr>
-          <a:p>
-            <a:r>
-              <a:rPr b="0" lang="pt-PT" sz="1400" spc="-1" strike="noStrike">
-                <a:latin typeface="Times New Roman"/>
-              </a:rPr>
-              <a:t>&lt;footer&gt;</a:t>
-            </a:r>
-            <a:endParaRPr b="0" lang="pt-PT" sz="1400" spc="-1" strike="noStrike">
-              <a:latin typeface="Times New Roman"/>
-            </a:endParaRPr>
-          </a:p>
-        </p:txBody>
-      </p:sp>
-      <p:sp>
-        <p:nvSpPr>
-          <p:cNvPr id="90" name="PlaceHolder 6"/>
-          <p:cNvSpPr>
-            <a:spLocks noGrp="1"/>
-          </p:cNvSpPr>
-          <p:nvPr>
-            <p:ph type="sldNum"/>
-          </p:nvPr>
-        </p:nvSpPr>
-        <p:spPr>
-          <a:xfrm>
-            <a:off x="4278960" y="10157400"/>
-            <a:ext cx="3280680" cy="534240"/>
-          </a:xfrm>
-          <a:prstGeom prst="rect">
-            <a:avLst/>
-          </a:prstGeom>
-        </p:spPr>
-        <p:txBody>
-          <a:bodyPr lIns="0" rIns="0" tIns="0" bIns="0" anchor="b">
-            <a:noAutofit/>
-          </a:bodyPr>
-          <a:p>
-            <a:pPr algn="r"/>
-            <a:fld id="{D560EF4A-286B-46A3-A9FD-8E66AE06F845}" type="slidenum">
-              <a:rPr b="0" lang="pt-PT" sz="1400" spc="-1" strike="noStrike">
-                <a:latin typeface="Times New Roman"/>
-              </a:rPr>
-              <a:t>&lt;number&gt;</a:t>
-            </a:fld>
-            <a:endParaRPr b="0" lang="pt-PT" sz="1400" spc="-1" strike="noStrike">
-              <a:latin typeface="Times New Roman"/>
-            </a:endParaRPr>
-          </a:p>
-        </p:txBody>
-      </p:sp>
-    </p:spTree>
-  </p:cSld>
-  <p:clrMap bg1="lt1" bg2="lt2" tx1="dk1" tx2="dk2" accent1="accent1" accent2="accent2" accent3="accent3" accent4="accent4" accent5="accent5" accent6="accent6" hlink="hlink" folHlink="folHlink"/>
-</p:notesMaster>
-</file>
-
-<file path=ppt/notesSlides/notesSlide3.xml><?xml version="1.0" encoding="utf-8"?>
-<p:notes xmlns:a="http://schemas.openxmlformats.org/drawingml/2006/main" xmlns:p="http://schemas.openxmlformats.org/presentationml/2006/main" xmlns:r="http://schemas.openxmlformats.org/officeDocument/2006/relationships" xmlns:p14="http://schemas.microsoft.com/office/powerpoint/2010/main" xmlns:p15="http://schemas.microsoft.com/office/powerpoint/2012/main" xmlns:mc="http://schemas.openxmlformats.org/markup-compatibility/2006">
-  <p:cSld>
-    <p:spTree>
-      <p:nvGrpSpPr>
-        <p:cNvPr id="1" name=""/>
-        <p:cNvGrpSpPr/>
-        <p:nvPr/>
-      </p:nvGrpSpPr>
-      <p:grpSpPr>
-        <a:xfrm>
-          <a:off x="0" y="0"/>
-          <a:ext cx="0" cy="0"/>
-          <a:chOff x="0" y="0"/>
-          <a:chExt cx="0" cy="0"/>
-        </a:xfrm>
-      </p:grpSpPr>
-      <p:sp>
-        <p:nvSpPr>
-          <p:cNvPr id="113" name="PlaceHolder 1"/>
-          <p:cNvSpPr>
-            <a:spLocks noGrp="1"/>
-          </p:cNvSpPr>
-          <p:nvPr>
-            <p:ph type="sldImg"/>
-          </p:nvPr>
-        </p:nvSpPr>
-        <p:spPr>
-          <a:xfrm>
             <a:off x="685800" y="1143000"/>
-            <a:ext cx="5486040" cy="3085920"/>
+            <a:ext cx="5486400" cy="3086100"/>
           </a:xfrm>
           <a:prstGeom prst="rect">
             <a:avLst/>
@@ -2925,8 +3114,9 @@
           <a:bodyPr>
             <a:noAutofit/>
           </a:bodyPr>
-          <a:p>
-            <a:endParaRPr b="0" lang="pt-PT" sz="2000" spc="-1" strike="noStrike">
+          <a:lstStyle/>
+          <a:p>
+            <a:endParaRPr lang="pt-PT" sz="2000" b="0" strike="noStrike" spc="-1">
               <a:latin typeface="Arial"/>
             </a:endParaRPr>
           </a:p>
@@ -2955,6 +3145,7 @@
           <a:bodyPr anchor="b">
             <a:noAutofit/>
           </a:bodyPr>
+          <a:lstStyle/>
           <a:p>
             <a:pPr algn="r">
               <a:lnSpc>
@@ -2962,12 +3153,12 @@
               </a:lnSpc>
             </a:pPr>
             <a:fld id="{60ABCB2E-BAFE-4D40-B6AA-6B88FE7FCB33}" type="slidenum">
-              <a:rPr b="0" lang="en-GB" sz="1200" spc="-1" strike="noStrike">
+              <a:rPr lang="en-GB" sz="1200" b="0" strike="noStrike" spc="-1">
                 <a:latin typeface="Times New Roman"/>
               </a:rPr>
-              <a:t>&lt;number&gt;</a:t>
+              <a:t>3</a:t>
             </a:fld>
-            <a:endParaRPr b="0" lang="pt-PT" sz="1200" spc="-1" strike="noStrike">
+            <a:endParaRPr lang="pt-PT" sz="1200" b="0" strike="noStrike" spc="-1">
               <a:latin typeface="Times New Roman"/>
             </a:endParaRPr>
           </a:p>
@@ -2975,11 +3166,14 @@
       </p:sp>
     </p:spTree>
   </p:cSld>
+  <p:clrMapOvr>
+    <a:masterClrMapping/>
+  </p:clrMapOvr>
 </p:notes>
 </file>
 
 <file path=ppt/slideLayouts/slideLayout1.xml><?xml version="1.0" encoding="utf-8"?>
-<p:sldLayout xmlns:a="http://schemas.openxmlformats.org/drawingml/2006/main" xmlns:p="http://schemas.openxmlformats.org/presentationml/2006/main" xmlns:r="http://schemas.openxmlformats.org/officeDocument/2006/relationships" xmlns:p14="http://schemas.microsoft.com/office/powerpoint/2010/main" xmlns:p15="http://schemas.microsoft.com/office/powerpoint/2012/main" xmlns:mc="http://schemas.openxmlformats.org/markup-compatibility/2006" type="blank" preserve="1">
+<p:sldLayout xmlns:a="http://schemas.openxmlformats.org/drawingml/2006/main" xmlns:r="http://schemas.openxmlformats.org/officeDocument/2006/relationships" xmlns:p="http://schemas.openxmlformats.org/presentationml/2006/main" type="blank" preserve="1">
   <p:cSld name="Blank Slide">
     <p:spTree>
       <p:nvGrpSpPr>
@@ -2997,11 +3191,14 @@
       </p:grpSpPr>
     </p:spTree>
   </p:cSld>
+  <p:clrMapOvr>
+    <a:masterClrMapping/>
+  </p:clrMapOvr>
 </p:sldLayout>
 </file>
 
 <file path=ppt/slideLayouts/slideLayout10.xml><?xml version="1.0" encoding="utf-8"?>
-<p:sldLayout xmlns:a="http://schemas.openxmlformats.org/drawingml/2006/main" xmlns:p="http://schemas.openxmlformats.org/presentationml/2006/main" xmlns:r="http://schemas.openxmlformats.org/officeDocument/2006/relationships" xmlns:p14="http://schemas.microsoft.com/office/powerpoint/2010/main" xmlns:p15="http://schemas.microsoft.com/office/powerpoint/2012/main" xmlns:mc="http://schemas.openxmlformats.org/markup-compatibility/2006" type="objOverTx" preserve="1">
+<p:sldLayout xmlns:a="http://schemas.openxmlformats.org/drawingml/2006/main" xmlns:r="http://schemas.openxmlformats.org/officeDocument/2006/relationships" xmlns:p="http://schemas.openxmlformats.org/presentationml/2006/main" type="objOverTx" preserve="1">
   <p:cSld name="Title, Content over Content">
     <p:spTree>
       <p:nvGrpSpPr>
@@ -3037,13 +3234,14 @@
           </a:prstGeom>
         </p:spPr>
         <p:txBody>
-          <a:bodyPr lIns="0" rIns="0" tIns="0" bIns="0" anchor="ctr">
+          <a:bodyPr lIns="0" tIns="0" rIns="0" bIns="0" anchor="ctr">
             <a:noAutofit/>
           </a:bodyPr>
-          <a:p>
-            <a:endParaRPr b="0" lang="en-US" sz="1800" spc="-1" strike="noStrike">
-              <a:solidFill>
-                <a:srgbClr val="ffffff"/>
+          <a:lstStyle/>
+          <a:p>
+            <a:endParaRPr lang="en-US" sz="1800" b="0" strike="noStrike" spc="-1">
+              <a:solidFill>
+                <a:srgbClr val="FFFFFF"/>
               </a:solidFill>
               <a:latin typeface="Corbel"/>
             </a:endParaRPr>
@@ -3070,13 +3268,14 @@
           </a:prstGeom>
         </p:spPr>
         <p:txBody>
-          <a:bodyPr lIns="0" rIns="0" tIns="0" bIns="0">
+          <a:bodyPr lIns="0" tIns="0" rIns="0" bIns="0">
             <a:normAutofit/>
           </a:bodyPr>
-          <a:p>
-            <a:endParaRPr b="0" lang="en-US" sz="2200" spc="-1" strike="noStrike">
-              <a:solidFill>
-                <a:srgbClr val="ffffff"/>
+          <a:lstStyle/>
+          <a:p>
+            <a:endParaRPr lang="en-US" sz="2200" b="0" strike="noStrike" spc="-1">
+              <a:solidFill>
+                <a:srgbClr val="FFFFFF"/>
               </a:solidFill>
               <a:latin typeface="Corbel"/>
             </a:endParaRPr>
@@ -3103,13 +3302,14 @@
           </a:prstGeom>
         </p:spPr>
         <p:txBody>
-          <a:bodyPr lIns="0" rIns="0" tIns="0" bIns="0">
+          <a:bodyPr lIns="0" tIns="0" rIns="0" bIns="0">
             <a:normAutofit/>
           </a:bodyPr>
-          <a:p>
-            <a:endParaRPr b="0" lang="en-US" sz="2200" spc="-1" strike="noStrike">
-              <a:solidFill>
-                <a:srgbClr val="ffffff"/>
+          <a:lstStyle/>
+          <a:p>
+            <a:endParaRPr lang="en-US" sz="2200" b="0" strike="noStrike" spc="-1">
+              <a:solidFill>
+                <a:srgbClr val="FFFFFF"/>
               </a:solidFill>
               <a:latin typeface="Corbel"/>
             </a:endParaRPr>
@@ -3118,11 +3318,14 @@
       </p:sp>
     </p:spTree>
   </p:cSld>
+  <p:clrMapOvr>
+    <a:masterClrMapping/>
+  </p:clrMapOvr>
 </p:sldLayout>
 </file>
 
 <file path=ppt/slideLayouts/slideLayout11.xml><?xml version="1.0" encoding="utf-8"?>
-<p:sldLayout xmlns:a="http://schemas.openxmlformats.org/drawingml/2006/main" xmlns:p="http://schemas.openxmlformats.org/presentationml/2006/main" xmlns:r="http://schemas.openxmlformats.org/officeDocument/2006/relationships" xmlns:p14="http://schemas.microsoft.com/office/powerpoint/2010/main" xmlns:p15="http://schemas.microsoft.com/office/powerpoint/2012/main" xmlns:mc="http://schemas.openxmlformats.org/markup-compatibility/2006" type="fourObj" preserve="1">
+<p:sldLayout xmlns:a="http://schemas.openxmlformats.org/drawingml/2006/main" xmlns:r="http://schemas.openxmlformats.org/officeDocument/2006/relationships" xmlns:p="http://schemas.openxmlformats.org/presentationml/2006/main" type="fourObj" preserve="1">
   <p:cSld name="Title, 4 Content">
     <p:spTree>
       <p:nvGrpSpPr>
@@ -3158,13 +3361,14 @@
           </a:prstGeom>
         </p:spPr>
         <p:txBody>
-          <a:bodyPr lIns="0" rIns="0" tIns="0" bIns="0" anchor="ctr">
+          <a:bodyPr lIns="0" tIns="0" rIns="0" bIns="0" anchor="ctr">
             <a:noAutofit/>
           </a:bodyPr>
-          <a:p>
-            <a:endParaRPr b="0" lang="en-US" sz="1800" spc="-1" strike="noStrike">
-              <a:solidFill>
-                <a:srgbClr val="ffffff"/>
+          <a:lstStyle/>
+          <a:p>
+            <a:endParaRPr lang="en-US" sz="1800" b="0" strike="noStrike" spc="-1">
+              <a:solidFill>
+                <a:srgbClr val="FFFFFF"/>
               </a:solidFill>
               <a:latin typeface="Corbel"/>
             </a:endParaRPr>
@@ -3191,13 +3395,14 @@
           </a:prstGeom>
         </p:spPr>
         <p:txBody>
-          <a:bodyPr lIns="0" rIns="0" tIns="0" bIns="0">
+          <a:bodyPr lIns="0" tIns="0" rIns="0" bIns="0">
             <a:normAutofit/>
           </a:bodyPr>
-          <a:p>
-            <a:endParaRPr b="0" lang="en-US" sz="2200" spc="-1" strike="noStrike">
-              <a:solidFill>
-                <a:srgbClr val="ffffff"/>
+          <a:lstStyle/>
+          <a:p>
+            <a:endParaRPr lang="en-US" sz="2200" b="0" strike="noStrike" spc="-1">
+              <a:solidFill>
+                <a:srgbClr val="FFFFFF"/>
               </a:solidFill>
               <a:latin typeface="Corbel"/>
             </a:endParaRPr>
@@ -3224,13 +3429,14 @@
           </a:prstGeom>
         </p:spPr>
         <p:txBody>
-          <a:bodyPr lIns="0" rIns="0" tIns="0" bIns="0">
+          <a:bodyPr lIns="0" tIns="0" rIns="0" bIns="0">
             <a:normAutofit/>
           </a:bodyPr>
-          <a:p>
-            <a:endParaRPr b="0" lang="en-US" sz="2200" spc="-1" strike="noStrike">
-              <a:solidFill>
-                <a:srgbClr val="ffffff"/>
+          <a:lstStyle/>
+          <a:p>
+            <a:endParaRPr lang="en-US" sz="2200" b="0" strike="noStrike" spc="-1">
+              <a:solidFill>
+                <a:srgbClr val="FFFFFF"/>
               </a:solidFill>
               <a:latin typeface="Corbel"/>
             </a:endParaRPr>
@@ -3257,13 +3463,14 @@
           </a:prstGeom>
         </p:spPr>
         <p:txBody>
-          <a:bodyPr lIns="0" rIns="0" tIns="0" bIns="0">
+          <a:bodyPr lIns="0" tIns="0" rIns="0" bIns="0">
             <a:normAutofit/>
           </a:bodyPr>
-          <a:p>
-            <a:endParaRPr b="0" lang="en-US" sz="2200" spc="-1" strike="noStrike">
-              <a:solidFill>
-                <a:srgbClr val="ffffff"/>
+          <a:lstStyle/>
+          <a:p>
+            <a:endParaRPr lang="en-US" sz="2200" b="0" strike="noStrike" spc="-1">
+              <a:solidFill>
+                <a:srgbClr val="FFFFFF"/>
               </a:solidFill>
               <a:latin typeface="Corbel"/>
             </a:endParaRPr>
@@ -3290,13 +3497,14 @@
           </a:prstGeom>
         </p:spPr>
         <p:txBody>
-          <a:bodyPr lIns="0" rIns="0" tIns="0" bIns="0">
+          <a:bodyPr lIns="0" tIns="0" rIns="0" bIns="0">
             <a:normAutofit/>
           </a:bodyPr>
-          <a:p>
-            <a:endParaRPr b="0" lang="en-US" sz="2200" spc="-1" strike="noStrike">
-              <a:solidFill>
-                <a:srgbClr val="ffffff"/>
+          <a:lstStyle/>
+          <a:p>
+            <a:endParaRPr lang="en-US" sz="2200" b="0" strike="noStrike" spc="-1">
+              <a:solidFill>
+                <a:srgbClr val="FFFFFF"/>
               </a:solidFill>
               <a:latin typeface="Corbel"/>
             </a:endParaRPr>
@@ -3305,11 +3513,14 @@
       </p:sp>
     </p:spTree>
   </p:cSld>
+  <p:clrMapOvr>
+    <a:masterClrMapping/>
+  </p:clrMapOvr>
 </p:sldLayout>
 </file>
 
 <file path=ppt/slideLayouts/slideLayout12.xml><?xml version="1.0" encoding="utf-8"?>
-<p:sldLayout xmlns:a="http://schemas.openxmlformats.org/drawingml/2006/main" xmlns:p="http://schemas.openxmlformats.org/presentationml/2006/main" xmlns:r="http://schemas.openxmlformats.org/officeDocument/2006/relationships" xmlns:p14="http://schemas.microsoft.com/office/powerpoint/2010/main" xmlns:p15="http://schemas.microsoft.com/office/powerpoint/2012/main" xmlns:mc="http://schemas.openxmlformats.org/markup-compatibility/2006" type="blank" preserve="1">
+<p:sldLayout xmlns:a="http://schemas.openxmlformats.org/drawingml/2006/main" xmlns:r="http://schemas.openxmlformats.org/officeDocument/2006/relationships" xmlns:p="http://schemas.openxmlformats.org/presentationml/2006/main" type="blank" preserve="1">
   <p:cSld name="Title, 6 Content">
     <p:spTree>
       <p:nvGrpSpPr>
@@ -3345,13 +3556,14 @@
           </a:prstGeom>
         </p:spPr>
         <p:txBody>
-          <a:bodyPr lIns="0" rIns="0" tIns="0" bIns="0" anchor="ctr">
+          <a:bodyPr lIns="0" tIns="0" rIns="0" bIns="0" anchor="ctr">
             <a:noAutofit/>
           </a:bodyPr>
-          <a:p>
-            <a:endParaRPr b="0" lang="en-US" sz="1800" spc="-1" strike="noStrike">
-              <a:solidFill>
-                <a:srgbClr val="ffffff"/>
+          <a:lstStyle/>
+          <a:p>
+            <a:endParaRPr lang="en-US" sz="1800" b="0" strike="noStrike" spc="-1">
+              <a:solidFill>
+                <a:srgbClr val="FFFFFF"/>
               </a:solidFill>
               <a:latin typeface="Corbel"/>
             </a:endParaRPr>
@@ -3378,13 +3590,14 @@
           </a:prstGeom>
         </p:spPr>
         <p:txBody>
-          <a:bodyPr lIns="0" rIns="0" tIns="0" bIns="0">
+          <a:bodyPr lIns="0" tIns="0" rIns="0" bIns="0">
             <a:normAutofit/>
           </a:bodyPr>
-          <a:p>
-            <a:endParaRPr b="0" lang="en-US" sz="2200" spc="-1" strike="noStrike">
-              <a:solidFill>
-                <a:srgbClr val="ffffff"/>
+          <a:lstStyle/>
+          <a:p>
+            <a:endParaRPr lang="en-US" sz="2200" b="0" strike="noStrike" spc="-1">
+              <a:solidFill>
+                <a:srgbClr val="FFFFFF"/>
               </a:solidFill>
               <a:latin typeface="Corbel"/>
             </a:endParaRPr>
@@ -3411,13 +3624,14 @@
           </a:prstGeom>
         </p:spPr>
         <p:txBody>
-          <a:bodyPr lIns="0" rIns="0" tIns="0" bIns="0">
+          <a:bodyPr lIns="0" tIns="0" rIns="0" bIns="0">
             <a:normAutofit/>
           </a:bodyPr>
-          <a:p>
-            <a:endParaRPr b="0" lang="en-US" sz="2200" spc="-1" strike="noStrike">
-              <a:solidFill>
-                <a:srgbClr val="ffffff"/>
+          <a:lstStyle/>
+          <a:p>
+            <a:endParaRPr lang="en-US" sz="2200" b="0" strike="noStrike" spc="-1">
+              <a:solidFill>
+                <a:srgbClr val="FFFFFF"/>
               </a:solidFill>
               <a:latin typeface="Corbel"/>
             </a:endParaRPr>
@@ -3444,13 +3658,14 @@
           </a:prstGeom>
         </p:spPr>
         <p:txBody>
-          <a:bodyPr lIns="0" rIns="0" tIns="0" bIns="0">
+          <a:bodyPr lIns="0" tIns="0" rIns="0" bIns="0">
             <a:normAutofit/>
           </a:bodyPr>
-          <a:p>
-            <a:endParaRPr b="0" lang="en-US" sz="2200" spc="-1" strike="noStrike">
-              <a:solidFill>
-                <a:srgbClr val="ffffff"/>
+          <a:lstStyle/>
+          <a:p>
+            <a:endParaRPr lang="en-US" sz="2200" b="0" strike="noStrike" spc="-1">
+              <a:solidFill>
+                <a:srgbClr val="FFFFFF"/>
               </a:solidFill>
               <a:latin typeface="Corbel"/>
             </a:endParaRPr>
@@ -3477,13 +3692,14 @@
           </a:prstGeom>
         </p:spPr>
         <p:txBody>
-          <a:bodyPr lIns="0" rIns="0" tIns="0" bIns="0">
+          <a:bodyPr lIns="0" tIns="0" rIns="0" bIns="0">
             <a:normAutofit/>
           </a:bodyPr>
-          <a:p>
-            <a:endParaRPr b="0" lang="en-US" sz="2200" spc="-1" strike="noStrike">
-              <a:solidFill>
-                <a:srgbClr val="ffffff"/>
+          <a:lstStyle/>
+          <a:p>
+            <a:endParaRPr lang="en-US" sz="2200" b="0" strike="noStrike" spc="-1">
+              <a:solidFill>
+                <a:srgbClr val="FFFFFF"/>
               </a:solidFill>
               <a:latin typeface="Corbel"/>
             </a:endParaRPr>
@@ -3510,13 +3726,14 @@
           </a:prstGeom>
         </p:spPr>
         <p:txBody>
-          <a:bodyPr lIns="0" rIns="0" tIns="0" bIns="0">
+          <a:bodyPr lIns="0" tIns="0" rIns="0" bIns="0">
             <a:normAutofit/>
           </a:bodyPr>
-          <a:p>
-            <a:endParaRPr b="0" lang="en-US" sz="2200" spc="-1" strike="noStrike">
-              <a:solidFill>
-                <a:srgbClr val="ffffff"/>
+          <a:lstStyle/>
+          <a:p>
+            <a:endParaRPr lang="en-US" sz="2200" b="0" strike="noStrike" spc="-1">
+              <a:solidFill>
+                <a:srgbClr val="FFFFFF"/>
               </a:solidFill>
               <a:latin typeface="Corbel"/>
             </a:endParaRPr>
@@ -3543,13 +3760,14 @@
           </a:prstGeom>
         </p:spPr>
         <p:txBody>
-          <a:bodyPr lIns="0" rIns="0" tIns="0" bIns="0">
+          <a:bodyPr lIns="0" tIns="0" rIns="0" bIns="0">
             <a:normAutofit/>
           </a:bodyPr>
-          <a:p>
-            <a:endParaRPr b="0" lang="en-US" sz="2200" spc="-1" strike="noStrike">
-              <a:solidFill>
-                <a:srgbClr val="ffffff"/>
+          <a:lstStyle/>
+          <a:p>
+            <a:endParaRPr lang="en-US" sz="2200" b="0" strike="noStrike" spc="-1">
+              <a:solidFill>
+                <a:srgbClr val="FFFFFF"/>
               </a:solidFill>
               <a:latin typeface="Corbel"/>
             </a:endParaRPr>
@@ -3558,11 +3776,14 @@
       </p:sp>
     </p:spTree>
   </p:cSld>
+  <p:clrMapOvr>
+    <a:masterClrMapping/>
+  </p:clrMapOvr>
 </p:sldLayout>
 </file>
 
 <file path=ppt/slideLayouts/slideLayout13.xml><?xml version="1.0" encoding="utf-8"?>
-<p:sldLayout xmlns:a="http://schemas.openxmlformats.org/drawingml/2006/main" xmlns:p="http://schemas.openxmlformats.org/presentationml/2006/main" xmlns:r="http://schemas.openxmlformats.org/officeDocument/2006/relationships" xmlns:p14="http://schemas.microsoft.com/office/powerpoint/2010/main" xmlns:p15="http://schemas.microsoft.com/office/powerpoint/2012/main" xmlns:mc="http://schemas.openxmlformats.org/markup-compatibility/2006" type="blank" preserve="1">
+<p:sldLayout xmlns:a="http://schemas.openxmlformats.org/drawingml/2006/main" xmlns:r="http://schemas.openxmlformats.org/officeDocument/2006/relationships" xmlns:p="http://schemas.openxmlformats.org/presentationml/2006/main" type="blank" preserve="1">
   <p:cSld name="Blank Slide">
     <p:spTree>
       <p:nvGrpSpPr>
@@ -3580,11 +3801,14 @@
       </p:grpSpPr>
     </p:spTree>
   </p:cSld>
+  <p:clrMapOvr>
+    <a:masterClrMapping/>
+  </p:clrMapOvr>
 </p:sldLayout>
 </file>
 
 <file path=ppt/slideLayouts/slideLayout14.xml><?xml version="1.0" encoding="utf-8"?>
-<p:sldLayout xmlns:a="http://schemas.openxmlformats.org/drawingml/2006/main" xmlns:p="http://schemas.openxmlformats.org/presentationml/2006/main" xmlns:r="http://schemas.openxmlformats.org/officeDocument/2006/relationships" xmlns:p14="http://schemas.microsoft.com/office/powerpoint/2010/main" xmlns:p15="http://schemas.microsoft.com/office/powerpoint/2012/main" xmlns:mc="http://schemas.openxmlformats.org/markup-compatibility/2006" type="tx" preserve="1">
+<p:sldLayout xmlns:a="http://schemas.openxmlformats.org/drawingml/2006/main" xmlns:r="http://schemas.openxmlformats.org/officeDocument/2006/relationships" xmlns:p="http://schemas.openxmlformats.org/presentationml/2006/main" type="tx" preserve="1">
   <p:cSld name="Title Slide">
     <p:spTree>
       <p:nvGrpSpPr>
@@ -3620,13 +3844,14 @@
           </a:prstGeom>
         </p:spPr>
         <p:txBody>
-          <a:bodyPr lIns="0" rIns="0" tIns="0" bIns="0" anchor="ctr">
+          <a:bodyPr lIns="0" tIns="0" rIns="0" bIns="0" anchor="ctr">
             <a:noAutofit/>
           </a:bodyPr>
-          <a:p>
-            <a:endParaRPr b="0" lang="en-US" sz="1800" spc="-1" strike="noStrike">
-              <a:solidFill>
-                <a:srgbClr val="ffffff"/>
+          <a:lstStyle/>
+          <a:p>
+            <a:endParaRPr lang="en-US" sz="1800" b="0" strike="noStrike" spc="-1">
+              <a:solidFill>
+                <a:srgbClr val="FFFFFF"/>
               </a:solidFill>
               <a:latin typeface="Corbel"/>
             </a:endParaRPr>
@@ -3653,12 +3878,13 @@
           </a:prstGeom>
         </p:spPr>
         <p:txBody>
-          <a:bodyPr lIns="0" rIns="0" tIns="0" bIns="0" anchor="ctr">
+          <a:bodyPr lIns="0" tIns="0" rIns="0" bIns="0" anchor="ctr">
             <a:noAutofit/>
           </a:bodyPr>
+          <a:lstStyle/>
           <a:p>
             <a:pPr algn="ctr"/>
-            <a:endParaRPr b="0" lang="pt-PT" sz="3200" spc="-1" strike="noStrike">
+            <a:endParaRPr lang="pt-PT" sz="3200" b="0" strike="noStrike" spc="-1">
               <a:latin typeface="Arial"/>
             </a:endParaRPr>
           </a:p>
@@ -3666,11 +3892,14 @@
       </p:sp>
     </p:spTree>
   </p:cSld>
+  <p:clrMapOvr>
+    <a:masterClrMapping/>
+  </p:clrMapOvr>
 </p:sldLayout>
 </file>
 
 <file path=ppt/slideLayouts/slideLayout15.xml><?xml version="1.0" encoding="utf-8"?>
-<p:sldLayout xmlns:a="http://schemas.openxmlformats.org/drawingml/2006/main" xmlns:p="http://schemas.openxmlformats.org/presentationml/2006/main" xmlns:r="http://schemas.openxmlformats.org/officeDocument/2006/relationships" xmlns:p14="http://schemas.microsoft.com/office/powerpoint/2010/main" xmlns:p15="http://schemas.microsoft.com/office/powerpoint/2012/main" xmlns:mc="http://schemas.openxmlformats.org/markup-compatibility/2006" type="obj" preserve="1">
+<p:sldLayout xmlns:a="http://schemas.openxmlformats.org/drawingml/2006/main" xmlns:r="http://schemas.openxmlformats.org/officeDocument/2006/relationships" xmlns:p="http://schemas.openxmlformats.org/presentationml/2006/main" type="obj" preserve="1">
   <p:cSld name="Title, Content">
     <p:spTree>
       <p:nvGrpSpPr>
@@ -3706,13 +3935,14 @@
           </a:prstGeom>
         </p:spPr>
         <p:txBody>
-          <a:bodyPr lIns="0" rIns="0" tIns="0" bIns="0" anchor="ctr">
+          <a:bodyPr lIns="0" tIns="0" rIns="0" bIns="0" anchor="ctr">
             <a:noAutofit/>
           </a:bodyPr>
-          <a:p>
-            <a:endParaRPr b="0" lang="en-US" sz="1800" spc="-1" strike="noStrike">
-              <a:solidFill>
-                <a:srgbClr val="ffffff"/>
+          <a:lstStyle/>
+          <a:p>
+            <a:endParaRPr lang="en-US" sz="1800" b="0" strike="noStrike" spc="-1">
+              <a:solidFill>
+                <a:srgbClr val="FFFFFF"/>
               </a:solidFill>
               <a:latin typeface="Corbel"/>
             </a:endParaRPr>
@@ -3739,13 +3969,14 @@
           </a:prstGeom>
         </p:spPr>
         <p:txBody>
-          <a:bodyPr lIns="0" rIns="0" tIns="0" bIns="0">
+          <a:bodyPr lIns="0" tIns="0" rIns="0" bIns="0">
             <a:normAutofit/>
           </a:bodyPr>
-          <a:p>
-            <a:endParaRPr b="0" lang="en-US" sz="2200" spc="-1" strike="noStrike">
-              <a:solidFill>
-                <a:srgbClr val="ffffff"/>
+          <a:lstStyle/>
+          <a:p>
+            <a:endParaRPr lang="en-US" sz="2200" b="0" strike="noStrike" spc="-1">
+              <a:solidFill>
+                <a:srgbClr val="FFFFFF"/>
               </a:solidFill>
               <a:latin typeface="Corbel"/>
             </a:endParaRPr>
@@ -3754,11 +3985,14 @@
       </p:sp>
     </p:spTree>
   </p:cSld>
+  <p:clrMapOvr>
+    <a:masterClrMapping/>
+  </p:clrMapOvr>
 </p:sldLayout>
 </file>
 
 <file path=ppt/slideLayouts/slideLayout16.xml><?xml version="1.0" encoding="utf-8"?>
-<p:sldLayout xmlns:a="http://schemas.openxmlformats.org/drawingml/2006/main" xmlns:p="http://schemas.openxmlformats.org/presentationml/2006/main" xmlns:r="http://schemas.openxmlformats.org/officeDocument/2006/relationships" xmlns:p14="http://schemas.microsoft.com/office/powerpoint/2010/main" xmlns:p15="http://schemas.microsoft.com/office/powerpoint/2012/main" xmlns:mc="http://schemas.openxmlformats.org/markup-compatibility/2006" type="twoObj" preserve="1">
+<p:sldLayout xmlns:a="http://schemas.openxmlformats.org/drawingml/2006/main" xmlns:r="http://schemas.openxmlformats.org/officeDocument/2006/relationships" xmlns:p="http://schemas.openxmlformats.org/presentationml/2006/main" type="twoObj" preserve="1">
   <p:cSld name="Title, 2 Content">
     <p:spTree>
       <p:nvGrpSpPr>
@@ -3794,13 +4028,14 @@
           </a:prstGeom>
         </p:spPr>
         <p:txBody>
-          <a:bodyPr lIns="0" rIns="0" tIns="0" bIns="0" anchor="ctr">
+          <a:bodyPr lIns="0" tIns="0" rIns="0" bIns="0" anchor="ctr">
             <a:noAutofit/>
           </a:bodyPr>
-          <a:p>
-            <a:endParaRPr b="0" lang="en-US" sz="1800" spc="-1" strike="noStrike">
-              <a:solidFill>
-                <a:srgbClr val="ffffff"/>
+          <a:lstStyle/>
+          <a:p>
+            <a:endParaRPr lang="en-US" sz="1800" b="0" strike="noStrike" spc="-1">
+              <a:solidFill>
+                <a:srgbClr val="FFFFFF"/>
               </a:solidFill>
               <a:latin typeface="Corbel"/>
             </a:endParaRPr>
@@ -3827,13 +4062,14 @@
           </a:prstGeom>
         </p:spPr>
         <p:txBody>
-          <a:bodyPr lIns="0" rIns="0" tIns="0" bIns="0">
+          <a:bodyPr lIns="0" tIns="0" rIns="0" bIns="0">
             <a:normAutofit/>
           </a:bodyPr>
-          <a:p>
-            <a:endParaRPr b="0" lang="en-US" sz="2200" spc="-1" strike="noStrike">
-              <a:solidFill>
-                <a:srgbClr val="ffffff"/>
+          <a:lstStyle/>
+          <a:p>
+            <a:endParaRPr lang="en-US" sz="2200" b="0" strike="noStrike" spc="-1">
+              <a:solidFill>
+                <a:srgbClr val="FFFFFF"/>
               </a:solidFill>
               <a:latin typeface="Corbel"/>
             </a:endParaRPr>
@@ -3860,13 +4096,14 @@
           </a:prstGeom>
         </p:spPr>
         <p:txBody>
-          <a:bodyPr lIns="0" rIns="0" tIns="0" bIns="0">
+          <a:bodyPr lIns="0" tIns="0" rIns="0" bIns="0">
             <a:normAutofit/>
           </a:bodyPr>
-          <a:p>
-            <a:endParaRPr b="0" lang="en-US" sz="2200" spc="-1" strike="noStrike">
-              <a:solidFill>
-                <a:srgbClr val="ffffff"/>
+          <a:lstStyle/>
+          <a:p>
+            <a:endParaRPr lang="en-US" sz="2200" b="0" strike="noStrike" spc="-1">
+              <a:solidFill>
+                <a:srgbClr val="FFFFFF"/>
               </a:solidFill>
               <a:latin typeface="Corbel"/>
             </a:endParaRPr>
@@ -3875,11 +4112,14 @@
       </p:sp>
     </p:spTree>
   </p:cSld>
+  <p:clrMapOvr>
+    <a:masterClrMapping/>
+  </p:clrMapOvr>
 </p:sldLayout>
 </file>
 
 <file path=ppt/slideLayouts/slideLayout17.xml><?xml version="1.0" encoding="utf-8"?>
-<p:sldLayout xmlns:a="http://schemas.openxmlformats.org/drawingml/2006/main" xmlns:p="http://schemas.openxmlformats.org/presentationml/2006/main" xmlns:r="http://schemas.openxmlformats.org/officeDocument/2006/relationships" xmlns:p14="http://schemas.microsoft.com/office/powerpoint/2010/main" xmlns:p15="http://schemas.microsoft.com/office/powerpoint/2012/main" xmlns:mc="http://schemas.openxmlformats.org/markup-compatibility/2006" type="titleOnly" preserve="1">
+<p:sldLayout xmlns:a="http://schemas.openxmlformats.org/drawingml/2006/main" xmlns:r="http://schemas.openxmlformats.org/officeDocument/2006/relationships" xmlns:p="http://schemas.openxmlformats.org/presentationml/2006/main" type="titleOnly" preserve="1">
   <p:cSld name="Title Only">
     <p:spTree>
       <p:nvGrpSpPr>
@@ -3915,13 +4155,14 @@
           </a:prstGeom>
         </p:spPr>
         <p:txBody>
-          <a:bodyPr lIns="0" rIns="0" tIns="0" bIns="0" anchor="ctr">
+          <a:bodyPr lIns="0" tIns="0" rIns="0" bIns="0" anchor="ctr">
             <a:noAutofit/>
           </a:bodyPr>
-          <a:p>
-            <a:endParaRPr b="0" lang="en-US" sz="1800" spc="-1" strike="noStrike">
-              <a:solidFill>
-                <a:srgbClr val="ffffff"/>
+          <a:lstStyle/>
+          <a:p>
+            <a:endParaRPr lang="en-US" sz="1800" b="0" strike="noStrike" spc="-1">
+              <a:solidFill>
+                <a:srgbClr val="FFFFFF"/>
               </a:solidFill>
               <a:latin typeface="Corbel"/>
             </a:endParaRPr>
@@ -3930,11 +4171,14 @@
       </p:sp>
     </p:spTree>
   </p:cSld>
+  <p:clrMapOvr>
+    <a:masterClrMapping/>
+  </p:clrMapOvr>
 </p:sldLayout>
 </file>
 
 <file path=ppt/slideLayouts/slideLayout18.xml><?xml version="1.0" encoding="utf-8"?>
-<p:sldLayout xmlns:a="http://schemas.openxmlformats.org/drawingml/2006/main" xmlns:p="http://schemas.openxmlformats.org/presentationml/2006/main" xmlns:r="http://schemas.openxmlformats.org/officeDocument/2006/relationships" xmlns:p14="http://schemas.microsoft.com/office/powerpoint/2010/main" xmlns:p15="http://schemas.microsoft.com/office/powerpoint/2012/main" xmlns:mc="http://schemas.openxmlformats.org/markup-compatibility/2006" type="objOnly" preserve="1">
+<p:sldLayout xmlns:a="http://schemas.openxmlformats.org/drawingml/2006/main" xmlns:r="http://schemas.openxmlformats.org/officeDocument/2006/relationships" xmlns:p="http://schemas.openxmlformats.org/presentationml/2006/main" type="objOnly" preserve="1">
   <p:cSld name="Centered Text">
     <p:spTree>
       <p:nvGrpSpPr>
@@ -3970,12 +4214,13 @@
           </a:prstGeom>
         </p:spPr>
         <p:txBody>
-          <a:bodyPr lIns="0" rIns="0" tIns="0" bIns="0" anchor="ctr">
+          <a:bodyPr lIns="0" tIns="0" rIns="0" bIns="0" anchor="ctr">
             <a:noAutofit/>
           </a:bodyPr>
+          <a:lstStyle/>
           <a:p>
             <a:pPr algn="ctr"/>
-            <a:endParaRPr b="0" lang="pt-PT" sz="3200" spc="-1" strike="noStrike">
+            <a:endParaRPr lang="pt-PT" sz="3200" b="0" strike="noStrike" spc="-1">
               <a:latin typeface="Arial"/>
             </a:endParaRPr>
           </a:p>
@@ -3983,11 +4228,14 @@
       </p:sp>
     </p:spTree>
   </p:cSld>
+  <p:clrMapOvr>
+    <a:masterClrMapping/>
+  </p:clrMapOvr>
 </p:sldLayout>
 </file>
 
 <file path=ppt/slideLayouts/slideLayout19.xml><?xml version="1.0" encoding="utf-8"?>
-<p:sldLayout xmlns:a="http://schemas.openxmlformats.org/drawingml/2006/main" xmlns:p="http://schemas.openxmlformats.org/presentationml/2006/main" xmlns:r="http://schemas.openxmlformats.org/officeDocument/2006/relationships" xmlns:p14="http://schemas.microsoft.com/office/powerpoint/2010/main" xmlns:p15="http://schemas.microsoft.com/office/powerpoint/2012/main" xmlns:mc="http://schemas.openxmlformats.org/markup-compatibility/2006" type="twoObjAndObj" preserve="1">
+<p:sldLayout xmlns:a="http://schemas.openxmlformats.org/drawingml/2006/main" xmlns:r="http://schemas.openxmlformats.org/officeDocument/2006/relationships" xmlns:p="http://schemas.openxmlformats.org/presentationml/2006/main" type="twoObjAndObj" preserve="1">
   <p:cSld name="Title, 2 Content and Content">
     <p:spTree>
       <p:nvGrpSpPr>
@@ -4023,13 +4271,14 @@
           </a:prstGeom>
         </p:spPr>
         <p:txBody>
-          <a:bodyPr lIns="0" rIns="0" tIns="0" bIns="0" anchor="ctr">
+          <a:bodyPr lIns="0" tIns="0" rIns="0" bIns="0" anchor="ctr">
             <a:noAutofit/>
           </a:bodyPr>
-          <a:p>
-            <a:endParaRPr b="0" lang="en-US" sz="1800" spc="-1" strike="noStrike">
-              <a:solidFill>
-                <a:srgbClr val="ffffff"/>
+          <a:lstStyle/>
+          <a:p>
+            <a:endParaRPr lang="en-US" sz="1800" b="0" strike="noStrike" spc="-1">
+              <a:solidFill>
+                <a:srgbClr val="FFFFFF"/>
               </a:solidFill>
               <a:latin typeface="Corbel"/>
             </a:endParaRPr>
@@ -4056,13 +4305,14 @@
           </a:prstGeom>
         </p:spPr>
         <p:txBody>
-          <a:bodyPr lIns="0" rIns="0" tIns="0" bIns="0">
+          <a:bodyPr lIns="0" tIns="0" rIns="0" bIns="0">
             <a:normAutofit/>
           </a:bodyPr>
-          <a:p>
-            <a:endParaRPr b="0" lang="en-US" sz="2200" spc="-1" strike="noStrike">
-              <a:solidFill>
-                <a:srgbClr val="ffffff"/>
+          <a:lstStyle/>
+          <a:p>
+            <a:endParaRPr lang="en-US" sz="2200" b="0" strike="noStrike" spc="-1">
+              <a:solidFill>
+                <a:srgbClr val="FFFFFF"/>
               </a:solidFill>
               <a:latin typeface="Corbel"/>
             </a:endParaRPr>
@@ -4089,13 +4339,14 @@
           </a:prstGeom>
         </p:spPr>
         <p:txBody>
-          <a:bodyPr lIns="0" rIns="0" tIns="0" bIns="0">
+          <a:bodyPr lIns="0" tIns="0" rIns="0" bIns="0">
             <a:normAutofit/>
           </a:bodyPr>
-          <a:p>
-            <a:endParaRPr b="0" lang="en-US" sz="2200" spc="-1" strike="noStrike">
-              <a:solidFill>
-                <a:srgbClr val="ffffff"/>
+          <a:lstStyle/>
+          <a:p>
+            <a:endParaRPr lang="en-US" sz="2200" b="0" strike="noStrike" spc="-1">
+              <a:solidFill>
+                <a:srgbClr val="FFFFFF"/>
               </a:solidFill>
               <a:latin typeface="Corbel"/>
             </a:endParaRPr>
@@ -4122,13 +4373,14 @@
           </a:prstGeom>
         </p:spPr>
         <p:txBody>
-          <a:bodyPr lIns="0" rIns="0" tIns="0" bIns="0">
+          <a:bodyPr lIns="0" tIns="0" rIns="0" bIns="0">
             <a:normAutofit/>
           </a:bodyPr>
-          <a:p>
-            <a:endParaRPr b="0" lang="en-US" sz="2200" spc="-1" strike="noStrike">
-              <a:solidFill>
-                <a:srgbClr val="ffffff"/>
+          <a:lstStyle/>
+          <a:p>
+            <a:endParaRPr lang="en-US" sz="2200" b="0" strike="noStrike" spc="-1">
+              <a:solidFill>
+                <a:srgbClr val="FFFFFF"/>
               </a:solidFill>
               <a:latin typeface="Corbel"/>
             </a:endParaRPr>
@@ -4137,11 +4389,14 @@
       </p:sp>
     </p:spTree>
   </p:cSld>
+  <p:clrMapOvr>
+    <a:masterClrMapping/>
+  </p:clrMapOvr>
 </p:sldLayout>
 </file>
 
 <file path=ppt/slideLayouts/slideLayout2.xml><?xml version="1.0" encoding="utf-8"?>
-<p:sldLayout xmlns:a="http://schemas.openxmlformats.org/drawingml/2006/main" xmlns:p="http://schemas.openxmlformats.org/presentationml/2006/main" xmlns:r="http://schemas.openxmlformats.org/officeDocument/2006/relationships" xmlns:p14="http://schemas.microsoft.com/office/powerpoint/2010/main" xmlns:p15="http://schemas.microsoft.com/office/powerpoint/2012/main" xmlns:mc="http://schemas.openxmlformats.org/markup-compatibility/2006" type="tx" preserve="1">
+<p:sldLayout xmlns:a="http://schemas.openxmlformats.org/drawingml/2006/main" xmlns:r="http://schemas.openxmlformats.org/officeDocument/2006/relationships" xmlns:p="http://schemas.openxmlformats.org/presentationml/2006/main" type="tx" preserve="1">
   <p:cSld name="Title Slide">
     <p:spTree>
       <p:nvGrpSpPr>
@@ -4177,13 +4432,14 @@
           </a:prstGeom>
         </p:spPr>
         <p:txBody>
-          <a:bodyPr lIns="0" rIns="0" tIns="0" bIns="0" anchor="ctr">
+          <a:bodyPr lIns="0" tIns="0" rIns="0" bIns="0" anchor="ctr">
             <a:noAutofit/>
           </a:bodyPr>
-          <a:p>
-            <a:endParaRPr b="0" lang="en-US" sz="1800" spc="-1" strike="noStrike">
-              <a:solidFill>
-                <a:srgbClr val="ffffff"/>
+          <a:lstStyle/>
+          <a:p>
+            <a:endParaRPr lang="en-US" sz="1800" b="0" strike="noStrike" spc="-1">
+              <a:solidFill>
+                <a:srgbClr val="FFFFFF"/>
               </a:solidFill>
               <a:latin typeface="Corbel"/>
             </a:endParaRPr>
@@ -4210,12 +4466,13 @@
           </a:prstGeom>
         </p:spPr>
         <p:txBody>
-          <a:bodyPr lIns="0" rIns="0" tIns="0" bIns="0" anchor="ctr">
+          <a:bodyPr lIns="0" tIns="0" rIns="0" bIns="0" anchor="ctr">
             <a:noAutofit/>
           </a:bodyPr>
+          <a:lstStyle/>
           <a:p>
             <a:pPr algn="ctr"/>
-            <a:endParaRPr b="0" lang="pt-PT" sz="3200" spc="-1" strike="noStrike">
+            <a:endParaRPr lang="pt-PT" sz="3200" b="0" strike="noStrike" spc="-1">
               <a:latin typeface="Arial"/>
             </a:endParaRPr>
           </a:p>
@@ -4223,11 +4480,14 @@
       </p:sp>
     </p:spTree>
   </p:cSld>
+  <p:clrMapOvr>
+    <a:masterClrMapping/>
+  </p:clrMapOvr>
 </p:sldLayout>
 </file>
 
 <file path=ppt/slideLayouts/slideLayout20.xml><?xml version="1.0" encoding="utf-8"?>
-<p:sldLayout xmlns:a="http://schemas.openxmlformats.org/drawingml/2006/main" xmlns:p="http://schemas.openxmlformats.org/presentationml/2006/main" xmlns:r="http://schemas.openxmlformats.org/officeDocument/2006/relationships" xmlns:p14="http://schemas.microsoft.com/office/powerpoint/2010/main" xmlns:p15="http://schemas.microsoft.com/office/powerpoint/2012/main" xmlns:mc="http://schemas.openxmlformats.org/markup-compatibility/2006" type="objAndTwoObj" preserve="1">
+<p:sldLayout xmlns:a="http://schemas.openxmlformats.org/drawingml/2006/main" xmlns:r="http://schemas.openxmlformats.org/officeDocument/2006/relationships" xmlns:p="http://schemas.openxmlformats.org/presentationml/2006/main" type="objAndTwoObj" preserve="1">
   <p:cSld name="Title Content and 2 Content">
     <p:spTree>
       <p:nvGrpSpPr>
@@ -4263,13 +4523,14 @@
           </a:prstGeom>
         </p:spPr>
         <p:txBody>
-          <a:bodyPr lIns="0" rIns="0" tIns="0" bIns="0" anchor="ctr">
+          <a:bodyPr lIns="0" tIns="0" rIns="0" bIns="0" anchor="ctr">
             <a:noAutofit/>
           </a:bodyPr>
-          <a:p>
-            <a:endParaRPr b="0" lang="en-US" sz="1800" spc="-1" strike="noStrike">
-              <a:solidFill>
-                <a:srgbClr val="ffffff"/>
+          <a:lstStyle/>
+          <a:p>
+            <a:endParaRPr lang="en-US" sz="1800" b="0" strike="noStrike" spc="-1">
+              <a:solidFill>
+                <a:srgbClr val="FFFFFF"/>
               </a:solidFill>
               <a:latin typeface="Corbel"/>
             </a:endParaRPr>
@@ -4296,13 +4557,14 @@
           </a:prstGeom>
         </p:spPr>
         <p:txBody>
-          <a:bodyPr lIns="0" rIns="0" tIns="0" bIns="0">
+          <a:bodyPr lIns="0" tIns="0" rIns="0" bIns="0">
             <a:normAutofit/>
           </a:bodyPr>
-          <a:p>
-            <a:endParaRPr b="0" lang="en-US" sz="2200" spc="-1" strike="noStrike">
-              <a:solidFill>
-                <a:srgbClr val="ffffff"/>
+          <a:lstStyle/>
+          <a:p>
+            <a:endParaRPr lang="en-US" sz="2200" b="0" strike="noStrike" spc="-1">
+              <a:solidFill>
+                <a:srgbClr val="FFFFFF"/>
               </a:solidFill>
               <a:latin typeface="Corbel"/>
             </a:endParaRPr>
@@ -4329,13 +4591,14 @@
           </a:prstGeom>
         </p:spPr>
         <p:txBody>
-          <a:bodyPr lIns="0" rIns="0" tIns="0" bIns="0">
+          <a:bodyPr lIns="0" tIns="0" rIns="0" bIns="0">
             <a:normAutofit/>
           </a:bodyPr>
-          <a:p>
-            <a:endParaRPr b="0" lang="en-US" sz="2200" spc="-1" strike="noStrike">
-              <a:solidFill>
-                <a:srgbClr val="ffffff"/>
+          <a:lstStyle/>
+          <a:p>
+            <a:endParaRPr lang="en-US" sz="2200" b="0" strike="noStrike" spc="-1">
+              <a:solidFill>
+                <a:srgbClr val="FFFFFF"/>
               </a:solidFill>
               <a:latin typeface="Corbel"/>
             </a:endParaRPr>
@@ -4362,13 +4625,14 @@
           </a:prstGeom>
         </p:spPr>
         <p:txBody>
-          <a:bodyPr lIns="0" rIns="0" tIns="0" bIns="0">
+          <a:bodyPr lIns="0" tIns="0" rIns="0" bIns="0">
             <a:normAutofit/>
           </a:bodyPr>
-          <a:p>
-            <a:endParaRPr b="0" lang="en-US" sz="2200" spc="-1" strike="noStrike">
-              <a:solidFill>
-                <a:srgbClr val="ffffff"/>
+          <a:lstStyle/>
+          <a:p>
+            <a:endParaRPr lang="en-US" sz="2200" b="0" strike="noStrike" spc="-1">
+              <a:solidFill>
+                <a:srgbClr val="FFFFFF"/>
               </a:solidFill>
               <a:latin typeface="Corbel"/>
             </a:endParaRPr>
@@ -4377,11 +4641,14 @@
       </p:sp>
     </p:spTree>
   </p:cSld>
+  <p:clrMapOvr>
+    <a:masterClrMapping/>
+  </p:clrMapOvr>
 </p:sldLayout>
 </file>
 
 <file path=ppt/slideLayouts/slideLayout21.xml><?xml version="1.0" encoding="utf-8"?>
-<p:sldLayout xmlns:a="http://schemas.openxmlformats.org/drawingml/2006/main" xmlns:p="http://schemas.openxmlformats.org/presentationml/2006/main" xmlns:r="http://schemas.openxmlformats.org/officeDocument/2006/relationships" xmlns:p14="http://schemas.microsoft.com/office/powerpoint/2010/main" xmlns:p15="http://schemas.microsoft.com/office/powerpoint/2012/main" xmlns:mc="http://schemas.openxmlformats.org/markup-compatibility/2006" type="twoObjOverTx" preserve="1">
+<p:sldLayout xmlns:a="http://schemas.openxmlformats.org/drawingml/2006/main" xmlns:r="http://schemas.openxmlformats.org/officeDocument/2006/relationships" xmlns:p="http://schemas.openxmlformats.org/presentationml/2006/main" type="twoObjOverTx" preserve="1">
   <p:cSld name="Title, 2 Content over Content">
     <p:spTree>
       <p:nvGrpSpPr>
@@ -4417,13 +4684,14 @@
           </a:prstGeom>
         </p:spPr>
         <p:txBody>
-          <a:bodyPr lIns="0" rIns="0" tIns="0" bIns="0" anchor="ctr">
+          <a:bodyPr lIns="0" tIns="0" rIns="0" bIns="0" anchor="ctr">
             <a:noAutofit/>
           </a:bodyPr>
-          <a:p>
-            <a:endParaRPr b="0" lang="en-US" sz="1800" spc="-1" strike="noStrike">
-              <a:solidFill>
-                <a:srgbClr val="ffffff"/>
+          <a:lstStyle/>
+          <a:p>
+            <a:endParaRPr lang="en-US" sz="1800" b="0" strike="noStrike" spc="-1">
+              <a:solidFill>
+                <a:srgbClr val="FFFFFF"/>
               </a:solidFill>
               <a:latin typeface="Corbel"/>
             </a:endParaRPr>
@@ -4450,13 +4718,14 @@
           </a:prstGeom>
         </p:spPr>
         <p:txBody>
-          <a:bodyPr lIns="0" rIns="0" tIns="0" bIns="0">
+          <a:bodyPr lIns="0" tIns="0" rIns="0" bIns="0">
             <a:normAutofit/>
           </a:bodyPr>
-          <a:p>
-            <a:endParaRPr b="0" lang="en-US" sz="2200" spc="-1" strike="noStrike">
-              <a:solidFill>
-                <a:srgbClr val="ffffff"/>
+          <a:lstStyle/>
+          <a:p>
+            <a:endParaRPr lang="en-US" sz="2200" b="0" strike="noStrike" spc="-1">
+              <a:solidFill>
+                <a:srgbClr val="FFFFFF"/>
               </a:solidFill>
               <a:latin typeface="Corbel"/>
             </a:endParaRPr>
@@ -4483,13 +4752,14 @@
           </a:prstGeom>
         </p:spPr>
         <p:txBody>
-          <a:bodyPr lIns="0" rIns="0" tIns="0" bIns="0">
+          <a:bodyPr lIns="0" tIns="0" rIns="0" bIns="0">
             <a:normAutofit/>
           </a:bodyPr>
-          <a:p>
-            <a:endParaRPr b="0" lang="en-US" sz="2200" spc="-1" strike="noStrike">
-              <a:solidFill>
-                <a:srgbClr val="ffffff"/>
+          <a:lstStyle/>
+          <a:p>
+            <a:endParaRPr lang="en-US" sz="2200" b="0" strike="noStrike" spc="-1">
+              <a:solidFill>
+                <a:srgbClr val="FFFFFF"/>
               </a:solidFill>
               <a:latin typeface="Corbel"/>
             </a:endParaRPr>
@@ -4516,13 +4786,14 @@
           </a:prstGeom>
         </p:spPr>
         <p:txBody>
-          <a:bodyPr lIns="0" rIns="0" tIns="0" bIns="0">
+          <a:bodyPr lIns="0" tIns="0" rIns="0" bIns="0">
             <a:normAutofit/>
           </a:bodyPr>
-          <a:p>
-            <a:endParaRPr b="0" lang="en-US" sz="2200" spc="-1" strike="noStrike">
-              <a:solidFill>
-                <a:srgbClr val="ffffff"/>
+          <a:lstStyle/>
+          <a:p>
+            <a:endParaRPr lang="en-US" sz="2200" b="0" strike="noStrike" spc="-1">
+              <a:solidFill>
+                <a:srgbClr val="FFFFFF"/>
               </a:solidFill>
               <a:latin typeface="Corbel"/>
             </a:endParaRPr>
@@ -4531,11 +4802,14 @@
       </p:sp>
     </p:spTree>
   </p:cSld>
+  <p:clrMapOvr>
+    <a:masterClrMapping/>
+  </p:clrMapOvr>
 </p:sldLayout>
 </file>
 
 <file path=ppt/slideLayouts/slideLayout22.xml><?xml version="1.0" encoding="utf-8"?>
-<p:sldLayout xmlns:a="http://schemas.openxmlformats.org/drawingml/2006/main" xmlns:p="http://schemas.openxmlformats.org/presentationml/2006/main" xmlns:r="http://schemas.openxmlformats.org/officeDocument/2006/relationships" xmlns:p14="http://schemas.microsoft.com/office/powerpoint/2010/main" xmlns:p15="http://schemas.microsoft.com/office/powerpoint/2012/main" xmlns:mc="http://schemas.openxmlformats.org/markup-compatibility/2006" type="objOverTx" preserve="1">
+<p:sldLayout xmlns:a="http://schemas.openxmlformats.org/drawingml/2006/main" xmlns:r="http://schemas.openxmlformats.org/officeDocument/2006/relationships" xmlns:p="http://schemas.openxmlformats.org/presentationml/2006/main" type="objOverTx" preserve="1">
   <p:cSld name="Title, Content over Content">
     <p:spTree>
       <p:nvGrpSpPr>
@@ -4571,13 +4845,14 @@
           </a:prstGeom>
         </p:spPr>
         <p:txBody>
-          <a:bodyPr lIns="0" rIns="0" tIns="0" bIns="0" anchor="ctr">
+          <a:bodyPr lIns="0" tIns="0" rIns="0" bIns="0" anchor="ctr">
             <a:noAutofit/>
           </a:bodyPr>
-          <a:p>
-            <a:endParaRPr b="0" lang="en-US" sz="1800" spc="-1" strike="noStrike">
-              <a:solidFill>
-                <a:srgbClr val="ffffff"/>
+          <a:lstStyle/>
+          <a:p>
+            <a:endParaRPr lang="en-US" sz="1800" b="0" strike="noStrike" spc="-1">
+              <a:solidFill>
+                <a:srgbClr val="FFFFFF"/>
               </a:solidFill>
               <a:latin typeface="Corbel"/>
             </a:endParaRPr>
@@ -4604,13 +4879,14 @@
           </a:prstGeom>
         </p:spPr>
         <p:txBody>
-          <a:bodyPr lIns="0" rIns="0" tIns="0" bIns="0">
+          <a:bodyPr lIns="0" tIns="0" rIns="0" bIns="0">
             <a:normAutofit/>
           </a:bodyPr>
-          <a:p>
-            <a:endParaRPr b="0" lang="en-US" sz="2200" spc="-1" strike="noStrike">
-              <a:solidFill>
-                <a:srgbClr val="ffffff"/>
+          <a:lstStyle/>
+          <a:p>
+            <a:endParaRPr lang="en-US" sz="2200" b="0" strike="noStrike" spc="-1">
+              <a:solidFill>
+                <a:srgbClr val="FFFFFF"/>
               </a:solidFill>
               <a:latin typeface="Corbel"/>
             </a:endParaRPr>
@@ -4637,13 +4913,14 @@
           </a:prstGeom>
         </p:spPr>
         <p:txBody>
-          <a:bodyPr lIns="0" rIns="0" tIns="0" bIns="0">
+          <a:bodyPr lIns="0" tIns="0" rIns="0" bIns="0">
             <a:normAutofit/>
           </a:bodyPr>
-          <a:p>
-            <a:endParaRPr b="0" lang="en-US" sz="2200" spc="-1" strike="noStrike">
-              <a:solidFill>
-                <a:srgbClr val="ffffff"/>
+          <a:lstStyle/>
+          <a:p>
+            <a:endParaRPr lang="en-US" sz="2200" b="0" strike="noStrike" spc="-1">
+              <a:solidFill>
+                <a:srgbClr val="FFFFFF"/>
               </a:solidFill>
               <a:latin typeface="Corbel"/>
             </a:endParaRPr>
@@ -4652,11 +4929,14 @@
       </p:sp>
     </p:spTree>
   </p:cSld>
+  <p:clrMapOvr>
+    <a:masterClrMapping/>
+  </p:clrMapOvr>
 </p:sldLayout>
 </file>
 
 <file path=ppt/slideLayouts/slideLayout23.xml><?xml version="1.0" encoding="utf-8"?>
-<p:sldLayout xmlns:a="http://schemas.openxmlformats.org/drawingml/2006/main" xmlns:p="http://schemas.openxmlformats.org/presentationml/2006/main" xmlns:r="http://schemas.openxmlformats.org/officeDocument/2006/relationships" xmlns:p14="http://schemas.microsoft.com/office/powerpoint/2010/main" xmlns:p15="http://schemas.microsoft.com/office/powerpoint/2012/main" xmlns:mc="http://schemas.openxmlformats.org/markup-compatibility/2006" type="fourObj" preserve="1">
+<p:sldLayout xmlns:a="http://schemas.openxmlformats.org/drawingml/2006/main" xmlns:r="http://schemas.openxmlformats.org/officeDocument/2006/relationships" xmlns:p="http://schemas.openxmlformats.org/presentationml/2006/main" type="fourObj" preserve="1">
   <p:cSld name="Title, 4 Content">
     <p:spTree>
       <p:nvGrpSpPr>
@@ -4692,13 +4972,14 @@
           </a:prstGeom>
         </p:spPr>
         <p:txBody>
-          <a:bodyPr lIns="0" rIns="0" tIns="0" bIns="0" anchor="ctr">
+          <a:bodyPr lIns="0" tIns="0" rIns="0" bIns="0" anchor="ctr">
             <a:noAutofit/>
           </a:bodyPr>
-          <a:p>
-            <a:endParaRPr b="0" lang="en-US" sz="1800" spc="-1" strike="noStrike">
-              <a:solidFill>
-                <a:srgbClr val="ffffff"/>
+          <a:lstStyle/>
+          <a:p>
+            <a:endParaRPr lang="en-US" sz="1800" b="0" strike="noStrike" spc="-1">
+              <a:solidFill>
+                <a:srgbClr val="FFFFFF"/>
               </a:solidFill>
               <a:latin typeface="Corbel"/>
             </a:endParaRPr>
@@ -4725,13 +5006,14 @@
           </a:prstGeom>
         </p:spPr>
         <p:txBody>
-          <a:bodyPr lIns="0" rIns="0" tIns="0" bIns="0">
+          <a:bodyPr lIns="0" tIns="0" rIns="0" bIns="0">
             <a:normAutofit/>
           </a:bodyPr>
-          <a:p>
-            <a:endParaRPr b="0" lang="en-US" sz="2200" spc="-1" strike="noStrike">
-              <a:solidFill>
-                <a:srgbClr val="ffffff"/>
+          <a:lstStyle/>
+          <a:p>
+            <a:endParaRPr lang="en-US" sz="2200" b="0" strike="noStrike" spc="-1">
+              <a:solidFill>
+                <a:srgbClr val="FFFFFF"/>
               </a:solidFill>
               <a:latin typeface="Corbel"/>
             </a:endParaRPr>
@@ -4758,13 +5040,14 @@
           </a:prstGeom>
         </p:spPr>
         <p:txBody>
-          <a:bodyPr lIns="0" rIns="0" tIns="0" bIns="0">
+          <a:bodyPr lIns="0" tIns="0" rIns="0" bIns="0">
             <a:normAutofit/>
           </a:bodyPr>
-          <a:p>
-            <a:endParaRPr b="0" lang="en-US" sz="2200" spc="-1" strike="noStrike">
-              <a:solidFill>
-                <a:srgbClr val="ffffff"/>
+          <a:lstStyle/>
+          <a:p>
+            <a:endParaRPr lang="en-US" sz="2200" b="0" strike="noStrike" spc="-1">
+              <a:solidFill>
+                <a:srgbClr val="FFFFFF"/>
               </a:solidFill>
               <a:latin typeface="Corbel"/>
             </a:endParaRPr>
@@ -4791,13 +5074,14 @@
           </a:prstGeom>
         </p:spPr>
         <p:txBody>
-          <a:bodyPr lIns="0" rIns="0" tIns="0" bIns="0">
+          <a:bodyPr lIns="0" tIns="0" rIns="0" bIns="0">
             <a:normAutofit/>
           </a:bodyPr>
-          <a:p>
-            <a:endParaRPr b="0" lang="en-US" sz="2200" spc="-1" strike="noStrike">
-              <a:solidFill>
-                <a:srgbClr val="ffffff"/>
+          <a:lstStyle/>
+          <a:p>
+            <a:endParaRPr lang="en-US" sz="2200" b="0" strike="noStrike" spc="-1">
+              <a:solidFill>
+                <a:srgbClr val="FFFFFF"/>
               </a:solidFill>
               <a:latin typeface="Corbel"/>
             </a:endParaRPr>
@@ -4824,13 +5108,14 @@
           </a:prstGeom>
         </p:spPr>
         <p:txBody>
-          <a:bodyPr lIns="0" rIns="0" tIns="0" bIns="0">
+          <a:bodyPr lIns="0" tIns="0" rIns="0" bIns="0">
             <a:normAutofit/>
           </a:bodyPr>
-          <a:p>
-            <a:endParaRPr b="0" lang="en-US" sz="2200" spc="-1" strike="noStrike">
-              <a:solidFill>
-                <a:srgbClr val="ffffff"/>
+          <a:lstStyle/>
+          <a:p>
+            <a:endParaRPr lang="en-US" sz="2200" b="0" strike="noStrike" spc="-1">
+              <a:solidFill>
+                <a:srgbClr val="FFFFFF"/>
               </a:solidFill>
               <a:latin typeface="Corbel"/>
             </a:endParaRPr>
@@ -4839,11 +5124,14 @@
       </p:sp>
     </p:spTree>
   </p:cSld>
+  <p:clrMapOvr>
+    <a:masterClrMapping/>
+  </p:clrMapOvr>
 </p:sldLayout>
 </file>
 
 <file path=ppt/slideLayouts/slideLayout24.xml><?xml version="1.0" encoding="utf-8"?>
-<p:sldLayout xmlns:a="http://schemas.openxmlformats.org/drawingml/2006/main" xmlns:p="http://schemas.openxmlformats.org/presentationml/2006/main" xmlns:r="http://schemas.openxmlformats.org/officeDocument/2006/relationships" xmlns:p14="http://schemas.microsoft.com/office/powerpoint/2010/main" xmlns:p15="http://schemas.microsoft.com/office/powerpoint/2012/main" xmlns:mc="http://schemas.openxmlformats.org/markup-compatibility/2006" type="blank" preserve="1">
+<p:sldLayout xmlns:a="http://schemas.openxmlformats.org/drawingml/2006/main" xmlns:r="http://schemas.openxmlformats.org/officeDocument/2006/relationships" xmlns:p="http://schemas.openxmlformats.org/presentationml/2006/main" type="blank" preserve="1">
   <p:cSld name="Title, 6 Content">
     <p:spTree>
       <p:nvGrpSpPr>
@@ -4879,13 +5167,14 @@
           </a:prstGeom>
         </p:spPr>
         <p:txBody>
-          <a:bodyPr lIns="0" rIns="0" tIns="0" bIns="0" anchor="ctr">
+          <a:bodyPr lIns="0" tIns="0" rIns="0" bIns="0" anchor="ctr">
             <a:noAutofit/>
           </a:bodyPr>
-          <a:p>
-            <a:endParaRPr b="0" lang="en-US" sz="1800" spc="-1" strike="noStrike">
-              <a:solidFill>
-                <a:srgbClr val="ffffff"/>
+          <a:lstStyle/>
+          <a:p>
+            <a:endParaRPr lang="en-US" sz="1800" b="0" strike="noStrike" spc="-1">
+              <a:solidFill>
+                <a:srgbClr val="FFFFFF"/>
               </a:solidFill>
               <a:latin typeface="Corbel"/>
             </a:endParaRPr>
@@ -4912,13 +5201,14 @@
           </a:prstGeom>
         </p:spPr>
         <p:txBody>
-          <a:bodyPr lIns="0" rIns="0" tIns="0" bIns="0">
+          <a:bodyPr lIns="0" tIns="0" rIns="0" bIns="0">
             <a:normAutofit/>
           </a:bodyPr>
-          <a:p>
-            <a:endParaRPr b="0" lang="en-US" sz="2200" spc="-1" strike="noStrike">
-              <a:solidFill>
-                <a:srgbClr val="ffffff"/>
+          <a:lstStyle/>
+          <a:p>
+            <a:endParaRPr lang="en-US" sz="2200" b="0" strike="noStrike" spc="-1">
+              <a:solidFill>
+                <a:srgbClr val="FFFFFF"/>
               </a:solidFill>
               <a:latin typeface="Corbel"/>
             </a:endParaRPr>
@@ -4945,13 +5235,14 @@
           </a:prstGeom>
         </p:spPr>
         <p:txBody>
-          <a:bodyPr lIns="0" rIns="0" tIns="0" bIns="0">
+          <a:bodyPr lIns="0" tIns="0" rIns="0" bIns="0">
             <a:normAutofit/>
           </a:bodyPr>
-          <a:p>
-            <a:endParaRPr b="0" lang="en-US" sz="2200" spc="-1" strike="noStrike">
-              <a:solidFill>
-                <a:srgbClr val="ffffff"/>
+          <a:lstStyle/>
+          <a:p>
+            <a:endParaRPr lang="en-US" sz="2200" b="0" strike="noStrike" spc="-1">
+              <a:solidFill>
+                <a:srgbClr val="FFFFFF"/>
               </a:solidFill>
               <a:latin typeface="Corbel"/>
             </a:endParaRPr>
@@ -4978,13 +5269,14 @@
           </a:prstGeom>
         </p:spPr>
         <p:txBody>
-          <a:bodyPr lIns="0" rIns="0" tIns="0" bIns="0">
+          <a:bodyPr lIns="0" tIns="0" rIns="0" bIns="0">
             <a:normAutofit/>
           </a:bodyPr>
-          <a:p>
-            <a:endParaRPr b="0" lang="en-US" sz="2200" spc="-1" strike="noStrike">
-              <a:solidFill>
-                <a:srgbClr val="ffffff"/>
+          <a:lstStyle/>
+          <a:p>
+            <a:endParaRPr lang="en-US" sz="2200" b="0" strike="noStrike" spc="-1">
+              <a:solidFill>
+                <a:srgbClr val="FFFFFF"/>
               </a:solidFill>
               <a:latin typeface="Corbel"/>
             </a:endParaRPr>
@@ -5011,13 +5303,14 @@
           </a:prstGeom>
         </p:spPr>
         <p:txBody>
-          <a:bodyPr lIns="0" rIns="0" tIns="0" bIns="0">
+          <a:bodyPr lIns="0" tIns="0" rIns="0" bIns="0">
             <a:normAutofit/>
           </a:bodyPr>
-          <a:p>
-            <a:endParaRPr b="0" lang="en-US" sz="2200" spc="-1" strike="noStrike">
-              <a:solidFill>
-                <a:srgbClr val="ffffff"/>
+          <a:lstStyle/>
+          <a:p>
+            <a:endParaRPr lang="en-US" sz="2200" b="0" strike="noStrike" spc="-1">
+              <a:solidFill>
+                <a:srgbClr val="FFFFFF"/>
               </a:solidFill>
               <a:latin typeface="Corbel"/>
             </a:endParaRPr>
@@ -5044,13 +5337,14 @@
           </a:prstGeom>
         </p:spPr>
         <p:txBody>
-          <a:bodyPr lIns="0" rIns="0" tIns="0" bIns="0">
+          <a:bodyPr lIns="0" tIns="0" rIns="0" bIns="0">
             <a:normAutofit/>
           </a:bodyPr>
-          <a:p>
-            <a:endParaRPr b="0" lang="en-US" sz="2200" spc="-1" strike="noStrike">
-              <a:solidFill>
-                <a:srgbClr val="ffffff"/>
+          <a:lstStyle/>
+          <a:p>
+            <a:endParaRPr lang="en-US" sz="2200" b="0" strike="noStrike" spc="-1">
+              <a:solidFill>
+                <a:srgbClr val="FFFFFF"/>
               </a:solidFill>
               <a:latin typeface="Corbel"/>
             </a:endParaRPr>
@@ -5077,13 +5371,14 @@
           </a:prstGeom>
         </p:spPr>
         <p:txBody>
-          <a:bodyPr lIns="0" rIns="0" tIns="0" bIns="0">
+          <a:bodyPr lIns="0" tIns="0" rIns="0" bIns="0">
             <a:normAutofit/>
           </a:bodyPr>
-          <a:p>
-            <a:endParaRPr b="0" lang="en-US" sz="2200" spc="-1" strike="noStrike">
-              <a:solidFill>
-                <a:srgbClr val="ffffff"/>
+          <a:lstStyle/>
+          <a:p>
+            <a:endParaRPr lang="en-US" sz="2200" b="0" strike="noStrike" spc="-1">
+              <a:solidFill>
+                <a:srgbClr val="FFFFFF"/>
               </a:solidFill>
               <a:latin typeface="Corbel"/>
             </a:endParaRPr>
@@ -5092,11 +5387,14 @@
       </p:sp>
     </p:spTree>
   </p:cSld>
+  <p:clrMapOvr>
+    <a:masterClrMapping/>
+  </p:clrMapOvr>
 </p:sldLayout>
 </file>
 
 <file path=ppt/slideLayouts/slideLayout3.xml><?xml version="1.0" encoding="utf-8"?>
-<p:sldLayout xmlns:a="http://schemas.openxmlformats.org/drawingml/2006/main" xmlns:p="http://schemas.openxmlformats.org/presentationml/2006/main" xmlns:r="http://schemas.openxmlformats.org/officeDocument/2006/relationships" xmlns:p14="http://schemas.microsoft.com/office/powerpoint/2010/main" xmlns:p15="http://schemas.microsoft.com/office/powerpoint/2012/main" xmlns:mc="http://schemas.openxmlformats.org/markup-compatibility/2006" type="obj" preserve="1">
+<p:sldLayout xmlns:a="http://schemas.openxmlformats.org/drawingml/2006/main" xmlns:r="http://schemas.openxmlformats.org/officeDocument/2006/relationships" xmlns:p="http://schemas.openxmlformats.org/presentationml/2006/main" type="obj" preserve="1">
   <p:cSld name="Title, Content">
     <p:spTree>
       <p:nvGrpSpPr>
@@ -5132,13 +5430,14 @@
           </a:prstGeom>
         </p:spPr>
         <p:txBody>
-          <a:bodyPr lIns="0" rIns="0" tIns="0" bIns="0" anchor="ctr">
+          <a:bodyPr lIns="0" tIns="0" rIns="0" bIns="0" anchor="ctr">
             <a:noAutofit/>
           </a:bodyPr>
-          <a:p>
-            <a:endParaRPr b="0" lang="en-US" sz="1800" spc="-1" strike="noStrike">
-              <a:solidFill>
-                <a:srgbClr val="ffffff"/>
+          <a:lstStyle/>
+          <a:p>
+            <a:endParaRPr lang="en-US" sz="1800" b="0" strike="noStrike" spc="-1">
+              <a:solidFill>
+                <a:srgbClr val="FFFFFF"/>
               </a:solidFill>
               <a:latin typeface="Corbel"/>
             </a:endParaRPr>
@@ -5165,13 +5464,14 @@
           </a:prstGeom>
         </p:spPr>
         <p:txBody>
-          <a:bodyPr lIns="0" rIns="0" tIns="0" bIns="0">
+          <a:bodyPr lIns="0" tIns="0" rIns="0" bIns="0">
             <a:normAutofit/>
           </a:bodyPr>
-          <a:p>
-            <a:endParaRPr b="0" lang="en-US" sz="2200" spc="-1" strike="noStrike">
-              <a:solidFill>
-                <a:srgbClr val="ffffff"/>
+          <a:lstStyle/>
+          <a:p>
+            <a:endParaRPr lang="en-US" sz="2200" b="0" strike="noStrike" spc="-1">
+              <a:solidFill>
+                <a:srgbClr val="FFFFFF"/>
               </a:solidFill>
               <a:latin typeface="Corbel"/>
             </a:endParaRPr>
@@ -5180,11 +5480,14 @@
       </p:sp>
     </p:spTree>
   </p:cSld>
+  <p:clrMapOvr>
+    <a:masterClrMapping/>
+  </p:clrMapOvr>
 </p:sldLayout>
 </file>
 
 <file path=ppt/slideLayouts/slideLayout4.xml><?xml version="1.0" encoding="utf-8"?>
-<p:sldLayout xmlns:a="http://schemas.openxmlformats.org/drawingml/2006/main" xmlns:p="http://schemas.openxmlformats.org/presentationml/2006/main" xmlns:r="http://schemas.openxmlformats.org/officeDocument/2006/relationships" xmlns:p14="http://schemas.microsoft.com/office/powerpoint/2010/main" xmlns:p15="http://schemas.microsoft.com/office/powerpoint/2012/main" xmlns:mc="http://schemas.openxmlformats.org/markup-compatibility/2006" type="twoObj" preserve="1">
+<p:sldLayout xmlns:a="http://schemas.openxmlformats.org/drawingml/2006/main" xmlns:r="http://schemas.openxmlformats.org/officeDocument/2006/relationships" xmlns:p="http://schemas.openxmlformats.org/presentationml/2006/main" type="twoObj" preserve="1">
   <p:cSld name="Title, 2 Content">
     <p:spTree>
       <p:nvGrpSpPr>
@@ -5220,13 +5523,14 @@
           </a:prstGeom>
         </p:spPr>
         <p:txBody>
-          <a:bodyPr lIns="0" rIns="0" tIns="0" bIns="0" anchor="ctr">
+          <a:bodyPr lIns="0" tIns="0" rIns="0" bIns="0" anchor="ctr">
             <a:noAutofit/>
           </a:bodyPr>
-          <a:p>
-            <a:endParaRPr b="0" lang="en-US" sz="1800" spc="-1" strike="noStrike">
-              <a:solidFill>
-                <a:srgbClr val="ffffff"/>
+          <a:lstStyle/>
+          <a:p>
+            <a:endParaRPr lang="en-US" sz="1800" b="0" strike="noStrike" spc="-1">
+              <a:solidFill>
+                <a:srgbClr val="FFFFFF"/>
               </a:solidFill>
               <a:latin typeface="Corbel"/>
             </a:endParaRPr>
@@ -5253,13 +5557,14 @@
           </a:prstGeom>
         </p:spPr>
         <p:txBody>
-          <a:bodyPr lIns="0" rIns="0" tIns="0" bIns="0">
+          <a:bodyPr lIns="0" tIns="0" rIns="0" bIns="0">
             <a:normAutofit/>
           </a:bodyPr>
-          <a:p>
-            <a:endParaRPr b="0" lang="en-US" sz="2200" spc="-1" strike="noStrike">
-              <a:solidFill>
-                <a:srgbClr val="ffffff"/>
+          <a:lstStyle/>
+          <a:p>
+            <a:endParaRPr lang="en-US" sz="2200" b="0" strike="noStrike" spc="-1">
+              <a:solidFill>
+                <a:srgbClr val="FFFFFF"/>
               </a:solidFill>
               <a:latin typeface="Corbel"/>
             </a:endParaRPr>
@@ -5286,13 +5591,14 @@
           </a:prstGeom>
         </p:spPr>
         <p:txBody>
-          <a:bodyPr lIns="0" rIns="0" tIns="0" bIns="0">
+          <a:bodyPr lIns="0" tIns="0" rIns="0" bIns="0">
             <a:normAutofit/>
           </a:bodyPr>
-          <a:p>
-            <a:endParaRPr b="0" lang="en-US" sz="2200" spc="-1" strike="noStrike">
-              <a:solidFill>
-                <a:srgbClr val="ffffff"/>
+          <a:lstStyle/>
+          <a:p>
+            <a:endParaRPr lang="en-US" sz="2200" b="0" strike="noStrike" spc="-1">
+              <a:solidFill>
+                <a:srgbClr val="FFFFFF"/>
               </a:solidFill>
               <a:latin typeface="Corbel"/>
             </a:endParaRPr>
@@ -5301,11 +5607,14 @@
       </p:sp>
     </p:spTree>
   </p:cSld>
+  <p:clrMapOvr>
+    <a:masterClrMapping/>
+  </p:clrMapOvr>
 </p:sldLayout>
 </file>
 
 <file path=ppt/slideLayouts/slideLayout5.xml><?xml version="1.0" encoding="utf-8"?>
-<p:sldLayout xmlns:a="http://schemas.openxmlformats.org/drawingml/2006/main" xmlns:p="http://schemas.openxmlformats.org/presentationml/2006/main" xmlns:r="http://schemas.openxmlformats.org/officeDocument/2006/relationships" xmlns:p14="http://schemas.microsoft.com/office/powerpoint/2010/main" xmlns:p15="http://schemas.microsoft.com/office/powerpoint/2012/main" xmlns:mc="http://schemas.openxmlformats.org/markup-compatibility/2006" type="titleOnly" preserve="1">
+<p:sldLayout xmlns:a="http://schemas.openxmlformats.org/drawingml/2006/main" xmlns:r="http://schemas.openxmlformats.org/officeDocument/2006/relationships" xmlns:p="http://schemas.openxmlformats.org/presentationml/2006/main" type="titleOnly" preserve="1">
   <p:cSld name="Title Only">
     <p:spTree>
       <p:nvGrpSpPr>
@@ -5341,13 +5650,14 @@
           </a:prstGeom>
         </p:spPr>
         <p:txBody>
-          <a:bodyPr lIns="0" rIns="0" tIns="0" bIns="0" anchor="ctr">
+          <a:bodyPr lIns="0" tIns="0" rIns="0" bIns="0" anchor="ctr">
             <a:noAutofit/>
           </a:bodyPr>
-          <a:p>
-            <a:endParaRPr b="0" lang="en-US" sz="1800" spc="-1" strike="noStrike">
-              <a:solidFill>
-                <a:srgbClr val="ffffff"/>
+          <a:lstStyle/>
+          <a:p>
+            <a:endParaRPr lang="en-US" sz="1800" b="0" strike="noStrike" spc="-1">
+              <a:solidFill>
+                <a:srgbClr val="FFFFFF"/>
               </a:solidFill>
               <a:latin typeface="Corbel"/>
             </a:endParaRPr>
@@ -5356,11 +5666,14 @@
       </p:sp>
     </p:spTree>
   </p:cSld>
+  <p:clrMapOvr>
+    <a:masterClrMapping/>
+  </p:clrMapOvr>
 </p:sldLayout>
 </file>
 
 <file path=ppt/slideLayouts/slideLayout6.xml><?xml version="1.0" encoding="utf-8"?>
-<p:sldLayout xmlns:a="http://schemas.openxmlformats.org/drawingml/2006/main" xmlns:p="http://schemas.openxmlformats.org/presentationml/2006/main" xmlns:r="http://schemas.openxmlformats.org/officeDocument/2006/relationships" xmlns:p14="http://schemas.microsoft.com/office/powerpoint/2010/main" xmlns:p15="http://schemas.microsoft.com/office/powerpoint/2012/main" xmlns:mc="http://schemas.openxmlformats.org/markup-compatibility/2006" type="objOnly" preserve="1">
+<p:sldLayout xmlns:a="http://schemas.openxmlformats.org/drawingml/2006/main" xmlns:r="http://schemas.openxmlformats.org/officeDocument/2006/relationships" xmlns:p="http://schemas.openxmlformats.org/presentationml/2006/main" type="objOnly" preserve="1">
   <p:cSld name="Centered Text">
     <p:spTree>
       <p:nvGrpSpPr>
@@ -5396,12 +5709,13 @@
           </a:prstGeom>
         </p:spPr>
         <p:txBody>
-          <a:bodyPr lIns="0" rIns="0" tIns="0" bIns="0" anchor="ctr">
+          <a:bodyPr lIns="0" tIns="0" rIns="0" bIns="0" anchor="ctr">
             <a:noAutofit/>
           </a:bodyPr>
+          <a:lstStyle/>
           <a:p>
             <a:pPr algn="ctr"/>
-            <a:endParaRPr b="0" lang="pt-PT" sz="3200" spc="-1" strike="noStrike">
+            <a:endParaRPr lang="pt-PT" sz="3200" b="0" strike="noStrike" spc="-1">
               <a:latin typeface="Arial"/>
             </a:endParaRPr>
           </a:p>
@@ -5409,11 +5723,14 @@
       </p:sp>
     </p:spTree>
   </p:cSld>
+  <p:clrMapOvr>
+    <a:masterClrMapping/>
+  </p:clrMapOvr>
 </p:sldLayout>
 </file>
 
 <file path=ppt/slideLayouts/slideLayout7.xml><?xml version="1.0" encoding="utf-8"?>
-<p:sldLayout xmlns:a="http://schemas.openxmlformats.org/drawingml/2006/main" xmlns:p="http://schemas.openxmlformats.org/presentationml/2006/main" xmlns:r="http://schemas.openxmlformats.org/officeDocument/2006/relationships" xmlns:p14="http://schemas.microsoft.com/office/powerpoint/2010/main" xmlns:p15="http://schemas.microsoft.com/office/powerpoint/2012/main" xmlns:mc="http://schemas.openxmlformats.org/markup-compatibility/2006" type="twoObjAndObj" preserve="1">
+<p:sldLayout xmlns:a="http://schemas.openxmlformats.org/drawingml/2006/main" xmlns:r="http://schemas.openxmlformats.org/officeDocument/2006/relationships" xmlns:p="http://schemas.openxmlformats.org/presentationml/2006/main" type="twoObjAndObj" preserve="1">
   <p:cSld name="Title, 2 Content and Content">
     <p:spTree>
       <p:nvGrpSpPr>
@@ -5449,13 +5766,14 @@
           </a:prstGeom>
         </p:spPr>
         <p:txBody>
-          <a:bodyPr lIns="0" rIns="0" tIns="0" bIns="0" anchor="ctr">
+          <a:bodyPr lIns="0" tIns="0" rIns="0" bIns="0" anchor="ctr">
             <a:noAutofit/>
           </a:bodyPr>
-          <a:p>
-            <a:endParaRPr b="0" lang="en-US" sz="1800" spc="-1" strike="noStrike">
-              <a:solidFill>
-                <a:srgbClr val="ffffff"/>
+          <a:lstStyle/>
+          <a:p>
+            <a:endParaRPr lang="en-US" sz="1800" b="0" strike="noStrike" spc="-1">
+              <a:solidFill>
+                <a:srgbClr val="FFFFFF"/>
               </a:solidFill>
               <a:latin typeface="Corbel"/>
             </a:endParaRPr>
@@ -5482,13 +5800,14 @@
           </a:prstGeom>
         </p:spPr>
         <p:txBody>
-          <a:bodyPr lIns="0" rIns="0" tIns="0" bIns="0">
+          <a:bodyPr lIns="0" tIns="0" rIns="0" bIns="0">
             <a:normAutofit/>
           </a:bodyPr>
-          <a:p>
-            <a:endParaRPr b="0" lang="en-US" sz="2200" spc="-1" strike="noStrike">
-              <a:solidFill>
-                <a:srgbClr val="ffffff"/>
+          <a:lstStyle/>
+          <a:p>
+            <a:endParaRPr lang="en-US" sz="2200" b="0" strike="noStrike" spc="-1">
+              <a:solidFill>
+                <a:srgbClr val="FFFFFF"/>
               </a:solidFill>
               <a:latin typeface="Corbel"/>
             </a:endParaRPr>
@@ -5515,13 +5834,14 @@
           </a:prstGeom>
         </p:spPr>
         <p:txBody>
-          <a:bodyPr lIns="0" rIns="0" tIns="0" bIns="0">
+          <a:bodyPr lIns="0" tIns="0" rIns="0" bIns="0">
             <a:normAutofit/>
           </a:bodyPr>
-          <a:p>
-            <a:endParaRPr b="0" lang="en-US" sz="2200" spc="-1" strike="noStrike">
-              <a:solidFill>
-                <a:srgbClr val="ffffff"/>
+          <a:lstStyle/>
+          <a:p>
+            <a:endParaRPr lang="en-US" sz="2200" b="0" strike="noStrike" spc="-1">
+              <a:solidFill>
+                <a:srgbClr val="FFFFFF"/>
               </a:solidFill>
               <a:latin typeface="Corbel"/>
             </a:endParaRPr>
@@ -5548,13 +5868,14 @@
           </a:prstGeom>
         </p:spPr>
         <p:txBody>
-          <a:bodyPr lIns="0" rIns="0" tIns="0" bIns="0">
+          <a:bodyPr lIns="0" tIns="0" rIns="0" bIns="0">
             <a:normAutofit/>
           </a:bodyPr>
-          <a:p>
-            <a:endParaRPr b="0" lang="en-US" sz="2200" spc="-1" strike="noStrike">
-              <a:solidFill>
-                <a:srgbClr val="ffffff"/>
+          <a:lstStyle/>
+          <a:p>
+            <a:endParaRPr lang="en-US" sz="2200" b="0" strike="noStrike" spc="-1">
+              <a:solidFill>
+                <a:srgbClr val="FFFFFF"/>
               </a:solidFill>
               <a:latin typeface="Corbel"/>
             </a:endParaRPr>
@@ -5563,11 +5884,14 @@
       </p:sp>
     </p:spTree>
   </p:cSld>
+  <p:clrMapOvr>
+    <a:masterClrMapping/>
+  </p:clrMapOvr>
 </p:sldLayout>
 </file>
 
 <file path=ppt/slideLayouts/slideLayout8.xml><?xml version="1.0" encoding="utf-8"?>
-<p:sldLayout xmlns:a="http://schemas.openxmlformats.org/drawingml/2006/main" xmlns:p="http://schemas.openxmlformats.org/presentationml/2006/main" xmlns:r="http://schemas.openxmlformats.org/officeDocument/2006/relationships" xmlns:p14="http://schemas.microsoft.com/office/powerpoint/2010/main" xmlns:p15="http://schemas.microsoft.com/office/powerpoint/2012/main" xmlns:mc="http://schemas.openxmlformats.org/markup-compatibility/2006" type="objAndTwoObj" preserve="1">
+<p:sldLayout xmlns:a="http://schemas.openxmlformats.org/drawingml/2006/main" xmlns:r="http://schemas.openxmlformats.org/officeDocument/2006/relationships" xmlns:p="http://schemas.openxmlformats.org/presentationml/2006/main" type="objAndTwoObj" preserve="1">
   <p:cSld name="Title Content and 2 Content">
     <p:spTree>
       <p:nvGrpSpPr>
@@ -5603,13 +5927,14 @@
           </a:prstGeom>
         </p:spPr>
         <p:txBody>
-          <a:bodyPr lIns="0" rIns="0" tIns="0" bIns="0" anchor="ctr">
+          <a:bodyPr lIns="0" tIns="0" rIns="0" bIns="0" anchor="ctr">
             <a:noAutofit/>
           </a:bodyPr>
-          <a:p>
-            <a:endParaRPr b="0" lang="en-US" sz="1800" spc="-1" strike="noStrike">
-              <a:solidFill>
-                <a:srgbClr val="ffffff"/>
+          <a:lstStyle/>
+          <a:p>
+            <a:endParaRPr lang="en-US" sz="1800" b="0" strike="noStrike" spc="-1">
+              <a:solidFill>
+                <a:srgbClr val="FFFFFF"/>
               </a:solidFill>
               <a:latin typeface="Corbel"/>
             </a:endParaRPr>
@@ -5636,13 +5961,14 @@
           </a:prstGeom>
         </p:spPr>
         <p:txBody>
-          <a:bodyPr lIns="0" rIns="0" tIns="0" bIns="0">
+          <a:bodyPr lIns="0" tIns="0" rIns="0" bIns="0">
             <a:normAutofit/>
           </a:bodyPr>
-          <a:p>
-            <a:endParaRPr b="0" lang="en-US" sz="2200" spc="-1" strike="noStrike">
-              <a:solidFill>
-                <a:srgbClr val="ffffff"/>
+          <a:lstStyle/>
+          <a:p>
+            <a:endParaRPr lang="en-US" sz="2200" b="0" strike="noStrike" spc="-1">
+              <a:solidFill>
+                <a:srgbClr val="FFFFFF"/>
               </a:solidFill>
               <a:latin typeface="Corbel"/>
             </a:endParaRPr>
@@ -5669,13 +5995,14 @@
           </a:prstGeom>
         </p:spPr>
         <p:txBody>
-          <a:bodyPr lIns="0" rIns="0" tIns="0" bIns="0">
+          <a:bodyPr lIns="0" tIns="0" rIns="0" bIns="0">
             <a:normAutofit/>
           </a:bodyPr>
-          <a:p>
-            <a:endParaRPr b="0" lang="en-US" sz="2200" spc="-1" strike="noStrike">
-              <a:solidFill>
-                <a:srgbClr val="ffffff"/>
+          <a:lstStyle/>
+          <a:p>
+            <a:endParaRPr lang="en-US" sz="2200" b="0" strike="noStrike" spc="-1">
+              <a:solidFill>
+                <a:srgbClr val="FFFFFF"/>
               </a:solidFill>
               <a:latin typeface="Corbel"/>
             </a:endParaRPr>
@@ -5702,13 +6029,14 @@
           </a:prstGeom>
         </p:spPr>
         <p:txBody>
-          <a:bodyPr lIns="0" rIns="0" tIns="0" bIns="0">
+          <a:bodyPr lIns="0" tIns="0" rIns="0" bIns="0">
             <a:normAutofit/>
           </a:bodyPr>
-          <a:p>
-            <a:endParaRPr b="0" lang="en-US" sz="2200" spc="-1" strike="noStrike">
-              <a:solidFill>
-                <a:srgbClr val="ffffff"/>
+          <a:lstStyle/>
+          <a:p>
+            <a:endParaRPr lang="en-US" sz="2200" b="0" strike="noStrike" spc="-1">
+              <a:solidFill>
+                <a:srgbClr val="FFFFFF"/>
               </a:solidFill>
               <a:latin typeface="Corbel"/>
             </a:endParaRPr>
@@ -5717,11 +6045,14 @@
       </p:sp>
     </p:spTree>
   </p:cSld>
+  <p:clrMapOvr>
+    <a:masterClrMapping/>
+  </p:clrMapOvr>
 </p:sldLayout>
 </file>
 
 <file path=ppt/slideLayouts/slideLayout9.xml><?xml version="1.0" encoding="utf-8"?>
-<p:sldLayout xmlns:a="http://schemas.openxmlformats.org/drawingml/2006/main" xmlns:p="http://schemas.openxmlformats.org/presentationml/2006/main" xmlns:r="http://schemas.openxmlformats.org/officeDocument/2006/relationships" xmlns:p14="http://schemas.microsoft.com/office/powerpoint/2010/main" xmlns:p15="http://schemas.microsoft.com/office/powerpoint/2012/main" xmlns:mc="http://schemas.openxmlformats.org/markup-compatibility/2006" type="twoObjOverTx" preserve="1">
+<p:sldLayout xmlns:a="http://schemas.openxmlformats.org/drawingml/2006/main" xmlns:r="http://schemas.openxmlformats.org/officeDocument/2006/relationships" xmlns:p="http://schemas.openxmlformats.org/presentationml/2006/main" type="twoObjOverTx" preserve="1">
   <p:cSld name="Title, 2 Content over Content">
     <p:spTree>
       <p:nvGrpSpPr>
@@ -5757,13 +6088,14 @@
           </a:prstGeom>
         </p:spPr>
         <p:txBody>
-          <a:bodyPr lIns="0" rIns="0" tIns="0" bIns="0" anchor="ctr">
+          <a:bodyPr lIns="0" tIns="0" rIns="0" bIns="0" anchor="ctr">
             <a:noAutofit/>
           </a:bodyPr>
-          <a:p>
-            <a:endParaRPr b="0" lang="en-US" sz="1800" spc="-1" strike="noStrike">
-              <a:solidFill>
-                <a:srgbClr val="ffffff"/>
+          <a:lstStyle/>
+          <a:p>
+            <a:endParaRPr lang="en-US" sz="1800" b="0" strike="noStrike" spc="-1">
+              <a:solidFill>
+                <a:srgbClr val="FFFFFF"/>
               </a:solidFill>
               <a:latin typeface="Corbel"/>
             </a:endParaRPr>
@@ -5790,13 +6122,14 @@
           </a:prstGeom>
         </p:spPr>
         <p:txBody>
-          <a:bodyPr lIns="0" rIns="0" tIns="0" bIns="0">
+          <a:bodyPr lIns="0" tIns="0" rIns="0" bIns="0">
             <a:normAutofit/>
           </a:bodyPr>
-          <a:p>
-            <a:endParaRPr b="0" lang="en-US" sz="2200" spc="-1" strike="noStrike">
-              <a:solidFill>
-                <a:srgbClr val="ffffff"/>
+          <a:lstStyle/>
+          <a:p>
+            <a:endParaRPr lang="en-US" sz="2200" b="0" strike="noStrike" spc="-1">
+              <a:solidFill>
+                <a:srgbClr val="FFFFFF"/>
               </a:solidFill>
               <a:latin typeface="Corbel"/>
             </a:endParaRPr>
@@ -5823,13 +6156,14 @@
           </a:prstGeom>
         </p:spPr>
         <p:txBody>
-          <a:bodyPr lIns="0" rIns="0" tIns="0" bIns="0">
+          <a:bodyPr lIns="0" tIns="0" rIns="0" bIns="0">
             <a:normAutofit/>
           </a:bodyPr>
-          <a:p>
-            <a:endParaRPr b="0" lang="en-US" sz="2200" spc="-1" strike="noStrike">
-              <a:solidFill>
-                <a:srgbClr val="ffffff"/>
+          <a:lstStyle/>
+          <a:p>
+            <a:endParaRPr lang="en-US" sz="2200" b="0" strike="noStrike" spc="-1">
+              <a:solidFill>
+                <a:srgbClr val="FFFFFF"/>
               </a:solidFill>
               <a:latin typeface="Corbel"/>
             </a:endParaRPr>
@@ -5856,13 +6190,14 @@
           </a:prstGeom>
         </p:spPr>
         <p:txBody>
-          <a:bodyPr lIns="0" rIns="0" tIns="0" bIns="0">
+          <a:bodyPr lIns="0" tIns="0" rIns="0" bIns="0">
             <a:normAutofit/>
           </a:bodyPr>
-          <a:p>
-            <a:endParaRPr b="0" lang="en-US" sz="2200" spc="-1" strike="noStrike">
-              <a:solidFill>
-                <a:srgbClr val="ffffff"/>
+          <a:lstStyle/>
+          <a:p>
+            <a:endParaRPr lang="en-US" sz="2200" b="0" strike="noStrike" spc="-1">
+              <a:solidFill>
+                <a:srgbClr val="FFFFFF"/>
               </a:solidFill>
               <a:latin typeface="Corbel"/>
             </a:endParaRPr>
@@ -5871,18 +6206,22 @@
       </p:sp>
     </p:spTree>
   </p:cSld>
+  <p:clrMapOvr>
+    <a:masterClrMapping/>
+  </p:clrMapOvr>
 </p:sldLayout>
 </file>
 
 <file path=ppt/slideMasters/slideMaster1.xml><?xml version="1.0" encoding="utf-8"?>
-<p:sldMaster xmlns:a="http://schemas.openxmlformats.org/drawingml/2006/main" xmlns:p="http://schemas.openxmlformats.org/presentationml/2006/main" xmlns:r="http://schemas.openxmlformats.org/officeDocument/2006/relationships" xmlns:p14="http://schemas.microsoft.com/office/powerpoint/2010/main" xmlns:p15="http://schemas.microsoft.com/office/powerpoint/2012/main" xmlns:mc="http://schemas.openxmlformats.org/markup-compatibility/2006">
+<p:sldMaster xmlns:a="http://schemas.openxmlformats.org/drawingml/2006/main" xmlns:r="http://schemas.openxmlformats.org/officeDocument/2006/relationships" xmlns:p="http://schemas.openxmlformats.org/presentationml/2006/main">
   <p:cSld>
     <p:bg>
       <p:bgPr>
         <a:blipFill rotWithShape="0">
-          <a:blip r:embed="rId2"/>
+          <a:blip r:embed="rId14"/>
           <a:tile/>
         </a:blipFill>
+        <a:effectLst/>
       </p:bgPr>
     </p:bg>
     <p:spTree>
@@ -5901,7 +6240,7 @@
       </p:grpSpPr>
       <p:sp>
         <p:nvSpPr>
-          <p:cNvPr id="0" name="Rectangle 6" hidden="1"/>
+          <p:cNvPr id="7" name="Rectangle 6" hidden="1"/>
           <p:cNvSpPr/>
           <p:nvPr/>
         </p:nvSpPr>
@@ -5937,7 +6276,7 @@
       </p:sp>
       <p:sp>
         <p:nvSpPr>
-          <p:cNvPr id="1" name="Rectangle 6"/>
+          <p:cNvPr id="8" name="Rectangle 6"/>
           <p:cNvSpPr/>
           <p:nvPr/>
         </p:nvSpPr>
@@ -5994,6 +6333,7 @@
           <a:bodyPr anchor="ctr">
             <a:normAutofit/>
           </a:bodyPr>
+          <a:lstStyle/>
           <a:p>
             <a:pPr algn="ctr">
               <a:lnSpc>
@@ -6001,35 +6341,17 @@
               </a:lnSpc>
             </a:pPr>
             <a:r>
-              <a:rPr b="0" lang="en-US" sz="6000" spc="148" strike="noStrike" cap="all">
+              <a:rPr lang="en-US" sz="6000" b="0" strike="noStrike" cap="all" spc="148">
                 <a:solidFill>
                   <a:srgbClr val="323232"/>
                 </a:solidFill>
                 <a:latin typeface="Corbel"/>
               </a:rPr>
-              <a:t>Click to edit </a:t>
+              <a:t>Click to edit Master title style</a:t>
             </a:r>
-            <a:r>
-              <a:rPr b="0" lang="en-US" sz="6000" spc="148" strike="noStrike" cap="all">
-                <a:solidFill>
-                  <a:srgbClr val="323232"/>
-                </a:solidFill>
-                <a:latin typeface="Corbel"/>
-              </a:rPr>
-              <a:t>Master title </a:t>
-            </a:r>
-            <a:r>
-              <a:rPr b="0" lang="en-US" sz="6000" spc="148" strike="noStrike" cap="all">
-                <a:solidFill>
-                  <a:srgbClr val="323232"/>
-                </a:solidFill>
-                <a:latin typeface="Corbel"/>
-              </a:rPr>
-              <a:t>style</a:t>
-            </a:r>
-            <a:endParaRPr b="0" lang="en-US" sz="6000" spc="-1" strike="noStrike">
-              <a:solidFill>
-                <a:srgbClr val="ffffff"/>
+            <a:endParaRPr lang="en-US" sz="6000" b="0" strike="noStrike" spc="-1">
+              <a:solidFill>
+                <a:srgbClr val="FFFFFF"/>
               </a:solidFill>
               <a:latin typeface="Corbel"/>
             </a:endParaRPr>
@@ -6059,6 +6381,7 @@
           <a:bodyPr rIns="45720" anchor="ctr">
             <a:noAutofit/>
           </a:bodyPr>
+          <a:lstStyle/>
           <a:p>
             <a:pPr>
               <a:lnSpc>
@@ -6066,15 +6389,15 @@
               </a:lnSpc>
             </a:pPr>
             <a:fld id="{7A690074-E98D-42E2-941B-1D1DEF6E6D6E}" type="datetime1">
-              <a:rPr b="0" lang="en-US" sz="1050" spc="-1" strike="noStrike">
+              <a:rPr lang="en-US" sz="1050" b="0" strike="noStrike" spc="-1">
                 <a:solidFill>
-                  <a:srgbClr val="ffffff"/>
+                  <a:srgbClr val="FFFFFF"/>
                 </a:solidFill>
                 <a:latin typeface="Corbel"/>
               </a:rPr>
-              <a:t>04/15/2021</a:t>
+              <a:t>4/15/2021</a:t>
             </a:fld>
-            <a:endParaRPr b="0" lang="pt-PT" sz="1050" spc="-1" strike="noStrike">
+            <a:endParaRPr lang="pt-PT" sz="1050" b="0" strike="noStrike" spc="-1">
               <a:latin typeface="Times New Roman"/>
             </a:endParaRPr>
           </a:p>
@@ -6103,8 +6426,9 @@
           <a:bodyPr anchor="ctr">
             <a:noAutofit/>
           </a:bodyPr>
-          <a:p>
-            <a:endParaRPr b="0" lang="pt-PT" sz="2400" spc="-1" strike="noStrike">
+          <a:lstStyle/>
+          <a:p>
+            <a:endParaRPr lang="pt-PT" sz="2400" b="0" strike="noStrike" spc="-1">
               <a:latin typeface="Times New Roman"/>
             </a:endParaRPr>
           </a:p>
@@ -6133,6 +6457,7 @@
           <a:bodyPr lIns="45720" anchor="ctr">
             <a:noAutofit/>
           </a:bodyPr>
+          <a:lstStyle/>
           <a:p>
             <a:pPr>
               <a:lnSpc>
@@ -6140,15 +6465,15 @@
               </a:lnSpc>
             </a:pPr>
             <a:fld id="{4C68B415-AE9B-49CF-B4E5-31470524370B}" type="slidenum">
-              <a:rPr b="0" lang="en-US" sz="1200" spc="-1" strike="noStrike">
+              <a:rPr lang="en-US" sz="1200" b="0" strike="noStrike" spc="-1">
                 <a:solidFill>
-                  <a:srgbClr val="ffffff"/>
+                  <a:srgbClr val="FFFFFF"/>
                 </a:solidFill>
                 <a:latin typeface="Corbel"/>
               </a:rPr>
-              <a:t>&lt;number&gt;</a:t>
+              <a:t>‹#›</a:t>
             </a:fld>
-            <a:endParaRPr b="0" lang="pt-PT" sz="1200" spc="-1" strike="noStrike">
+            <a:endParaRPr lang="pt-PT" sz="1200" b="0" strike="noStrike" spc="-1">
               <a:latin typeface="Times New Roman"/>
             </a:endParaRPr>
           </a:p>
@@ -6174,9 +6499,10 @@
           </a:prstGeom>
         </p:spPr>
         <p:txBody>
-          <a:bodyPr lIns="0" rIns="0" tIns="0" bIns="0">
+          <a:bodyPr lIns="0" tIns="0" rIns="0" bIns="0">
             <a:normAutofit/>
           </a:bodyPr>
+          <a:lstStyle/>
           <a:p>
             <a:pPr marL="432000" indent="-324000">
               <a:spcBef>
@@ -6190,23 +6516,17 @@
               <a:buChar char=""/>
             </a:pPr>
             <a:r>
-              <a:rPr b="0" lang="en-US" sz="2200" spc="-1" strike="noStrike">
+              <a:rPr lang="en-US" sz="2200" b="0" strike="noStrike" spc="-1">
                 <a:solidFill>
-                  <a:srgbClr val="ffffff"/>
+                  <a:srgbClr val="FFFFFF"/>
                 </a:solidFill>
                 <a:latin typeface="Corbel"/>
               </a:rPr>
               <a:t>Click to edit the outline text format</a:t>
             </a:r>
-            <a:endParaRPr b="0" lang="en-US" sz="2200" spc="-1" strike="noStrike">
-              <a:solidFill>
-                <a:srgbClr val="ffffff"/>
-              </a:solidFill>
-              <a:latin typeface="Corbel"/>
-            </a:endParaRPr>
-          </a:p>
-          <a:p>
-            <a:pPr lvl="1" marL="864000" indent="-324000">
+          </a:p>
+          <a:p>
+            <a:pPr marL="864000" lvl="1" indent="-324000">
               <a:spcBef>
                 <a:spcPts val="1134"/>
               </a:spcBef>
@@ -6218,23 +6538,17 @@
               <a:buChar char=""/>
             </a:pPr>
             <a:r>
-              <a:rPr b="0" lang="en-US" sz="1800" spc="-1" strike="noStrike">
+              <a:rPr lang="en-US" sz="1800" b="0" strike="noStrike" spc="-1">
                 <a:solidFill>
-                  <a:srgbClr val="ffffff"/>
+                  <a:srgbClr val="FFFFFF"/>
                 </a:solidFill>
                 <a:latin typeface="Corbel"/>
               </a:rPr>
               <a:t>Second Outline Level</a:t>
             </a:r>
-            <a:endParaRPr b="0" lang="en-US" sz="1800" spc="-1" strike="noStrike">
-              <a:solidFill>
-                <a:srgbClr val="ffffff"/>
-              </a:solidFill>
-              <a:latin typeface="Corbel"/>
-            </a:endParaRPr>
-          </a:p>
-          <a:p>
-            <a:pPr lvl="2" marL="1296000" indent="-288000">
+          </a:p>
+          <a:p>
+            <a:pPr marL="1296000" lvl="2" indent="-288000">
               <a:spcBef>
                 <a:spcPts val="850"/>
               </a:spcBef>
@@ -6246,23 +6560,17 @@
               <a:buChar char=""/>
             </a:pPr>
             <a:r>
-              <a:rPr b="0" lang="en-US" sz="1600" spc="-1" strike="noStrike">
+              <a:rPr lang="en-US" sz="1600" b="0" strike="noStrike" spc="-1">
                 <a:solidFill>
-                  <a:srgbClr val="ffffff"/>
+                  <a:srgbClr val="FFFFFF"/>
                 </a:solidFill>
                 <a:latin typeface="Corbel"/>
               </a:rPr>
               <a:t>Third Outline Level</a:t>
             </a:r>
-            <a:endParaRPr b="0" lang="en-US" sz="1600" spc="-1" strike="noStrike">
-              <a:solidFill>
-                <a:srgbClr val="ffffff"/>
-              </a:solidFill>
-              <a:latin typeface="Corbel"/>
-            </a:endParaRPr>
-          </a:p>
-          <a:p>
-            <a:pPr lvl="3" marL="1728000" indent="-216000">
+          </a:p>
+          <a:p>
+            <a:pPr marL="1728000" lvl="3" indent="-216000">
               <a:spcBef>
                 <a:spcPts val="567"/>
               </a:spcBef>
@@ -6274,23 +6582,17 @@
               <a:buChar char=""/>
             </a:pPr>
             <a:r>
-              <a:rPr b="0" lang="en-US" sz="1600" spc="-1" strike="noStrike">
+              <a:rPr lang="en-US" sz="1600" b="0" strike="noStrike" spc="-1">
                 <a:solidFill>
-                  <a:srgbClr val="ffffff"/>
+                  <a:srgbClr val="FFFFFF"/>
                 </a:solidFill>
                 <a:latin typeface="Corbel"/>
               </a:rPr>
               <a:t>Fourth Outline Level</a:t>
             </a:r>
-            <a:endParaRPr b="0" lang="en-US" sz="1600" spc="-1" strike="noStrike">
-              <a:solidFill>
-                <a:srgbClr val="ffffff"/>
-              </a:solidFill>
-              <a:latin typeface="Corbel"/>
-            </a:endParaRPr>
-          </a:p>
-          <a:p>
-            <a:pPr lvl="4" marL="2160000" indent="-216000">
+          </a:p>
+          <a:p>
+            <a:pPr marL="2160000" lvl="4" indent="-216000">
               <a:spcBef>
                 <a:spcPts val="283"/>
               </a:spcBef>
@@ -6302,23 +6604,17 @@
               <a:buChar char=""/>
             </a:pPr>
             <a:r>
-              <a:rPr b="0" lang="en-US" sz="2000" spc="-1" strike="noStrike">
+              <a:rPr lang="en-US" sz="2000" b="0" strike="noStrike" spc="-1">
                 <a:solidFill>
-                  <a:srgbClr val="ffffff"/>
+                  <a:srgbClr val="FFFFFF"/>
                 </a:solidFill>
                 <a:latin typeface="Corbel"/>
               </a:rPr>
               <a:t>Fifth Outline Level</a:t>
             </a:r>
-            <a:endParaRPr b="0" lang="en-US" sz="2000" spc="-1" strike="noStrike">
-              <a:solidFill>
-                <a:srgbClr val="ffffff"/>
-              </a:solidFill>
-              <a:latin typeface="Corbel"/>
-            </a:endParaRPr>
-          </a:p>
-          <a:p>
-            <a:pPr lvl="5" marL="2592000" indent="-216000">
+          </a:p>
+          <a:p>
+            <a:pPr marL="2592000" lvl="5" indent="-216000">
               <a:spcBef>
                 <a:spcPts val="283"/>
               </a:spcBef>
@@ -6330,23 +6626,17 @@
               <a:buChar char=""/>
             </a:pPr>
             <a:r>
-              <a:rPr b="0" lang="en-US" sz="2000" spc="-1" strike="noStrike">
+              <a:rPr lang="en-US" sz="2000" b="0" strike="noStrike" spc="-1">
                 <a:solidFill>
-                  <a:srgbClr val="ffffff"/>
+                  <a:srgbClr val="FFFFFF"/>
                 </a:solidFill>
                 <a:latin typeface="Corbel"/>
               </a:rPr>
               <a:t>Sixth Outline Level</a:t>
             </a:r>
-            <a:endParaRPr b="0" lang="en-US" sz="2000" spc="-1" strike="noStrike">
-              <a:solidFill>
-                <a:srgbClr val="ffffff"/>
-              </a:solidFill>
-              <a:latin typeface="Corbel"/>
-            </a:endParaRPr>
-          </a:p>
-          <a:p>
-            <a:pPr lvl="6" marL="3024000" indent="-216000">
+          </a:p>
+          <a:p>
+            <a:pPr marL="3024000" lvl="6" indent="-216000">
               <a:spcBef>
                 <a:spcPts val="283"/>
               </a:spcBef>
@@ -6358,51 +6648,326 @@
               <a:buChar char=""/>
             </a:pPr>
             <a:r>
-              <a:rPr b="0" lang="en-US" sz="2000" spc="-1" strike="noStrike">
+              <a:rPr lang="en-US" sz="2000" b="0" strike="noStrike" spc="-1">
                 <a:solidFill>
-                  <a:srgbClr val="ffffff"/>
+                  <a:srgbClr val="FFFFFF"/>
                 </a:solidFill>
                 <a:latin typeface="Corbel"/>
               </a:rPr>
               <a:t>Seventh Outline Level</a:t>
             </a:r>
-            <a:endParaRPr b="0" lang="en-US" sz="2000" spc="-1" strike="noStrike">
-              <a:solidFill>
-                <a:srgbClr val="ffffff"/>
-              </a:solidFill>
-              <a:latin typeface="Corbel"/>
-            </a:endParaRPr>
           </a:p>
         </p:txBody>
       </p:sp>
     </p:spTree>
   </p:cSld>
-  <p:clrMap bg1="lt1" bg2="lt2" tx1="dk1" tx2="dk2" accent1="accent1" accent2="accent2" accent3="accent3" accent4="accent4" accent5="accent5" accent6="accent6" hlink="hlink" folHlink="folHlink"/>
+  <p:clrMap bg1="lt1" tx1="dk1" bg2="lt2" tx2="dk2" accent1="accent1" accent2="accent2" accent3="accent3" accent4="accent4" accent5="accent5" accent6="accent6" hlink="hlink" folHlink="folHlink"/>
   <p:sldLayoutIdLst>
-    <p:sldLayoutId id="2147483649" r:id="rId3"/>
-    <p:sldLayoutId id="2147483650" r:id="rId4"/>
-    <p:sldLayoutId id="2147483651" r:id="rId5"/>
-    <p:sldLayoutId id="2147483652" r:id="rId6"/>
-    <p:sldLayoutId id="2147483653" r:id="rId7"/>
-    <p:sldLayoutId id="2147483654" r:id="rId8"/>
-    <p:sldLayoutId id="2147483655" r:id="rId9"/>
-    <p:sldLayoutId id="2147483656" r:id="rId10"/>
-    <p:sldLayoutId id="2147483657" r:id="rId11"/>
-    <p:sldLayoutId id="2147483658" r:id="rId12"/>
-    <p:sldLayoutId id="2147483659" r:id="rId13"/>
-    <p:sldLayoutId id="2147483660" r:id="rId14"/>
+    <p:sldLayoutId id="2147483649" r:id="rId1"/>
+    <p:sldLayoutId id="2147483650" r:id="rId2"/>
+    <p:sldLayoutId id="2147483651" r:id="rId3"/>
+    <p:sldLayoutId id="2147483652" r:id="rId4"/>
+    <p:sldLayoutId id="2147483653" r:id="rId5"/>
+    <p:sldLayoutId id="2147483654" r:id="rId6"/>
+    <p:sldLayoutId id="2147483655" r:id="rId7"/>
+    <p:sldLayoutId id="2147483656" r:id="rId8"/>
+    <p:sldLayoutId id="2147483657" r:id="rId9"/>
+    <p:sldLayoutId id="2147483658" r:id="rId10"/>
+    <p:sldLayoutId id="2147483659" r:id="rId11"/>
+    <p:sldLayoutId id="2147483660" r:id="rId12"/>
   </p:sldLayoutIdLst>
+  <p:txStyles>
+    <p:titleStyle>
+      <a:lvl1pPr algn="l" defTabSz="914400" rtl="0" eaLnBrk="1" latinLnBrk="0" hangingPunct="1">
+        <a:lnSpc>
+          <a:spcPct val="90000"/>
+        </a:lnSpc>
+        <a:spcBef>
+          <a:spcPct val="0"/>
+        </a:spcBef>
+        <a:buNone/>
+        <a:defRPr sz="4400" kern="1200">
+          <a:solidFill>
+            <a:schemeClr val="tx1"/>
+          </a:solidFill>
+          <a:latin typeface="+mj-lt"/>
+          <a:ea typeface="+mj-ea"/>
+          <a:cs typeface="+mj-cs"/>
+        </a:defRPr>
+      </a:lvl1pPr>
+    </p:titleStyle>
+    <p:bodyStyle>
+      <a:lvl1pPr marL="228600" indent="-228600" algn="l" defTabSz="914400" rtl="0" eaLnBrk="1" latinLnBrk="0" hangingPunct="1">
+        <a:lnSpc>
+          <a:spcPct val="90000"/>
+        </a:lnSpc>
+        <a:spcBef>
+          <a:spcPts val="1000"/>
+        </a:spcBef>
+        <a:buFont typeface="Arial" panose="020B0604020202020204" pitchFamily="34" charset="0"/>
+        <a:buChar char="•"/>
+        <a:defRPr sz="2800" kern="1200">
+          <a:solidFill>
+            <a:schemeClr val="tx1"/>
+          </a:solidFill>
+          <a:latin typeface="+mn-lt"/>
+          <a:ea typeface="+mn-ea"/>
+          <a:cs typeface="+mn-cs"/>
+        </a:defRPr>
+      </a:lvl1pPr>
+      <a:lvl2pPr marL="685800" indent="-228600" algn="l" defTabSz="914400" rtl="0" eaLnBrk="1" latinLnBrk="0" hangingPunct="1">
+        <a:lnSpc>
+          <a:spcPct val="90000"/>
+        </a:lnSpc>
+        <a:spcBef>
+          <a:spcPts val="500"/>
+        </a:spcBef>
+        <a:buFont typeface="Arial" panose="020B0604020202020204" pitchFamily="34" charset="0"/>
+        <a:buChar char="•"/>
+        <a:defRPr sz="2400" kern="1200">
+          <a:solidFill>
+            <a:schemeClr val="tx1"/>
+          </a:solidFill>
+          <a:latin typeface="+mn-lt"/>
+          <a:ea typeface="+mn-ea"/>
+          <a:cs typeface="+mn-cs"/>
+        </a:defRPr>
+      </a:lvl2pPr>
+      <a:lvl3pPr marL="1143000" indent="-228600" algn="l" defTabSz="914400" rtl="0" eaLnBrk="1" latinLnBrk="0" hangingPunct="1">
+        <a:lnSpc>
+          <a:spcPct val="90000"/>
+        </a:lnSpc>
+        <a:spcBef>
+          <a:spcPts val="500"/>
+        </a:spcBef>
+        <a:buFont typeface="Arial" panose="020B0604020202020204" pitchFamily="34" charset="0"/>
+        <a:buChar char="•"/>
+        <a:defRPr sz="2000" kern="1200">
+          <a:solidFill>
+            <a:schemeClr val="tx1"/>
+          </a:solidFill>
+          <a:latin typeface="+mn-lt"/>
+          <a:ea typeface="+mn-ea"/>
+          <a:cs typeface="+mn-cs"/>
+        </a:defRPr>
+      </a:lvl3pPr>
+      <a:lvl4pPr marL="1600200" indent="-228600" algn="l" defTabSz="914400" rtl="0" eaLnBrk="1" latinLnBrk="0" hangingPunct="1">
+        <a:lnSpc>
+          <a:spcPct val="90000"/>
+        </a:lnSpc>
+        <a:spcBef>
+          <a:spcPts val="500"/>
+        </a:spcBef>
+        <a:buFont typeface="Arial" panose="020B0604020202020204" pitchFamily="34" charset="0"/>
+        <a:buChar char="•"/>
+        <a:defRPr sz="1800" kern="1200">
+          <a:solidFill>
+            <a:schemeClr val="tx1"/>
+          </a:solidFill>
+          <a:latin typeface="+mn-lt"/>
+          <a:ea typeface="+mn-ea"/>
+          <a:cs typeface="+mn-cs"/>
+        </a:defRPr>
+      </a:lvl4pPr>
+      <a:lvl5pPr marL="2057400" indent="-228600" algn="l" defTabSz="914400" rtl="0" eaLnBrk="1" latinLnBrk="0" hangingPunct="1">
+        <a:lnSpc>
+          <a:spcPct val="90000"/>
+        </a:lnSpc>
+        <a:spcBef>
+          <a:spcPts val="500"/>
+        </a:spcBef>
+        <a:buFont typeface="Arial" panose="020B0604020202020204" pitchFamily="34" charset="0"/>
+        <a:buChar char="•"/>
+        <a:defRPr sz="1800" kern="1200">
+          <a:solidFill>
+            <a:schemeClr val="tx1"/>
+          </a:solidFill>
+          <a:latin typeface="+mn-lt"/>
+          <a:ea typeface="+mn-ea"/>
+          <a:cs typeface="+mn-cs"/>
+        </a:defRPr>
+      </a:lvl5pPr>
+      <a:lvl6pPr marL="2514600" indent="-228600" algn="l" defTabSz="914400" rtl="0" eaLnBrk="1" latinLnBrk="0" hangingPunct="1">
+        <a:lnSpc>
+          <a:spcPct val="90000"/>
+        </a:lnSpc>
+        <a:spcBef>
+          <a:spcPts val="500"/>
+        </a:spcBef>
+        <a:buFont typeface="Arial" panose="020B0604020202020204" pitchFamily="34" charset="0"/>
+        <a:buChar char="•"/>
+        <a:defRPr sz="1800" kern="1200">
+          <a:solidFill>
+            <a:schemeClr val="tx1"/>
+          </a:solidFill>
+          <a:latin typeface="+mn-lt"/>
+          <a:ea typeface="+mn-ea"/>
+          <a:cs typeface="+mn-cs"/>
+        </a:defRPr>
+      </a:lvl6pPr>
+      <a:lvl7pPr marL="2971800" indent="-228600" algn="l" defTabSz="914400" rtl="0" eaLnBrk="1" latinLnBrk="0" hangingPunct="1">
+        <a:lnSpc>
+          <a:spcPct val="90000"/>
+        </a:lnSpc>
+        <a:spcBef>
+          <a:spcPts val="500"/>
+        </a:spcBef>
+        <a:buFont typeface="Arial" panose="020B0604020202020204" pitchFamily="34" charset="0"/>
+        <a:buChar char="•"/>
+        <a:defRPr sz="1800" kern="1200">
+          <a:solidFill>
+            <a:schemeClr val="tx1"/>
+          </a:solidFill>
+          <a:latin typeface="+mn-lt"/>
+          <a:ea typeface="+mn-ea"/>
+          <a:cs typeface="+mn-cs"/>
+        </a:defRPr>
+      </a:lvl7pPr>
+      <a:lvl8pPr marL="3429000" indent="-228600" algn="l" defTabSz="914400" rtl="0" eaLnBrk="1" latinLnBrk="0" hangingPunct="1">
+        <a:lnSpc>
+          <a:spcPct val="90000"/>
+        </a:lnSpc>
+        <a:spcBef>
+          <a:spcPts val="500"/>
+        </a:spcBef>
+        <a:buFont typeface="Arial" panose="020B0604020202020204" pitchFamily="34" charset="0"/>
+        <a:buChar char="•"/>
+        <a:defRPr sz="1800" kern="1200">
+          <a:solidFill>
+            <a:schemeClr val="tx1"/>
+          </a:solidFill>
+          <a:latin typeface="+mn-lt"/>
+          <a:ea typeface="+mn-ea"/>
+          <a:cs typeface="+mn-cs"/>
+        </a:defRPr>
+      </a:lvl8pPr>
+      <a:lvl9pPr marL="3886200" indent="-228600" algn="l" defTabSz="914400" rtl="0" eaLnBrk="1" latinLnBrk="0" hangingPunct="1">
+        <a:lnSpc>
+          <a:spcPct val="90000"/>
+        </a:lnSpc>
+        <a:spcBef>
+          <a:spcPts val="500"/>
+        </a:spcBef>
+        <a:buFont typeface="Arial" panose="020B0604020202020204" pitchFamily="34" charset="0"/>
+        <a:buChar char="•"/>
+        <a:defRPr sz="1800" kern="1200">
+          <a:solidFill>
+            <a:schemeClr val="tx1"/>
+          </a:solidFill>
+          <a:latin typeface="+mn-lt"/>
+          <a:ea typeface="+mn-ea"/>
+          <a:cs typeface="+mn-cs"/>
+        </a:defRPr>
+      </a:lvl9pPr>
+    </p:bodyStyle>
+    <p:otherStyle>
+      <a:defPPr>
+        <a:defRPr lang="en-US"/>
+      </a:defPPr>
+      <a:lvl1pPr marL="0" algn="l" defTabSz="914400" rtl="0" eaLnBrk="1" latinLnBrk="0" hangingPunct="1">
+        <a:defRPr sz="1800" kern="1200">
+          <a:solidFill>
+            <a:schemeClr val="tx1"/>
+          </a:solidFill>
+          <a:latin typeface="+mn-lt"/>
+          <a:ea typeface="+mn-ea"/>
+          <a:cs typeface="+mn-cs"/>
+        </a:defRPr>
+      </a:lvl1pPr>
+      <a:lvl2pPr marL="457200" algn="l" defTabSz="914400" rtl="0" eaLnBrk="1" latinLnBrk="0" hangingPunct="1">
+        <a:defRPr sz="1800" kern="1200">
+          <a:solidFill>
+            <a:schemeClr val="tx1"/>
+          </a:solidFill>
+          <a:latin typeface="+mn-lt"/>
+          <a:ea typeface="+mn-ea"/>
+          <a:cs typeface="+mn-cs"/>
+        </a:defRPr>
+      </a:lvl2pPr>
+      <a:lvl3pPr marL="914400" algn="l" defTabSz="914400" rtl="0" eaLnBrk="1" latinLnBrk="0" hangingPunct="1">
+        <a:defRPr sz="1800" kern="1200">
+          <a:solidFill>
+            <a:schemeClr val="tx1"/>
+          </a:solidFill>
+          <a:latin typeface="+mn-lt"/>
+          <a:ea typeface="+mn-ea"/>
+          <a:cs typeface="+mn-cs"/>
+        </a:defRPr>
+      </a:lvl3pPr>
+      <a:lvl4pPr marL="1371600" algn="l" defTabSz="914400" rtl="0" eaLnBrk="1" latinLnBrk="0" hangingPunct="1">
+        <a:defRPr sz="1800" kern="1200">
+          <a:solidFill>
+            <a:schemeClr val="tx1"/>
+          </a:solidFill>
+          <a:latin typeface="+mn-lt"/>
+          <a:ea typeface="+mn-ea"/>
+          <a:cs typeface="+mn-cs"/>
+        </a:defRPr>
+      </a:lvl4pPr>
+      <a:lvl5pPr marL="1828800" algn="l" defTabSz="914400" rtl="0" eaLnBrk="1" latinLnBrk="0" hangingPunct="1">
+        <a:defRPr sz="1800" kern="1200">
+          <a:solidFill>
+            <a:schemeClr val="tx1"/>
+          </a:solidFill>
+          <a:latin typeface="+mn-lt"/>
+          <a:ea typeface="+mn-ea"/>
+          <a:cs typeface="+mn-cs"/>
+        </a:defRPr>
+      </a:lvl5pPr>
+      <a:lvl6pPr marL="2286000" algn="l" defTabSz="914400" rtl="0" eaLnBrk="1" latinLnBrk="0" hangingPunct="1">
+        <a:defRPr sz="1800" kern="1200">
+          <a:solidFill>
+            <a:schemeClr val="tx1"/>
+          </a:solidFill>
+          <a:latin typeface="+mn-lt"/>
+          <a:ea typeface="+mn-ea"/>
+          <a:cs typeface="+mn-cs"/>
+        </a:defRPr>
+      </a:lvl6pPr>
+      <a:lvl7pPr marL="2743200" algn="l" defTabSz="914400" rtl="0" eaLnBrk="1" latinLnBrk="0" hangingPunct="1">
+        <a:defRPr sz="1800" kern="1200">
+          <a:solidFill>
+            <a:schemeClr val="tx1"/>
+          </a:solidFill>
+          <a:latin typeface="+mn-lt"/>
+          <a:ea typeface="+mn-ea"/>
+          <a:cs typeface="+mn-cs"/>
+        </a:defRPr>
+      </a:lvl7pPr>
+      <a:lvl8pPr marL="3200400" algn="l" defTabSz="914400" rtl="0" eaLnBrk="1" latinLnBrk="0" hangingPunct="1">
+        <a:defRPr sz="1800" kern="1200">
+          <a:solidFill>
+            <a:schemeClr val="tx1"/>
+          </a:solidFill>
+          <a:latin typeface="+mn-lt"/>
+          <a:ea typeface="+mn-ea"/>
+          <a:cs typeface="+mn-cs"/>
+        </a:defRPr>
+      </a:lvl8pPr>
+      <a:lvl9pPr marL="3657600" algn="l" defTabSz="914400" rtl="0" eaLnBrk="1" latinLnBrk="0" hangingPunct="1">
+        <a:defRPr sz="1800" kern="1200">
+          <a:solidFill>
+            <a:schemeClr val="tx1"/>
+          </a:solidFill>
+          <a:latin typeface="+mn-lt"/>
+          <a:ea typeface="+mn-ea"/>
+          <a:cs typeface="+mn-cs"/>
+        </a:defRPr>
+      </a:lvl9pPr>
+    </p:otherStyle>
+  </p:txStyles>
 </p:sldMaster>
 </file>
 
 <file path=ppt/slideMasters/slideMaster2.xml><?xml version="1.0" encoding="utf-8"?>
-<p:sldMaster xmlns:a="http://schemas.openxmlformats.org/drawingml/2006/main" xmlns:p="http://schemas.openxmlformats.org/presentationml/2006/main" xmlns:r="http://schemas.openxmlformats.org/officeDocument/2006/relationships" xmlns:p14="http://schemas.microsoft.com/office/powerpoint/2010/main" xmlns:p15="http://schemas.microsoft.com/office/powerpoint/2012/main" xmlns:mc="http://schemas.openxmlformats.org/markup-compatibility/2006">
+<p:sldMaster xmlns:a="http://schemas.openxmlformats.org/drawingml/2006/main" xmlns:r="http://schemas.openxmlformats.org/officeDocument/2006/relationships" xmlns:p="http://schemas.openxmlformats.org/presentationml/2006/main">
   <p:cSld>
     <p:bg>
       <p:bgPr>
         <a:solidFill>
           <a:srgbClr val="323232"/>
         </a:solidFill>
+        <a:effectLst/>
       </p:bgPr>
     </p:bg>
     <p:spTree>
@@ -6478,6 +7043,7 @@
           <a:bodyPr anchor="ctr">
             <a:noAutofit/>
           </a:bodyPr>
+          <a:lstStyle/>
           <a:p>
             <a:pPr>
               <a:lnSpc>
@@ -6485,7 +7051,7 @@
               </a:lnSpc>
             </a:pPr>
             <a:r>
-              <a:rPr b="0" lang="en-US" sz="4000" spc="-1" strike="noStrike" cap="all">
+              <a:rPr lang="en-US" sz="4000" b="0" strike="noStrike" cap="all" spc="-1">
                 <a:solidFill>
                   <a:srgbClr val="323232"/>
                 </a:solidFill>
@@ -6493,9 +7059,9 @@
               </a:rPr>
               <a:t>Click to edit Master title style</a:t>
             </a:r>
-            <a:endParaRPr b="0" lang="en-US" sz="4000" spc="-1" strike="noStrike">
-              <a:solidFill>
-                <a:srgbClr val="ffffff"/>
+            <a:endParaRPr lang="en-US" sz="4000" b="0" strike="noStrike" spc="-1">
+              <a:solidFill>
+                <a:srgbClr val="FFFFFF"/>
               </a:solidFill>
               <a:latin typeface="Corbel"/>
             </a:endParaRPr>
@@ -6525,6 +7091,7 @@
           <a:bodyPr>
             <a:noAutofit/>
           </a:bodyPr>
+          <a:lstStyle/>
           <a:p>
             <a:pPr marL="182880" indent="-182520">
               <a:lnSpc>
@@ -6537,29 +7104,23 @@
                 <a:spcPts val="201"/>
               </a:spcAft>
               <a:buClr>
-                <a:srgbClr val="ffffff"/>
+                <a:srgbClr val="FFFFFF"/>
               </a:buClr>
               <a:buFont typeface="Wingdings" charset="2"/>
               <a:buChar char=""/>
             </a:pPr>
             <a:r>
-              <a:rPr b="0" lang="en-US" sz="2200" spc="-1" strike="noStrike">
+              <a:rPr lang="en-US" sz="2200" b="0" strike="noStrike" spc="-1">
                 <a:solidFill>
-                  <a:srgbClr val="ffffff"/>
+                  <a:srgbClr val="FFFFFF"/>
                 </a:solidFill>
                 <a:latin typeface="Corbel"/>
               </a:rPr>
               <a:t>Click to edit Master text styles</a:t>
             </a:r>
-            <a:endParaRPr b="0" lang="en-US" sz="2200" spc="-1" strike="noStrike">
-              <a:solidFill>
-                <a:srgbClr val="ffffff"/>
-              </a:solidFill>
-              <a:latin typeface="Corbel"/>
-            </a:endParaRPr>
-          </a:p>
-          <a:p>
-            <a:pPr lvl="1" marL="411480" indent="-182520">
+          </a:p>
+          <a:p>
+            <a:pPr marL="411480" lvl="1" indent="-182520">
               <a:lnSpc>
                 <a:spcPct val="90000"/>
               </a:lnSpc>
@@ -6570,29 +7131,23 @@
                 <a:spcPts val="400"/>
               </a:spcAft>
               <a:buClr>
-                <a:srgbClr val="ffffff"/>
+                <a:srgbClr val="FFFFFF"/>
               </a:buClr>
               <a:buFont typeface="Wingdings" charset="2"/>
               <a:buChar char=""/>
             </a:pPr>
             <a:r>
-              <a:rPr b="0" lang="en-US" sz="2000" spc="-1" strike="noStrike">
+              <a:rPr lang="en-US" sz="2000" b="0" strike="noStrike" spc="-1">
                 <a:solidFill>
-                  <a:srgbClr val="ffffff"/>
+                  <a:srgbClr val="FFFFFF"/>
                 </a:solidFill>
                 <a:latin typeface="Corbel"/>
               </a:rPr>
               <a:t>Second level</a:t>
             </a:r>
-            <a:endParaRPr b="0" lang="en-US" sz="2000" spc="-1" strike="noStrike">
-              <a:solidFill>
-                <a:srgbClr val="ffffff"/>
-              </a:solidFill>
-              <a:latin typeface="Corbel"/>
-            </a:endParaRPr>
-          </a:p>
-          <a:p>
-            <a:pPr lvl="2" marL="640080" indent="-182520">
+          </a:p>
+          <a:p>
+            <a:pPr marL="640080" lvl="2" indent="-182520">
               <a:lnSpc>
                 <a:spcPct val="90000"/>
               </a:lnSpc>
@@ -6603,29 +7158,23 @@
                 <a:spcPts val="400"/>
               </a:spcAft>
               <a:buClr>
-                <a:srgbClr val="ffffff"/>
+                <a:srgbClr val="FFFFFF"/>
               </a:buClr>
               <a:buFont typeface="Wingdings" charset="2"/>
               <a:buChar char=""/>
             </a:pPr>
             <a:r>
-              <a:rPr b="0" lang="en-US" sz="1800" spc="-1" strike="noStrike">
+              <a:rPr lang="en-US" sz="1800" b="0" strike="noStrike" spc="-1">
                 <a:solidFill>
-                  <a:srgbClr val="ffffff"/>
+                  <a:srgbClr val="FFFFFF"/>
                 </a:solidFill>
                 <a:latin typeface="Corbel"/>
               </a:rPr>
               <a:t>Third level</a:t>
             </a:r>
-            <a:endParaRPr b="0" lang="en-US" sz="1800" spc="-1" strike="noStrike">
-              <a:solidFill>
-                <a:srgbClr val="ffffff"/>
-              </a:solidFill>
-              <a:latin typeface="Corbel"/>
-            </a:endParaRPr>
-          </a:p>
-          <a:p>
-            <a:pPr lvl="3" marL="868680" indent="-182520">
+          </a:p>
+          <a:p>
+            <a:pPr marL="868680" lvl="3" indent="-182520">
               <a:lnSpc>
                 <a:spcPct val="90000"/>
               </a:lnSpc>
@@ -6636,29 +7185,23 @@
                 <a:spcPts val="400"/>
               </a:spcAft>
               <a:buClr>
-                <a:srgbClr val="ffffff"/>
+                <a:srgbClr val="FFFFFF"/>
               </a:buClr>
               <a:buFont typeface="Wingdings" charset="2"/>
               <a:buChar char=""/>
             </a:pPr>
             <a:r>
-              <a:rPr b="0" lang="en-US" sz="1600" spc="-1" strike="noStrike">
+              <a:rPr lang="en-US" sz="1600" b="0" strike="noStrike" spc="-1">
                 <a:solidFill>
-                  <a:srgbClr val="ffffff"/>
+                  <a:srgbClr val="FFFFFF"/>
                 </a:solidFill>
                 <a:latin typeface="Corbel"/>
               </a:rPr>
               <a:t>Fourth level</a:t>
             </a:r>
-            <a:endParaRPr b="0" lang="en-US" sz="1600" spc="-1" strike="noStrike">
-              <a:solidFill>
-                <a:srgbClr val="ffffff"/>
-              </a:solidFill>
-              <a:latin typeface="Corbel"/>
-            </a:endParaRPr>
-          </a:p>
-          <a:p>
-            <a:pPr lvl="4" marL="1097280" indent="-182520">
+          </a:p>
+          <a:p>
+            <a:pPr marL="1097280" lvl="4" indent="-182520">
               <a:lnSpc>
                 <a:spcPct val="90000"/>
               </a:lnSpc>
@@ -6669,26 +7212,20 @@
                 <a:spcPts val="400"/>
               </a:spcAft>
               <a:buClr>
-                <a:srgbClr val="ffffff"/>
+                <a:srgbClr val="FFFFFF"/>
               </a:buClr>
               <a:buFont typeface="Wingdings" charset="2"/>
               <a:buChar char=""/>
             </a:pPr>
             <a:r>
-              <a:rPr b="0" lang="en-US" sz="1600" spc="-1" strike="noStrike">
+              <a:rPr lang="en-US" sz="1600" b="0" strike="noStrike" spc="-1">
                 <a:solidFill>
-                  <a:srgbClr val="ffffff"/>
+                  <a:srgbClr val="FFFFFF"/>
                 </a:solidFill>
                 <a:latin typeface="Corbel"/>
               </a:rPr>
               <a:t>Fifth level</a:t>
             </a:r>
-            <a:endParaRPr b="0" lang="en-US" sz="1600" spc="-1" strike="noStrike">
-              <a:solidFill>
-                <a:srgbClr val="ffffff"/>
-              </a:solidFill>
-              <a:latin typeface="Corbel"/>
-            </a:endParaRPr>
           </a:p>
         </p:txBody>
       </p:sp>
@@ -6715,6 +7252,7 @@
           <a:bodyPr rIns="45720" anchor="ctr">
             <a:noAutofit/>
           </a:bodyPr>
+          <a:lstStyle/>
           <a:p>
             <a:pPr>
               <a:lnSpc>
@@ -6722,15 +7260,15 @@
               </a:lnSpc>
             </a:pPr>
             <a:fld id="{17885107-E1F3-476C-ADDE-FD957999FE87}" type="datetime1">
-              <a:rPr b="0" lang="en-US" sz="1050" spc="-1" strike="noStrike">
+              <a:rPr lang="en-US" sz="1050" b="0" strike="noStrike" spc="-1">
                 <a:solidFill>
-                  <a:srgbClr val="ffffff"/>
+                  <a:srgbClr val="FFFFFF"/>
                 </a:solidFill>
                 <a:latin typeface="Corbel"/>
               </a:rPr>
-              <a:t>04/15/2021</a:t>
+              <a:t>4/15/2021</a:t>
             </a:fld>
-            <a:endParaRPr b="0" lang="pt-PT" sz="1050" spc="-1" strike="noStrike">
+            <a:endParaRPr lang="pt-PT" sz="1050" b="0" strike="noStrike" spc="-1">
               <a:latin typeface="Times New Roman"/>
             </a:endParaRPr>
           </a:p>
@@ -6759,8 +7297,9 @@
           <a:bodyPr anchor="ctr">
             <a:noAutofit/>
           </a:bodyPr>
-          <a:p>
-            <a:endParaRPr b="0" lang="pt-PT" sz="2400" spc="-1" strike="noStrike">
+          <a:lstStyle/>
+          <a:p>
+            <a:endParaRPr lang="pt-PT" sz="2400" b="0" strike="noStrike" spc="-1">
               <a:latin typeface="Times New Roman"/>
             </a:endParaRPr>
           </a:p>
@@ -6789,6 +7328,7 @@
           <a:bodyPr lIns="45720" anchor="ctr">
             <a:noAutofit/>
           </a:bodyPr>
+          <a:lstStyle/>
           <a:p>
             <a:pPr>
               <a:lnSpc>
@@ -6796,15 +7336,15 @@
               </a:lnSpc>
             </a:pPr>
             <a:fld id="{C7B03D26-11B6-48D5-A772-C0F8986BD69E}" type="slidenum">
-              <a:rPr b="0" lang="en-US" sz="1200" spc="-1" strike="noStrike">
+              <a:rPr lang="en-US" sz="1200" b="0" strike="noStrike" spc="-1">
                 <a:solidFill>
-                  <a:srgbClr val="ffffff"/>
+                  <a:srgbClr val="FFFFFF"/>
                 </a:solidFill>
                 <a:latin typeface="Corbel"/>
               </a:rPr>
-              <a:t>&lt;number&gt;</a:t>
+              <a:t>‹#›</a:t>
             </a:fld>
-            <a:endParaRPr b="0" lang="pt-PT" sz="1200" spc="-1" strike="noStrike">
+            <a:endParaRPr lang="pt-PT" sz="1200" b="0" strike="noStrike" spc="-1">
               <a:latin typeface="Times New Roman"/>
             </a:endParaRPr>
           </a:p>
@@ -6812,33 +7352,314 @@
       </p:sp>
     </p:spTree>
   </p:cSld>
-  <p:clrMap bg1="lt1" bg2="lt2" tx1="dk1" tx2="dk2" accent1="accent1" accent2="accent2" accent3="accent3" accent4="accent4" accent5="accent5" accent6="accent6" hlink="hlink" folHlink="folHlink"/>
+  <p:clrMap bg1="lt1" tx1="dk1" bg2="lt2" tx2="dk2" accent1="accent1" accent2="accent2" accent3="accent3" accent4="accent4" accent5="accent5" accent6="accent6" hlink="hlink" folHlink="folHlink"/>
   <p:sldLayoutIdLst>
-    <p:sldLayoutId id="2147483662" r:id="rId2"/>
-    <p:sldLayoutId id="2147483663" r:id="rId3"/>
-    <p:sldLayoutId id="2147483664" r:id="rId4"/>
-    <p:sldLayoutId id="2147483665" r:id="rId5"/>
-    <p:sldLayoutId id="2147483666" r:id="rId6"/>
-    <p:sldLayoutId id="2147483667" r:id="rId7"/>
-    <p:sldLayoutId id="2147483668" r:id="rId8"/>
-    <p:sldLayoutId id="2147483669" r:id="rId9"/>
-    <p:sldLayoutId id="2147483670" r:id="rId10"/>
-    <p:sldLayoutId id="2147483671" r:id="rId11"/>
-    <p:sldLayoutId id="2147483672" r:id="rId12"/>
-    <p:sldLayoutId id="2147483673" r:id="rId13"/>
+    <p:sldLayoutId id="2147483662" r:id="rId1"/>
+    <p:sldLayoutId id="2147483663" r:id="rId2"/>
+    <p:sldLayoutId id="2147483664" r:id="rId3"/>
+    <p:sldLayoutId id="2147483665" r:id="rId4"/>
+    <p:sldLayoutId id="2147483666" r:id="rId5"/>
+    <p:sldLayoutId id="2147483667" r:id="rId6"/>
+    <p:sldLayoutId id="2147483668" r:id="rId7"/>
+    <p:sldLayoutId id="2147483669" r:id="rId8"/>
+    <p:sldLayoutId id="2147483670" r:id="rId9"/>
+    <p:sldLayoutId id="2147483671" r:id="rId10"/>
+    <p:sldLayoutId id="2147483672" r:id="rId11"/>
+    <p:sldLayoutId id="2147483673" r:id="rId12"/>
   </p:sldLayoutIdLst>
+  <p:txStyles>
+    <p:titleStyle>
+      <a:lvl1pPr algn="l" defTabSz="914400" rtl="0" eaLnBrk="1" latinLnBrk="0" hangingPunct="1">
+        <a:lnSpc>
+          <a:spcPct val="90000"/>
+        </a:lnSpc>
+        <a:spcBef>
+          <a:spcPct val="0"/>
+        </a:spcBef>
+        <a:buNone/>
+        <a:defRPr sz="4400" kern="1200">
+          <a:solidFill>
+            <a:schemeClr val="tx1"/>
+          </a:solidFill>
+          <a:latin typeface="+mj-lt"/>
+          <a:ea typeface="+mj-ea"/>
+          <a:cs typeface="+mj-cs"/>
+        </a:defRPr>
+      </a:lvl1pPr>
+    </p:titleStyle>
+    <p:bodyStyle>
+      <a:lvl1pPr marL="228600" indent="-228600" algn="l" defTabSz="914400" rtl="0" eaLnBrk="1" latinLnBrk="0" hangingPunct="1">
+        <a:lnSpc>
+          <a:spcPct val="90000"/>
+        </a:lnSpc>
+        <a:spcBef>
+          <a:spcPts val="1000"/>
+        </a:spcBef>
+        <a:buFont typeface="Arial" panose="020B0604020202020204" pitchFamily="34" charset="0"/>
+        <a:buChar char="•"/>
+        <a:defRPr sz="2800" kern="1200">
+          <a:solidFill>
+            <a:schemeClr val="tx1"/>
+          </a:solidFill>
+          <a:latin typeface="+mn-lt"/>
+          <a:ea typeface="+mn-ea"/>
+          <a:cs typeface="+mn-cs"/>
+        </a:defRPr>
+      </a:lvl1pPr>
+      <a:lvl2pPr marL="685800" indent="-228600" algn="l" defTabSz="914400" rtl="0" eaLnBrk="1" latinLnBrk="0" hangingPunct="1">
+        <a:lnSpc>
+          <a:spcPct val="90000"/>
+        </a:lnSpc>
+        <a:spcBef>
+          <a:spcPts val="500"/>
+        </a:spcBef>
+        <a:buFont typeface="Arial" panose="020B0604020202020204" pitchFamily="34" charset="0"/>
+        <a:buChar char="•"/>
+        <a:defRPr sz="2400" kern="1200">
+          <a:solidFill>
+            <a:schemeClr val="tx1"/>
+          </a:solidFill>
+          <a:latin typeface="+mn-lt"/>
+          <a:ea typeface="+mn-ea"/>
+          <a:cs typeface="+mn-cs"/>
+        </a:defRPr>
+      </a:lvl2pPr>
+      <a:lvl3pPr marL="1143000" indent="-228600" algn="l" defTabSz="914400" rtl="0" eaLnBrk="1" latinLnBrk="0" hangingPunct="1">
+        <a:lnSpc>
+          <a:spcPct val="90000"/>
+        </a:lnSpc>
+        <a:spcBef>
+          <a:spcPts val="500"/>
+        </a:spcBef>
+        <a:buFont typeface="Arial" panose="020B0604020202020204" pitchFamily="34" charset="0"/>
+        <a:buChar char="•"/>
+        <a:defRPr sz="2000" kern="1200">
+          <a:solidFill>
+            <a:schemeClr val="tx1"/>
+          </a:solidFill>
+          <a:latin typeface="+mn-lt"/>
+          <a:ea typeface="+mn-ea"/>
+          <a:cs typeface="+mn-cs"/>
+        </a:defRPr>
+      </a:lvl3pPr>
+      <a:lvl4pPr marL="1600200" indent="-228600" algn="l" defTabSz="914400" rtl="0" eaLnBrk="1" latinLnBrk="0" hangingPunct="1">
+        <a:lnSpc>
+          <a:spcPct val="90000"/>
+        </a:lnSpc>
+        <a:spcBef>
+          <a:spcPts val="500"/>
+        </a:spcBef>
+        <a:buFont typeface="Arial" panose="020B0604020202020204" pitchFamily="34" charset="0"/>
+        <a:buChar char="•"/>
+        <a:defRPr sz="1800" kern="1200">
+          <a:solidFill>
+            <a:schemeClr val="tx1"/>
+          </a:solidFill>
+          <a:latin typeface="+mn-lt"/>
+          <a:ea typeface="+mn-ea"/>
+          <a:cs typeface="+mn-cs"/>
+        </a:defRPr>
+      </a:lvl4pPr>
+      <a:lvl5pPr marL="2057400" indent="-228600" algn="l" defTabSz="914400" rtl="0" eaLnBrk="1" latinLnBrk="0" hangingPunct="1">
+        <a:lnSpc>
+          <a:spcPct val="90000"/>
+        </a:lnSpc>
+        <a:spcBef>
+          <a:spcPts val="500"/>
+        </a:spcBef>
+        <a:buFont typeface="Arial" panose="020B0604020202020204" pitchFamily="34" charset="0"/>
+        <a:buChar char="•"/>
+        <a:defRPr sz="1800" kern="1200">
+          <a:solidFill>
+            <a:schemeClr val="tx1"/>
+          </a:solidFill>
+          <a:latin typeface="+mn-lt"/>
+          <a:ea typeface="+mn-ea"/>
+          <a:cs typeface="+mn-cs"/>
+        </a:defRPr>
+      </a:lvl5pPr>
+      <a:lvl6pPr marL="2514600" indent="-228600" algn="l" defTabSz="914400" rtl="0" eaLnBrk="1" latinLnBrk="0" hangingPunct="1">
+        <a:lnSpc>
+          <a:spcPct val="90000"/>
+        </a:lnSpc>
+        <a:spcBef>
+          <a:spcPts val="500"/>
+        </a:spcBef>
+        <a:buFont typeface="Arial" panose="020B0604020202020204" pitchFamily="34" charset="0"/>
+        <a:buChar char="•"/>
+        <a:defRPr sz="1800" kern="1200">
+          <a:solidFill>
+            <a:schemeClr val="tx1"/>
+          </a:solidFill>
+          <a:latin typeface="+mn-lt"/>
+          <a:ea typeface="+mn-ea"/>
+          <a:cs typeface="+mn-cs"/>
+        </a:defRPr>
+      </a:lvl6pPr>
+      <a:lvl7pPr marL="2971800" indent="-228600" algn="l" defTabSz="914400" rtl="0" eaLnBrk="1" latinLnBrk="0" hangingPunct="1">
+        <a:lnSpc>
+          <a:spcPct val="90000"/>
+        </a:lnSpc>
+        <a:spcBef>
+          <a:spcPts val="500"/>
+        </a:spcBef>
+        <a:buFont typeface="Arial" panose="020B0604020202020204" pitchFamily="34" charset="0"/>
+        <a:buChar char="•"/>
+        <a:defRPr sz="1800" kern="1200">
+          <a:solidFill>
+            <a:schemeClr val="tx1"/>
+          </a:solidFill>
+          <a:latin typeface="+mn-lt"/>
+          <a:ea typeface="+mn-ea"/>
+          <a:cs typeface="+mn-cs"/>
+        </a:defRPr>
+      </a:lvl7pPr>
+      <a:lvl8pPr marL="3429000" indent="-228600" algn="l" defTabSz="914400" rtl="0" eaLnBrk="1" latinLnBrk="0" hangingPunct="1">
+        <a:lnSpc>
+          <a:spcPct val="90000"/>
+        </a:lnSpc>
+        <a:spcBef>
+          <a:spcPts val="500"/>
+        </a:spcBef>
+        <a:buFont typeface="Arial" panose="020B0604020202020204" pitchFamily="34" charset="0"/>
+        <a:buChar char="•"/>
+        <a:defRPr sz="1800" kern="1200">
+          <a:solidFill>
+            <a:schemeClr val="tx1"/>
+          </a:solidFill>
+          <a:latin typeface="+mn-lt"/>
+          <a:ea typeface="+mn-ea"/>
+          <a:cs typeface="+mn-cs"/>
+        </a:defRPr>
+      </a:lvl8pPr>
+      <a:lvl9pPr marL="3886200" indent="-228600" algn="l" defTabSz="914400" rtl="0" eaLnBrk="1" latinLnBrk="0" hangingPunct="1">
+        <a:lnSpc>
+          <a:spcPct val="90000"/>
+        </a:lnSpc>
+        <a:spcBef>
+          <a:spcPts val="500"/>
+        </a:spcBef>
+        <a:buFont typeface="Arial" panose="020B0604020202020204" pitchFamily="34" charset="0"/>
+        <a:buChar char="•"/>
+        <a:defRPr sz="1800" kern="1200">
+          <a:solidFill>
+            <a:schemeClr val="tx1"/>
+          </a:solidFill>
+          <a:latin typeface="+mn-lt"/>
+          <a:ea typeface="+mn-ea"/>
+          <a:cs typeface="+mn-cs"/>
+        </a:defRPr>
+      </a:lvl9pPr>
+    </p:bodyStyle>
+    <p:otherStyle>
+      <a:defPPr>
+        <a:defRPr lang="en-US"/>
+      </a:defPPr>
+      <a:lvl1pPr marL="0" algn="l" defTabSz="914400" rtl="0" eaLnBrk="1" latinLnBrk="0" hangingPunct="1">
+        <a:defRPr sz="1800" kern="1200">
+          <a:solidFill>
+            <a:schemeClr val="tx1"/>
+          </a:solidFill>
+          <a:latin typeface="+mn-lt"/>
+          <a:ea typeface="+mn-ea"/>
+          <a:cs typeface="+mn-cs"/>
+        </a:defRPr>
+      </a:lvl1pPr>
+      <a:lvl2pPr marL="457200" algn="l" defTabSz="914400" rtl="0" eaLnBrk="1" latinLnBrk="0" hangingPunct="1">
+        <a:defRPr sz="1800" kern="1200">
+          <a:solidFill>
+            <a:schemeClr val="tx1"/>
+          </a:solidFill>
+          <a:latin typeface="+mn-lt"/>
+          <a:ea typeface="+mn-ea"/>
+          <a:cs typeface="+mn-cs"/>
+        </a:defRPr>
+      </a:lvl2pPr>
+      <a:lvl3pPr marL="914400" algn="l" defTabSz="914400" rtl="0" eaLnBrk="1" latinLnBrk="0" hangingPunct="1">
+        <a:defRPr sz="1800" kern="1200">
+          <a:solidFill>
+            <a:schemeClr val="tx1"/>
+          </a:solidFill>
+          <a:latin typeface="+mn-lt"/>
+          <a:ea typeface="+mn-ea"/>
+          <a:cs typeface="+mn-cs"/>
+        </a:defRPr>
+      </a:lvl3pPr>
+      <a:lvl4pPr marL="1371600" algn="l" defTabSz="914400" rtl="0" eaLnBrk="1" latinLnBrk="0" hangingPunct="1">
+        <a:defRPr sz="1800" kern="1200">
+          <a:solidFill>
+            <a:schemeClr val="tx1"/>
+          </a:solidFill>
+          <a:latin typeface="+mn-lt"/>
+          <a:ea typeface="+mn-ea"/>
+          <a:cs typeface="+mn-cs"/>
+        </a:defRPr>
+      </a:lvl4pPr>
+      <a:lvl5pPr marL="1828800" algn="l" defTabSz="914400" rtl="0" eaLnBrk="1" latinLnBrk="0" hangingPunct="1">
+        <a:defRPr sz="1800" kern="1200">
+          <a:solidFill>
+            <a:schemeClr val="tx1"/>
+          </a:solidFill>
+          <a:latin typeface="+mn-lt"/>
+          <a:ea typeface="+mn-ea"/>
+          <a:cs typeface="+mn-cs"/>
+        </a:defRPr>
+      </a:lvl5pPr>
+      <a:lvl6pPr marL="2286000" algn="l" defTabSz="914400" rtl="0" eaLnBrk="1" latinLnBrk="0" hangingPunct="1">
+        <a:defRPr sz="1800" kern="1200">
+          <a:solidFill>
+            <a:schemeClr val="tx1"/>
+          </a:solidFill>
+          <a:latin typeface="+mn-lt"/>
+          <a:ea typeface="+mn-ea"/>
+          <a:cs typeface="+mn-cs"/>
+        </a:defRPr>
+      </a:lvl6pPr>
+      <a:lvl7pPr marL="2743200" algn="l" defTabSz="914400" rtl="0" eaLnBrk="1" latinLnBrk="0" hangingPunct="1">
+        <a:defRPr sz="1800" kern="1200">
+          <a:solidFill>
+            <a:schemeClr val="tx1"/>
+          </a:solidFill>
+          <a:latin typeface="+mn-lt"/>
+          <a:ea typeface="+mn-ea"/>
+          <a:cs typeface="+mn-cs"/>
+        </a:defRPr>
+      </a:lvl7pPr>
+      <a:lvl8pPr marL="3200400" algn="l" defTabSz="914400" rtl="0" eaLnBrk="1" latinLnBrk="0" hangingPunct="1">
+        <a:defRPr sz="1800" kern="1200">
+          <a:solidFill>
+            <a:schemeClr val="tx1"/>
+          </a:solidFill>
+          <a:latin typeface="+mn-lt"/>
+          <a:ea typeface="+mn-ea"/>
+          <a:cs typeface="+mn-cs"/>
+        </a:defRPr>
+      </a:lvl8pPr>
+      <a:lvl9pPr marL="3657600" algn="l" defTabSz="914400" rtl="0" eaLnBrk="1" latinLnBrk="0" hangingPunct="1">
+        <a:defRPr sz="1800" kern="1200">
+          <a:solidFill>
+            <a:schemeClr val="tx1"/>
+          </a:solidFill>
+          <a:latin typeface="+mn-lt"/>
+          <a:ea typeface="+mn-ea"/>
+          <a:cs typeface="+mn-cs"/>
+        </a:defRPr>
+      </a:lvl9pPr>
+    </p:otherStyle>
+  </p:txStyles>
 </p:sldMaster>
 </file>
 
 <file path=ppt/slides/slide1.xml><?xml version="1.0" encoding="utf-8"?>
-<p:sld xmlns:a="http://schemas.openxmlformats.org/drawingml/2006/main" xmlns:p="http://schemas.openxmlformats.org/presentationml/2006/main" xmlns:r="http://schemas.openxmlformats.org/officeDocument/2006/relationships" xmlns:p14="http://schemas.microsoft.com/office/powerpoint/2010/main" xmlns:p15="http://schemas.microsoft.com/office/powerpoint/2012/main" xmlns:mc="http://schemas.openxmlformats.org/markup-compatibility/2006">
+<p:sld xmlns:a="http://schemas.openxmlformats.org/drawingml/2006/main" xmlns:r="http://schemas.openxmlformats.org/officeDocument/2006/relationships" xmlns:p="http://schemas.openxmlformats.org/presentationml/2006/main">
   <p:cSld>
     <p:bg>
       <p:bgPr>
         <a:blipFill rotWithShape="0">
-          <a:blip r:embed="rId1"/>
+          <a:blip r:embed="rId2"/>
           <a:tile/>
         </a:blipFill>
+        <a:effectLst/>
       </p:bgPr>
     </p:bg>
     <p:spTree>
@@ -6979,6 +7800,7 @@
           <a:bodyPr anchor="ctr">
             <a:normAutofit/>
           </a:bodyPr>
+          <a:lstStyle/>
           <a:p>
             <a:pPr algn="ctr">
               <a:lnSpc>
@@ -6986,17 +7808,17 @@
               </a:lnSpc>
             </a:pPr>
             <a:r>
-              <a:rPr b="0" lang="en-US" sz="6000" spc="148" strike="noStrike" cap="all">
+              <a:rPr lang="en-US" sz="6000" b="0" strike="noStrike" cap="all" spc="148" dirty="0">
                 <a:solidFill>
-                  <a:srgbClr val="323232"/>
+                  <a:schemeClr val="bg1"/>
                 </a:solidFill>
                 <a:latin typeface="Corbel"/>
               </a:rPr>
               <a:t>Auction House</a:t>
             </a:r>
-            <a:endParaRPr b="0" lang="en-US" sz="6000" spc="-1" strike="noStrike">
-              <a:solidFill>
-                <a:srgbClr val="ffffff"/>
+            <a:endParaRPr lang="en-US" sz="6000" b="0" strike="noStrike" spc="-1" dirty="0">
+              <a:solidFill>
+                <a:schemeClr val="bg1"/>
               </a:solidFill>
               <a:latin typeface="Corbel"/>
             </a:endParaRPr>
@@ -7026,6 +7848,7 @@
           <a:bodyPr>
             <a:normAutofit/>
           </a:bodyPr>
+          <a:lstStyle/>
           <a:p>
             <a:pPr algn="ctr">
               <a:lnSpc>
@@ -7038,19 +7861,55 @@
                 <a:spcPts val="201"/>
               </a:spcAft>
               <a:tabLst>
-                <a:tab algn="l" pos="0"/>
+                <a:tab pos="0" algn="l"/>
               </a:tabLst>
             </a:pPr>
             <a:r>
-              <a:rPr b="0" lang="en-US" sz="2000" spc="-1" strike="noStrike">
+              <a:rPr lang="pt-PT" sz="2000" b="0" strike="noStrike" spc="-1" dirty="0">
                 <a:solidFill>
-                  <a:srgbClr val="ffffff"/>
+                  <a:srgbClr val="FFFFFF"/>
                 </a:solidFill>
                 <a:latin typeface="Corbel"/>
               </a:rPr>
-              <a:t>Apresentação do projeto de Base de Dados</a:t>
+              <a:t>Apresentação</a:t>
             </a:r>
-            <a:endParaRPr b="0" lang="pt-PT" sz="2000" spc="-1" strike="noStrike">
+            <a:r>
+              <a:rPr lang="en-US" sz="2000" b="0" strike="noStrike" spc="-1" dirty="0">
+                <a:solidFill>
+                  <a:srgbClr val="FFFFFF"/>
+                </a:solidFill>
+                <a:latin typeface="Corbel"/>
+              </a:rPr>
+              <a:t> do </a:t>
+            </a:r>
+            <a:r>
+              <a:rPr lang="en-US" sz="2000" spc="-1" dirty="0" err="1">
+                <a:solidFill>
+                  <a:srgbClr val="FFFFFF"/>
+                </a:solidFill>
+                <a:latin typeface="Corbel"/>
+              </a:rPr>
+              <a:t>p</a:t>
+            </a:r>
+            <a:r>
+              <a:rPr lang="en-US" sz="2000" b="0" strike="noStrike" spc="-1" dirty="0" err="1">
+                <a:solidFill>
+                  <a:srgbClr val="FFFFFF"/>
+                </a:solidFill>
+                <a:latin typeface="Corbel"/>
+              </a:rPr>
+              <a:t>rojeto</a:t>
+            </a:r>
+            <a:r>
+              <a:rPr lang="en-US" sz="2000" b="0" strike="noStrike" spc="-1" dirty="0">
+                <a:solidFill>
+                  <a:srgbClr val="FFFFFF"/>
+                </a:solidFill>
+                <a:latin typeface="Corbel"/>
+              </a:rPr>
+              <a:t> de Base de Dados</a:t>
+            </a:r>
+            <a:endParaRPr lang="pt-PT" sz="2000" b="0" strike="noStrike" spc="-1" dirty="0">
               <a:latin typeface="Arial"/>
             </a:endParaRPr>
           </a:p>
@@ -7058,19 +7917,14 @@
       </p:sp>
     </p:spTree>
   </p:cSld>
-  <mc:AlternateContent>
-    <mc:Choice Requires="p14">
-      <p:transition spd="slow" p14:dur="2000"/>
-    </mc:Choice>
-    <mc:Fallback>
-      <p:transition spd="slow"/>
-    </mc:Fallback>
-  </mc:AlternateContent>
+  <p:clrMapOvr>
+    <a:masterClrMapping/>
+  </p:clrMapOvr>
 </p:sld>
 </file>
 
 <file path=ppt/slides/slide10.xml><?xml version="1.0" encoding="utf-8"?>
-<p:sld xmlns:a="http://schemas.openxmlformats.org/drawingml/2006/main" xmlns:p="http://schemas.openxmlformats.org/presentationml/2006/main" xmlns:r="http://schemas.openxmlformats.org/officeDocument/2006/relationships" xmlns:p14="http://schemas.microsoft.com/office/powerpoint/2010/main" xmlns:p15="http://schemas.microsoft.com/office/powerpoint/2012/main" xmlns:mc="http://schemas.openxmlformats.org/markup-compatibility/2006">
+<p:sld xmlns:a="http://schemas.openxmlformats.org/drawingml/2006/main" xmlns:r="http://schemas.openxmlformats.org/officeDocument/2006/relationships" xmlns:p="http://schemas.openxmlformats.org/presentationml/2006/main">
   <p:cSld>
     <p:spTree>
       <p:nvGrpSpPr>
@@ -7109,6 +7963,7 @@
           <a:bodyPr anchor="ctr">
             <a:noAutofit/>
           </a:bodyPr>
+          <a:lstStyle/>
           <a:p>
             <a:pPr>
               <a:lnSpc>
@@ -7116,17 +7971,17 @@
               </a:lnSpc>
             </a:pPr>
             <a:r>
-              <a:rPr b="0" lang="en-US" sz="4000" spc="-1" strike="noStrike" cap="all">
+              <a:rPr lang="en-US" sz="4000" b="0" strike="noStrike" cap="all" spc="-1" dirty="0">
                 <a:solidFill>
-                  <a:srgbClr val="323232"/>
+                  <a:schemeClr val="bg1"/>
                 </a:solidFill>
                 <a:latin typeface="Corbel"/>
               </a:rPr>
               <a:t>Tables</a:t>
             </a:r>
-            <a:endParaRPr b="0" lang="en-US" sz="4000" spc="-1" strike="noStrike">
-              <a:solidFill>
-                <a:srgbClr val="ffffff"/>
+            <a:endParaRPr lang="en-US" sz="4000" b="0" strike="noStrike" spc="-1" dirty="0">
+              <a:solidFill>
+                <a:schemeClr val="bg1"/>
               </a:solidFill>
               <a:latin typeface="Corbel"/>
             </a:endParaRPr>
@@ -7135,12 +7990,12 @@
       </p:sp>
       <p:pic>
         <p:nvPicPr>
-          <p:cNvPr id="112" name="" descr=""/>
+          <p:cNvPr id="112" name="Picture 111"/>
           <p:cNvPicPr/>
           <p:nvPr/>
         </p:nvPicPr>
         <p:blipFill>
-          <a:blip r:embed="rId1"/>
+          <a:blip r:embed="rId2"/>
           <a:stretch/>
         </p:blipFill>
         <p:spPr>
@@ -7158,25 +8013,21 @@
       </p:pic>
     </p:spTree>
   </p:cSld>
-  <mc:AlternateContent>
-    <mc:Choice Requires="p14">
-      <p:transition spd="slow" p14:dur="2000"/>
-    </mc:Choice>
-    <mc:Fallback>
-      <p:transition spd="slow"/>
-    </mc:Fallback>
-  </mc:AlternateContent>
+  <p:clrMapOvr>
+    <a:masterClrMapping/>
+  </p:clrMapOvr>
 </p:sld>
 </file>
 
 <file path=ppt/slides/slide2.xml><?xml version="1.0" encoding="utf-8"?>
-<p:sld xmlns:a="http://schemas.openxmlformats.org/drawingml/2006/main" xmlns:p="http://schemas.openxmlformats.org/presentationml/2006/main" xmlns:r="http://schemas.openxmlformats.org/officeDocument/2006/relationships" xmlns:p14="http://schemas.microsoft.com/office/powerpoint/2010/main" xmlns:p15="http://schemas.microsoft.com/office/powerpoint/2012/main" xmlns:mc="http://schemas.openxmlformats.org/markup-compatibility/2006">
+<p:sld xmlns:a="http://schemas.openxmlformats.org/drawingml/2006/main" xmlns:r="http://schemas.openxmlformats.org/officeDocument/2006/relationships" xmlns:p="http://schemas.openxmlformats.org/presentationml/2006/main">
   <p:cSld>
     <p:bg>
       <p:bgPr>
         <a:solidFill>
           <a:srgbClr val="323232"/>
         </a:solidFill>
+        <a:effectLst/>
       </p:bgPr>
     </p:bg>
     <p:spTree>
@@ -7216,6 +8067,7 @@
           <a:bodyPr anchor="ctr">
             <a:normAutofit/>
           </a:bodyPr>
+          <a:lstStyle/>
           <a:p>
             <a:pPr>
               <a:lnSpc>
@@ -7223,17 +8075,17 @@
               </a:lnSpc>
             </a:pPr>
             <a:r>
-              <a:rPr b="0" lang="en-US" sz="4000" spc="-1" strike="noStrike" cap="all">
+              <a:rPr lang="en-US" sz="4000" b="0" strike="noStrike" cap="all" spc="-1" dirty="0">
                 <a:solidFill>
-                  <a:srgbClr val="323232"/>
+                  <a:schemeClr val="bg1"/>
                 </a:solidFill>
                 <a:latin typeface="Corbel"/>
               </a:rPr>
               <a:t>members</a:t>
             </a:r>
-            <a:endParaRPr b="0" lang="en-US" sz="4000" spc="-1" strike="noStrike">
-              <a:solidFill>
-                <a:srgbClr val="ffffff"/>
+            <a:endParaRPr lang="en-US" sz="4000" b="0" strike="noStrike" spc="-1" dirty="0">
+              <a:solidFill>
+                <a:schemeClr val="bg1"/>
               </a:solidFill>
               <a:latin typeface="Corbel"/>
             </a:endParaRPr>
@@ -7242,7 +8094,7 @@
       </p:sp>
       <p:graphicFrame>
         <p:nvGraphicFramePr>
-          <p:cNvPr id="1" name="Diagram1"/>
+          <p:cNvPr id="2" name="Diagram1"/>
           <p:cNvGraphicFramePr/>
           <p:nvPr>
             <p:extLst>
@@ -7258,25 +8110,20 @@
         </p:xfrm>
         <a:graphic>
           <a:graphicData uri="http://schemas.openxmlformats.org/drawingml/2006/diagram">
-            <dgm:relIds xmlns:dgm="http://schemas.openxmlformats.org/drawingml/2006/diagram" xmlns:r="http://schemas.openxmlformats.org/officeDocument/2006/relationships" r:dm="rId1" r:lo="rId2" r:qs="rId3" r:cs="rId4"/>
+            <dgm:relIds xmlns:dgm="http://schemas.openxmlformats.org/drawingml/2006/diagram" xmlns:r="http://schemas.openxmlformats.org/officeDocument/2006/relationships" r:dm="rId2" r:lo="rId3" r:qs="rId4" r:cs="rId5"/>
           </a:graphicData>
         </a:graphic>
       </p:graphicFrame>
     </p:spTree>
   </p:cSld>
-  <mc:AlternateContent>
-    <mc:Choice Requires="p14">
-      <p:transition spd="slow" p14:dur="2000"/>
-    </mc:Choice>
-    <mc:Fallback>
-      <p:transition spd="slow"/>
-    </mc:Fallback>
-  </mc:AlternateContent>
+  <p:clrMapOvr>
+    <a:masterClrMapping/>
+  </p:clrMapOvr>
 </p:sld>
 </file>
 
 <file path=ppt/slides/slide3.xml><?xml version="1.0" encoding="utf-8"?>
-<p:sld xmlns:a="http://schemas.openxmlformats.org/drawingml/2006/main" xmlns:p="http://schemas.openxmlformats.org/presentationml/2006/main" xmlns:r="http://schemas.openxmlformats.org/officeDocument/2006/relationships" xmlns:p14="http://schemas.microsoft.com/office/powerpoint/2010/main" xmlns:p15="http://schemas.microsoft.com/office/powerpoint/2012/main" xmlns:mc="http://schemas.openxmlformats.org/markup-compatibility/2006">
+<p:sld xmlns:a="http://schemas.openxmlformats.org/drawingml/2006/main" xmlns:r="http://schemas.openxmlformats.org/officeDocument/2006/relationships" xmlns:p="http://schemas.openxmlformats.org/presentationml/2006/main">
   <p:cSld>
     <p:spTree>
       <p:nvGrpSpPr>
@@ -7315,6 +8162,7 @@
           <a:bodyPr anchor="ctr">
             <a:noAutofit/>
           </a:bodyPr>
+          <a:lstStyle/>
           <a:p>
             <a:pPr>
               <a:lnSpc>
@@ -7322,17 +8170,17 @@
               </a:lnSpc>
             </a:pPr>
             <a:r>
-              <a:rPr b="0" lang="en-US" sz="4000" spc="-1" strike="noStrike" cap="all">
+              <a:rPr lang="en-US" sz="4000" b="0" strike="noStrike" cap="all" spc="-1" dirty="0">
                 <a:solidFill>
-                  <a:srgbClr val="323232"/>
+                  <a:schemeClr val="bg1"/>
                 </a:solidFill>
                 <a:latin typeface="Corbel"/>
               </a:rPr>
               <a:t>Description</a:t>
             </a:r>
-            <a:endParaRPr b="0" lang="en-US" sz="4000" spc="-1" strike="noStrike">
-              <a:solidFill>
-                <a:srgbClr val="ffffff"/>
+            <a:endParaRPr lang="en-US" sz="4000" b="0" strike="noStrike" spc="-1" dirty="0">
+              <a:solidFill>
+                <a:schemeClr val="bg1"/>
               </a:solidFill>
               <a:latin typeface="Corbel"/>
             </a:endParaRPr>
@@ -7362,6 +8210,7 @@
           <a:bodyPr>
             <a:noAutofit/>
           </a:bodyPr>
+          <a:lstStyle/>
           <a:p>
             <a:pPr algn="just">
               <a:lnSpc>
@@ -7374,39 +8223,39 @@
                 <a:spcPts val="201"/>
               </a:spcAft>
               <a:tabLst>
-                <a:tab algn="l" pos="0"/>
+                <a:tab pos="0" algn="l"/>
               </a:tabLst>
             </a:pPr>
             <a:r>
-              <a:rPr b="0" lang="pt-PT" sz="2200" spc="-1" strike="noStrike">
+              <a:rPr lang="pt-PT" sz="2200" b="0" strike="noStrike" spc="-1" dirty="0">
                 <a:solidFill>
-                  <a:srgbClr val="ffffff"/>
+                  <a:srgbClr val="FFFFFF"/>
                 </a:solidFill>
                 <a:latin typeface="Corbel"/>
               </a:rPr>
               <a:t>Neste projeto pretendemos desenvolver uma aplicação de leilões online onde os dados serão guardados numa base de dados. A interação entre a base de dados e o utilizador será feita através de uma API desenvolvida em </a:t>
             </a:r>
             <a:r>
-              <a:rPr b="0" i="1" lang="pt-PT" sz="2200" spc="-1" strike="noStrike">
+              <a:rPr lang="pt-PT" sz="2200" b="0" i="1" strike="noStrike" spc="-1" dirty="0">
                 <a:solidFill>
-                  <a:srgbClr val="ffffff"/>
+                  <a:srgbClr val="FFFFFF"/>
                 </a:solidFill>
                 <a:latin typeface="Corbel"/>
               </a:rPr>
               <a:t>Python</a:t>
             </a:r>
             <a:r>
-              <a:rPr b="0" lang="pt-PT" sz="2200" spc="-1" strike="noStrike">
+              <a:rPr lang="pt-PT" sz="2200" b="0" strike="noStrike" spc="-1" dirty="0">
                 <a:solidFill>
-                  <a:srgbClr val="ffffff"/>
+                  <a:srgbClr val="FFFFFF"/>
                 </a:solidFill>
                 <a:latin typeface="Corbel"/>
               </a:rPr>
               <a:t>. Os utilizadores poderão criar leilões para vender artigos ou licitar noutros leilões em decurso, fazer perguntas ou comentários no mural do leilão, entre outras...</a:t>
             </a:r>
-            <a:endParaRPr b="0" lang="en-US" sz="2200" spc="-1" strike="noStrike">
-              <a:solidFill>
-                <a:srgbClr val="ffffff"/>
+            <a:endParaRPr lang="en-US" sz="2200" b="0" strike="noStrike" spc="-1" dirty="0">
+              <a:solidFill>
+                <a:srgbClr val="FFFFFF"/>
               </a:solidFill>
               <a:latin typeface="Corbel"/>
             </a:endParaRPr>
@@ -7415,19 +8264,14 @@
       </p:sp>
     </p:spTree>
   </p:cSld>
-  <mc:AlternateContent>
-    <mc:Choice Requires="p14">
-      <p:transition spd="slow" p14:dur="2000"/>
-    </mc:Choice>
-    <mc:Fallback>
-      <p:transition spd="slow"/>
-    </mc:Fallback>
-  </mc:AlternateContent>
+  <p:clrMapOvr>
+    <a:masterClrMapping/>
+  </p:clrMapOvr>
 </p:sld>
 </file>
 
 <file path=ppt/slides/slide4.xml><?xml version="1.0" encoding="utf-8"?>
-<p:sld xmlns:a="http://schemas.openxmlformats.org/drawingml/2006/main" xmlns:p="http://schemas.openxmlformats.org/presentationml/2006/main" xmlns:r="http://schemas.openxmlformats.org/officeDocument/2006/relationships" xmlns:p14="http://schemas.microsoft.com/office/powerpoint/2010/main" xmlns:p15="http://schemas.microsoft.com/office/powerpoint/2012/main" xmlns:mc="http://schemas.openxmlformats.org/markup-compatibility/2006">
+<p:sld xmlns:a="http://schemas.openxmlformats.org/drawingml/2006/main" xmlns:r="http://schemas.openxmlformats.org/officeDocument/2006/relationships" xmlns:p="http://schemas.openxmlformats.org/presentationml/2006/main">
   <p:cSld>
     <p:spTree>
       <p:nvGrpSpPr>
@@ -7466,6 +8310,7 @@
           <a:bodyPr anchor="ctr">
             <a:noAutofit/>
           </a:bodyPr>
+          <a:lstStyle/>
           <a:p>
             <a:pPr>
               <a:lnSpc>
@@ -7473,17 +8318,17 @@
               </a:lnSpc>
             </a:pPr>
             <a:r>
-              <a:rPr b="0" lang="pt-PT" sz="4000" spc="-1" strike="noStrike" cap="all">
+              <a:rPr lang="pt-PT" sz="4000" b="0" strike="noStrike" cap="all" spc="-1" dirty="0">
                 <a:solidFill>
-                  <a:srgbClr val="323232"/>
+                  <a:schemeClr val="bg1"/>
                 </a:solidFill>
                 <a:latin typeface="Corbel"/>
               </a:rPr>
               <a:t>User Operations</a:t>
             </a:r>
-            <a:endParaRPr b="0" lang="en-US" sz="4000" spc="-1" strike="noStrike">
-              <a:solidFill>
-                <a:srgbClr val="ffffff"/>
+            <a:endParaRPr lang="en-US" sz="4000" b="0" strike="noStrike" spc="-1" dirty="0">
+              <a:solidFill>
+                <a:schemeClr val="bg1"/>
               </a:solidFill>
               <a:latin typeface="Corbel"/>
             </a:endParaRPr>
@@ -7513,6 +8358,7 @@
           <a:bodyPr>
             <a:noAutofit/>
           </a:bodyPr>
+          <a:lstStyle/>
           <a:p>
             <a:pPr>
               <a:lnSpc>
@@ -7525,27 +8371,27 @@
                 <a:spcPts val="201"/>
               </a:spcAft>
               <a:tabLst>
-                <a:tab algn="l" pos="0"/>
+                <a:tab pos="0" algn="l"/>
               </a:tabLst>
             </a:pPr>
             <a:r>
-              <a:rPr b="0" lang="pt-PT" sz="2200" spc="-1" strike="noStrike">
+              <a:rPr lang="pt-PT" sz="2200" b="0" strike="noStrike" spc="-1" dirty="0">
                 <a:solidFill>
-                  <a:srgbClr val="ffffff"/>
+                  <a:srgbClr val="FFFFFF"/>
                 </a:solidFill>
                 <a:latin typeface="Corbel"/>
               </a:rPr>
               <a:t>As operações disponíveis para os utilizadores são:</a:t>
             </a:r>
-            <a:endParaRPr b="0" lang="en-US" sz="2200" spc="-1" strike="noStrike">
-              <a:solidFill>
-                <a:srgbClr val="ffffff"/>
-              </a:solidFill>
-              <a:latin typeface="Corbel"/>
-            </a:endParaRPr>
-          </a:p>
-          <a:p>
-            <a:pPr lvl="1" marL="411480" indent="-182520">
+            <a:endParaRPr lang="en-US" sz="2200" b="0" strike="noStrike" spc="-1" dirty="0">
+              <a:solidFill>
+                <a:srgbClr val="FFFFFF"/>
+              </a:solidFill>
+              <a:latin typeface="Corbel"/>
+            </a:endParaRPr>
+          </a:p>
+          <a:p>
+            <a:pPr marL="411480" lvl="1" indent="-182520">
               <a:lnSpc>
                 <a:spcPct val="90000"/>
               </a:lnSpc>
@@ -7556,32 +8402,32 @@
                 <a:spcPts val="400"/>
               </a:spcAft>
               <a:buClr>
-                <a:srgbClr val="ffffff"/>
+                <a:srgbClr val="FFFFFF"/>
               </a:buClr>
               <a:buFont typeface="Wingdings" charset="2"/>
               <a:buChar char=""/>
               <a:tabLst>
-                <a:tab algn="l" pos="0"/>
+                <a:tab pos="0" algn="l"/>
               </a:tabLst>
             </a:pPr>
             <a:r>
-              <a:rPr b="0" lang="pt-PT" sz="2000" spc="-1" strike="noStrike">
+              <a:rPr lang="pt-PT" sz="2000" b="0" strike="noStrike" spc="-1" dirty="0">
                 <a:solidFill>
-                  <a:srgbClr val="ffffff"/>
+                  <a:srgbClr val="FFFFFF"/>
                 </a:solidFill>
                 <a:latin typeface="Corbel"/>
               </a:rPr>
               <a:t>Registo e autenticação na base de dados;</a:t>
             </a:r>
-            <a:endParaRPr b="0" lang="en-US" sz="2000" spc="-1" strike="noStrike">
-              <a:solidFill>
-                <a:srgbClr val="ffffff"/>
-              </a:solidFill>
-              <a:latin typeface="Corbel"/>
-            </a:endParaRPr>
-          </a:p>
-          <a:p>
-            <a:pPr lvl="1" marL="411480" indent="-182520">
+            <a:endParaRPr lang="en-US" sz="2000" b="0" strike="noStrike" spc="-1" dirty="0">
+              <a:solidFill>
+                <a:srgbClr val="FFFFFF"/>
+              </a:solidFill>
+              <a:latin typeface="Corbel"/>
+            </a:endParaRPr>
+          </a:p>
+          <a:p>
+            <a:pPr marL="411480" lvl="1" indent="-182520">
               <a:lnSpc>
                 <a:spcPct val="90000"/>
               </a:lnSpc>
@@ -7592,32 +8438,32 @@
                 <a:spcPts val="400"/>
               </a:spcAft>
               <a:buClr>
-                <a:srgbClr val="ffffff"/>
+                <a:srgbClr val="FFFFFF"/>
               </a:buClr>
               <a:buFont typeface="Wingdings" charset="2"/>
               <a:buChar char=""/>
               <a:tabLst>
-                <a:tab algn="l" pos="0"/>
+                <a:tab pos="0" algn="l"/>
               </a:tabLst>
             </a:pPr>
             <a:r>
-              <a:rPr b="0" lang="pt-PT" sz="2000" spc="-1" strike="noStrike">
+              <a:rPr lang="pt-PT" sz="2000" b="0" strike="noStrike" spc="-1" dirty="0">
                 <a:solidFill>
-                  <a:srgbClr val="ffffff"/>
+                  <a:srgbClr val="FFFFFF"/>
                 </a:solidFill>
                 <a:latin typeface="Corbel"/>
               </a:rPr>
               <a:t>Criar leilão para a venda de um artigo;</a:t>
             </a:r>
-            <a:endParaRPr b="0" lang="en-US" sz="2000" spc="-1" strike="noStrike">
-              <a:solidFill>
-                <a:srgbClr val="ffffff"/>
-              </a:solidFill>
-              <a:latin typeface="Corbel"/>
-            </a:endParaRPr>
-          </a:p>
-          <a:p>
-            <a:pPr lvl="1" marL="411480" indent="-182520">
+            <a:endParaRPr lang="en-US" sz="2000" b="0" strike="noStrike" spc="-1" dirty="0">
+              <a:solidFill>
+                <a:srgbClr val="FFFFFF"/>
+              </a:solidFill>
+              <a:latin typeface="Corbel"/>
+            </a:endParaRPr>
+          </a:p>
+          <a:p>
+            <a:pPr marL="411480" lvl="1" indent="-182520">
               <a:lnSpc>
                 <a:spcPct val="90000"/>
               </a:lnSpc>
@@ -7628,32 +8474,32 @@
                 <a:spcPts val="400"/>
               </a:spcAft>
               <a:buClr>
-                <a:srgbClr val="ffffff"/>
+                <a:srgbClr val="FFFFFF"/>
               </a:buClr>
               <a:buFont typeface="Wingdings" charset="2"/>
               <a:buChar char=""/>
               <a:tabLst>
-                <a:tab algn="l" pos="0"/>
+                <a:tab pos="0" algn="l"/>
               </a:tabLst>
             </a:pPr>
             <a:r>
-              <a:rPr b="0" lang="pt-PT" sz="2000" spc="-1" strike="noStrike">
+              <a:rPr lang="pt-PT" sz="2000" b="0" strike="noStrike" spc="-1" dirty="0">
                 <a:solidFill>
-                  <a:srgbClr val="ffffff"/>
+                  <a:srgbClr val="FFFFFF"/>
                 </a:solidFill>
                 <a:latin typeface="Corbel"/>
               </a:rPr>
               <a:t>Aceder aos seus leilões;</a:t>
             </a:r>
-            <a:endParaRPr b="0" lang="en-US" sz="2000" spc="-1" strike="noStrike">
-              <a:solidFill>
-                <a:srgbClr val="ffffff"/>
-              </a:solidFill>
-              <a:latin typeface="Corbel"/>
-            </a:endParaRPr>
-          </a:p>
-          <a:p>
-            <a:pPr lvl="1" marL="411480" indent="-182520">
+            <a:endParaRPr lang="en-US" sz="2000" b="0" strike="noStrike" spc="-1" dirty="0">
+              <a:solidFill>
+                <a:srgbClr val="FFFFFF"/>
+              </a:solidFill>
+              <a:latin typeface="Corbel"/>
+            </a:endParaRPr>
+          </a:p>
+          <a:p>
+            <a:pPr marL="411480" lvl="1" indent="-182520">
               <a:lnSpc>
                 <a:spcPct val="90000"/>
               </a:lnSpc>
@@ -7664,32 +8510,32 @@
                 <a:spcPts val="400"/>
               </a:spcAft>
               <a:buClr>
-                <a:srgbClr val="ffffff"/>
+                <a:srgbClr val="FFFFFF"/>
               </a:buClr>
               <a:buFont typeface="Wingdings" charset="2"/>
               <a:buChar char=""/>
               <a:tabLst>
-                <a:tab algn="l" pos="0"/>
+                <a:tab pos="0" algn="l"/>
               </a:tabLst>
             </a:pPr>
             <a:r>
-              <a:rPr b="0" lang="pt-PT" sz="2000" spc="-1" strike="noStrike">
+              <a:rPr lang="pt-PT" sz="2000" b="0" strike="noStrike" spc="-1" dirty="0">
                 <a:solidFill>
-                  <a:srgbClr val="d2b191"/>
+                  <a:srgbClr val="D2B191"/>
                 </a:solidFill>
                 <a:latin typeface="Corbel"/>
               </a:rPr>
               <a:t>Pesquisar leilões de um artigo;</a:t>
             </a:r>
-            <a:endParaRPr b="0" lang="en-US" sz="2000" spc="-1" strike="noStrike">
-              <a:solidFill>
-                <a:srgbClr val="ffffff"/>
-              </a:solidFill>
-              <a:latin typeface="Corbel"/>
-            </a:endParaRPr>
-          </a:p>
-          <a:p>
-            <a:pPr lvl="1" marL="411480" indent="-182520">
+            <a:endParaRPr lang="en-US" sz="2000" b="0" strike="noStrike" spc="-1" dirty="0">
+              <a:solidFill>
+                <a:srgbClr val="FFFFFF"/>
+              </a:solidFill>
+              <a:latin typeface="Corbel"/>
+            </a:endParaRPr>
+          </a:p>
+          <a:p>
+            <a:pPr marL="411480" lvl="1" indent="-182520">
               <a:lnSpc>
                 <a:spcPct val="90000"/>
               </a:lnSpc>
@@ -7700,32 +8546,32 @@
                 <a:spcPts val="400"/>
               </a:spcAft>
               <a:buClr>
-                <a:srgbClr val="ffffff"/>
+                <a:srgbClr val="FFFFFF"/>
               </a:buClr>
               <a:buFont typeface="Wingdings" charset="2"/>
               <a:buChar char=""/>
               <a:tabLst>
-                <a:tab algn="l" pos="0"/>
+                <a:tab pos="0" algn="l"/>
               </a:tabLst>
             </a:pPr>
             <a:r>
-              <a:rPr b="0" lang="pt-PT" sz="2000" spc="-1" strike="noStrike">
+              <a:rPr lang="pt-PT" sz="2000" b="0" strike="noStrike" spc="-1" dirty="0">
                 <a:solidFill>
-                  <a:srgbClr val="d2b191"/>
+                  <a:srgbClr val="D2B191"/>
                 </a:solidFill>
                 <a:latin typeface="Corbel"/>
               </a:rPr>
               <a:t>Consultar detalhes de um leilão;</a:t>
             </a:r>
-            <a:endParaRPr b="0" lang="en-US" sz="2000" spc="-1" strike="noStrike">
-              <a:solidFill>
-                <a:srgbClr val="ffffff"/>
-              </a:solidFill>
-              <a:latin typeface="Corbel"/>
-            </a:endParaRPr>
-          </a:p>
-          <a:p>
-            <a:pPr lvl="1" marL="411480" indent="-182520">
+            <a:endParaRPr lang="en-US" sz="2000" b="0" strike="noStrike" spc="-1" dirty="0">
+              <a:solidFill>
+                <a:srgbClr val="FFFFFF"/>
+              </a:solidFill>
+              <a:latin typeface="Corbel"/>
+            </a:endParaRPr>
+          </a:p>
+          <a:p>
+            <a:pPr marL="411480" lvl="1" indent="-182520">
               <a:lnSpc>
                 <a:spcPct val="90000"/>
               </a:lnSpc>
@@ -7736,32 +8582,32 @@
                 <a:spcPts val="400"/>
               </a:spcAft>
               <a:buClr>
-                <a:srgbClr val="ffffff"/>
+                <a:srgbClr val="FFFFFF"/>
               </a:buClr>
               <a:buFont typeface="Wingdings" charset="2"/>
               <a:buChar char=""/>
               <a:tabLst>
-                <a:tab algn="l" pos="0"/>
+                <a:tab pos="0" algn="l"/>
               </a:tabLst>
             </a:pPr>
             <a:r>
-              <a:rPr b="0" lang="pt-PT" sz="2000" spc="-1" strike="noStrike">
+              <a:rPr lang="pt-PT" sz="2000" b="0" strike="noStrike" spc="-1" dirty="0">
                 <a:solidFill>
-                  <a:srgbClr val="ffffff"/>
+                  <a:srgbClr val="FFFFFF"/>
                 </a:solidFill>
                 <a:latin typeface="Corbel"/>
               </a:rPr>
               <a:t>Efetuar licitação num leilão;</a:t>
             </a:r>
-            <a:endParaRPr b="0" lang="en-US" sz="2000" spc="-1" strike="noStrike">
-              <a:solidFill>
-                <a:srgbClr val="ffffff"/>
-              </a:solidFill>
-              <a:latin typeface="Corbel"/>
-            </a:endParaRPr>
-          </a:p>
-          <a:p>
-            <a:pPr lvl="1" marL="411480" indent="-182520">
+            <a:endParaRPr lang="en-US" sz="2000" b="0" strike="noStrike" spc="-1" dirty="0">
+              <a:solidFill>
+                <a:srgbClr val="FFFFFF"/>
+              </a:solidFill>
+              <a:latin typeface="Corbel"/>
+            </a:endParaRPr>
+          </a:p>
+          <a:p>
+            <a:pPr marL="411480" lvl="1" indent="-182520">
               <a:lnSpc>
                 <a:spcPct val="90000"/>
               </a:lnSpc>
@@ -7772,32 +8618,32 @@
                 <a:spcPts val="400"/>
               </a:spcAft>
               <a:buClr>
-                <a:srgbClr val="ffffff"/>
+                <a:srgbClr val="FFFFFF"/>
               </a:buClr>
               <a:buFont typeface="Wingdings" charset="2"/>
               <a:buChar char=""/>
               <a:tabLst>
-                <a:tab algn="l" pos="0"/>
+                <a:tab pos="0" algn="l"/>
               </a:tabLst>
             </a:pPr>
             <a:r>
-              <a:rPr b="0" lang="pt-PT" sz="2000" spc="-1" strike="noStrike">
+              <a:rPr lang="pt-PT" sz="2000" b="0" strike="noStrike" spc="-1" dirty="0">
                 <a:solidFill>
-                  <a:srgbClr val="ffffff"/>
+                  <a:srgbClr val="FFFFFF"/>
                 </a:solidFill>
                 <a:latin typeface="Corbel"/>
               </a:rPr>
               <a:t>Visualizar todos os leilões em que participa;</a:t>
             </a:r>
-            <a:endParaRPr b="0" lang="en-US" sz="2000" spc="-1" strike="noStrike">
-              <a:solidFill>
-                <a:srgbClr val="ffffff"/>
-              </a:solidFill>
-              <a:latin typeface="Corbel"/>
-            </a:endParaRPr>
-          </a:p>
-          <a:p>
-            <a:pPr lvl="1" marL="411480" indent="-182520">
+            <a:endParaRPr lang="en-US" sz="2000" b="0" strike="noStrike" spc="-1" dirty="0">
+              <a:solidFill>
+                <a:srgbClr val="FFFFFF"/>
+              </a:solidFill>
+              <a:latin typeface="Corbel"/>
+            </a:endParaRPr>
+          </a:p>
+          <a:p>
+            <a:pPr marL="411480" lvl="1" indent="-182520">
               <a:lnSpc>
                 <a:spcPct val="90000"/>
               </a:lnSpc>
@@ -7808,32 +8654,32 @@
                 <a:spcPts val="400"/>
               </a:spcAft>
               <a:buClr>
-                <a:srgbClr val="ffffff"/>
+                <a:srgbClr val="FFFFFF"/>
               </a:buClr>
               <a:buFont typeface="Wingdings" charset="2"/>
               <a:buChar char=""/>
               <a:tabLst>
-                <a:tab algn="l" pos="0"/>
+                <a:tab pos="0" algn="l"/>
               </a:tabLst>
             </a:pPr>
             <a:r>
-              <a:rPr b="0" lang="pt-PT" sz="2000" spc="-1" strike="noStrike">
+              <a:rPr lang="pt-PT" sz="2000" b="0" strike="noStrike" spc="-1" dirty="0">
                 <a:solidFill>
-                  <a:srgbClr val="ffffff"/>
+                  <a:srgbClr val="FFFFFF"/>
                 </a:solidFill>
                 <a:latin typeface="Corbel"/>
               </a:rPr>
               <a:t>Editar leilão (vendedor apenas, histórico ficará guardado);</a:t>
             </a:r>
-            <a:endParaRPr b="0" lang="en-US" sz="2000" spc="-1" strike="noStrike">
-              <a:solidFill>
-                <a:srgbClr val="ffffff"/>
-              </a:solidFill>
-              <a:latin typeface="Corbel"/>
-            </a:endParaRPr>
-          </a:p>
-          <a:p>
-            <a:pPr lvl="1" marL="411480" indent="-182520">
+            <a:endParaRPr lang="en-US" sz="2000" b="0" strike="noStrike" spc="-1" dirty="0">
+              <a:solidFill>
+                <a:srgbClr val="FFFFFF"/>
+              </a:solidFill>
+              <a:latin typeface="Corbel"/>
+            </a:endParaRPr>
+          </a:p>
+          <a:p>
+            <a:pPr marL="411480" lvl="1" indent="-182520">
               <a:lnSpc>
                 <a:spcPct val="90000"/>
               </a:lnSpc>
@@ -7844,26 +8690,26 @@
                 <a:spcPts val="400"/>
               </a:spcAft>
               <a:buClr>
-                <a:srgbClr val="ffffff"/>
+                <a:srgbClr val="FFFFFF"/>
               </a:buClr>
               <a:buFont typeface="Wingdings" charset="2"/>
               <a:buChar char=""/>
               <a:tabLst>
-                <a:tab algn="l" pos="0"/>
+                <a:tab pos="0" algn="l"/>
               </a:tabLst>
             </a:pPr>
             <a:r>
-              <a:rPr b="0" lang="pt-PT" sz="2000" spc="-1" strike="noStrike">
+              <a:rPr lang="pt-PT" sz="2000" b="0" strike="noStrike" spc="-1" dirty="0">
                 <a:solidFill>
-                  <a:srgbClr val="ffffff"/>
+                  <a:srgbClr val="FFFFFF"/>
                 </a:solidFill>
                 <a:latin typeface="Corbel"/>
               </a:rPr>
               <a:t>Escrever mensagem num leilão.</a:t>
             </a:r>
-            <a:endParaRPr b="0" lang="en-US" sz="2000" spc="-1" strike="noStrike">
-              <a:solidFill>
-                <a:srgbClr val="ffffff"/>
+            <a:endParaRPr lang="en-US" sz="2000" b="0" strike="noStrike" spc="-1" dirty="0">
+              <a:solidFill>
+                <a:srgbClr val="FFFFFF"/>
               </a:solidFill>
               <a:latin typeface="Corbel"/>
             </a:endParaRPr>
@@ -7880,12 +8726,12 @@
                 <a:spcPts val="400"/>
               </a:spcAft>
               <a:tabLst>
-                <a:tab algn="l" pos="0"/>
+                <a:tab pos="0" algn="l"/>
               </a:tabLst>
             </a:pPr>
-            <a:endParaRPr b="0" lang="en-US" sz="2000" spc="-1" strike="noStrike">
-              <a:solidFill>
-                <a:srgbClr val="ffffff"/>
+            <a:endParaRPr lang="en-US" sz="2000" b="0" strike="noStrike" spc="-1" dirty="0">
+              <a:solidFill>
+                <a:srgbClr val="FFFFFF"/>
               </a:solidFill>
               <a:latin typeface="Corbel"/>
             </a:endParaRPr>
@@ -7902,12 +8748,12 @@
                 <a:spcPts val="400"/>
               </a:spcAft>
               <a:tabLst>
-                <a:tab algn="l" pos="0"/>
+                <a:tab pos="0" algn="l"/>
               </a:tabLst>
             </a:pPr>
-            <a:endParaRPr b="0" lang="en-US" sz="2000" spc="-1" strike="noStrike">
-              <a:solidFill>
-                <a:srgbClr val="ffffff"/>
+            <a:endParaRPr lang="en-US" sz="2000" b="0" strike="noStrike" spc="-1" dirty="0">
+              <a:solidFill>
+                <a:srgbClr val="FFFFFF"/>
               </a:solidFill>
               <a:latin typeface="Corbel"/>
             </a:endParaRPr>
@@ -7924,21 +8770,21 @@
                 <a:spcPts val="400"/>
               </a:spcAft>
               <a:tabLst>
-                <a:tab algn="l" pos="0"/>
+                <a:tab pos="0" algn="l"/>
               </a:tabLst>
             </a:pPr>
             <a:r>
-              <a:rPr b="0" lang="pt-PT" sz="1600" spc="-1" strike="noStrike">
+              <a:rPr lang="pt-PT" sz="1600" b="0" strike="noStrike" spc="-1" dirty="0">
                 <a:solidFill>
-                  <a:srgbClr val="d2b191"/>
+                  <a:srgbClr val="D2B191"/>
                 </a:solidFill>
                 <a:latin typeface="Corbel"/>
               </a:rPr>
               <a:t>Operação pode ser feita por um utilizador que não esteja registado.</a:t>
             </a:r>
-            <a:endParaRPr b="0" lang="en-US" sz="1600" spc="-1" strike="noStrike">
-              <a:solidFill>
-                <a:srgbClr val="ffffff"/>
+            <a:endParaRPr lang="en-US" sz="1600" b="0" strike="noStrike" spc="-1" dirty="0">
+              <a:solidFill>
+                <a:srgbClr val="FFFFFF"/>
               </a:solidFill>
               <a:latin typeface="Corbel"/>
             </a:endParaRPr>
@@ -7947,19 +8793,14 @@
       </p:sp>
     </p:spTree>
   </p:cSld>
-  <mc:AlternateContent>
-    <mc:Choice Requires="p14">
-      <p:transition spd="slow" p14:dur="2000"/>
-    </mc:Choice>
-    <mc:Fallback>
-      <p:transition spd="slow"/>
-    </mc:Fallback>
-  </mc:AlternateContent>
+  <p:clrMapOvr>
+    <a:masterClrMapping/>
+  </p:clrMapOvr>
 </p:sld>
 </file>
 
 <file path=ppt/slides/slide5.xml><?xml version="1.0" encoding="utf-8"?>
-<p:sld xmlns:a="http://schemas.openxmlformats.org/drawingml/2006/main" xmlns:p="http://schemas.openxmlformats.org/presentationml/2006/main" xmlns:r="http://schemas.openxmlformats.org/officeDocument/2006/relationships" xmlns:p14="http://schemas.microsoft.com/office/powerpoint/2010/main" xmlns:p15="http://schemas.microsoft.com/office/powerpoint/2012/main" xmlns:mc="http://schemas.openxmlformats.org/markup-compatibility/2006">
+<p:sld xmlns:a="http://schemas.openxmlformats.org/drawingml/2006/main" xmlns:r="http://schemas.openxmlformats.org/officeDocument/2006/relationships" xmlns:p="http://schemas.openxmlformats.org/presentationml/2006/main">
   <p:cSld>
     <p:spTree>
       <p:nvGrpSpPr>
@@ -7998,6 +8839,7 @@
           <a:bodyPr anchor="ctr">
             <a:noAutofit/>
           </a:bodyPr>
+          <a:lstStyle/>
           <a:p>
             <a:pPr>
               <a:lnSpc>
@@ -8005,17 +8847,17 @@
               </a:lnSpc>
             </a:pPr>
             <a:r>
-              <a:rPr b="0" lang="en-US" sz="4000" spc="-1" strike="noStrike" cap="all">
+              <a:rPr lang="en-US" sz="4000" b="0" strike="noStrike" cap="all" spc="-1" dirty="0">
                 <a:solidFill>
-                  <a:srgbClr val="323232"/>
+                  <a:schemeClr val="bg1"/>
                 </a:solidFill>
                 <a:latin typeface="Corbel"/>
               </a:rPr>
               <a:t>API Operations</a:t>
             </a:r>
-            <a:endParaRPr b="0" lang="en-US" sz="4000" spc="-1" strike="noStrike">
-              <a:solidFill>
-                <a:srgbClr val="ffffff"/>
+            <a:endParaRPr lang="en-US" sz="4000" b="0" strike="noStrike" spc="-1" dirty="0">
+              <a:solidFill>
+                <a:schemeClr val="bg1"/>
               </a:solidFill>
               <a:latin typeface="Corbel"/>
             </a:endParaRPr>
@@ -8045,6 +8887,7 @@
           <a:bodyPr>
             <a:noAutofit/>
           </a:bodyPr>
+          <a:lstStyle/>
           <a:p>
             <a:pPr>
               <a:lnSpc>
@@ -8057,27 +8900,21 @@
                 <a:spcPts val="201"/>
               </a:spcAft>
               <a:tabLst>
-                <a:tab algn="l" pos="0"/>
+                <a:tab pos="0" algn="l"/>
               </a:tabLst>
             </a:pPr>
             <a:r>
-              <a:rPr b="0" lang="en-US" sz="2200" spc="-1" strike="noStrike">
+              <a:rPr lang="en-US" sz="2200" b="0" strike="noStrike" spc="-1">
                 <a:solidFill>
-                  <a:srgbClr val="ffffff"/>
+                  <a:srgbClr val="FFFFFF"/>
                 </a:solidFill>
                 <a:latin typeface="Corbel"/>
               </a:rPr>
               <a:t>Operações da API:</a:t>
             </a:r>
-            <a:endParaRPr b="0" lang="en-US" sz="2200" spc="-1" strike="noStrike">
-              <a:solidFill>
-                <a:srgbClr val="ffffff"/>
-              </a:solidFill>
-              <a:latin typeface="Corbel"/>
-            </a:endParaRPr>
-          </a:p>
-          <a:p>
-            <a:pPr lvl="1" marL="411480" indent="-182520">
+          </a:p>
+          <a:p>
+            <a:pPr marL="411480" lvl="1" indent="-182520">
               <a:lnSpc>
                 <a:spcPct val="90000"/>
               </a:lnSpc>
@@ -8088,32 +8925,32 @@
                 <a:spcPts val="400"/>
               </a:spcAft>
               <a:buClr>
-                <a:srgbClr val="ffffff"/>
+                <a:srgbClr val="FFFFFF"/>
               </a:buClr>
               <a:buFont typeface="Wingdings" charset="2"/>
               <a:buChar char=""/>
               <a:tabLst>
-                <a:tab algn="l" pos="0"/>
+                <a:tab pos="0" algn="l"/>
               </a:tabLst>
             </a:pPr>
             <a:r>
-              <a:rPr b="0" lang="en-GB" sz="2000" spc="-1" strike="noStrike">
+              <a:rPr lang="en-GB" sz="2000" b="0" strike="noStrike" spc="-1">
                 <a:solidFill>
-                  <a:srgbClr val="ffffff"/>
+                  <a:srgbClr val="FFFFFF"/>
                 </a:solidFill>
                 <a:latin typeface="Corbel"/>
               </a:rPr>
               <a:t>Registar utilizadores</a:t>
             </a:r>
-            <a:endParaRPr b="0" lang="en-US" sz="2000" spc="-1" strike="noStrike">
-              <a:solidFill>
-                <a:srgbClr val="ffffff"/>
-              </a:solidFill>
-              <a:latin typeface="Corbel"/>
-            </a:endParaRPr>
-          </a:p>
-          <a:p>
-            <a:pPr lvl="1" marL="411480" indent="-182520">
+            <a:endParaRPr lang="en-US" sz="2000" b="0" strike="noStrike" spc="-1">
+              <a:solidFill>
+                <a:srgbClr val="FFFFFF"/>
+              </a:solidFill>
+              <a:latin typeface="Corbel"/>
+            </a:endParaRPr>
+          </a:p>
+          <a:p>
+            <a:pPr marL="411480" lvl="1" indent="-182520">
               <a:lnSpc>
                 <a:spcPct val="90000"/>
               </a:lnSpc>
@@ -8124,32 +8961,32 @@
                 <a:spcPts val="400"/>
               </a:spcAft>
               <a:buClr>
-                <a:srgbClr val="ffffff"/>
+                <a:srgbClr val="FFFFFF"/>
               </a:buClr>
               <a:buFont typeface="Wingdings" charset="2"/>
               <a:buChar char=""/>
               <a:tabLst>
-                <a:tab algn="l" pos="0"/>
+                <a:tab pos="0" algn="l"/>
               </a:tabLst>
             </a:pPr>
             <a:r>
-              <a:rPr b="0" lang="en-GB" sz="2000" spc="-1" strike="noStrike">
+              <a:rPr lang="en-GB" sz="2000" b="0" strike="noStrike" spc="-1">
                 <a:solidFill>
-                  <a:srgbClr val="ffffff"/>
+                  <a:srgbClr val="FFFFFF"/>
                 </a:solidFill>
                 <a:latin typeface="Corbel"/>
               </a:rPr>
               <a:t>Autenticar utilizadores</a:t>
             </a:r>
-            <a:endParaRPr b="0" lang="en-US" sz="2000" spc="-1" strike="noStrike">
-              <a:solidFill>
-                <a:srgbClr val="ffffff"/>
-              </a:solidFill>
-              <a:latin typeface="Corbel"/>
-            </a:endParaRPr>
-          </a:p>
-          <a:p>
-            <a:pPr lvl="1" marL="411480" indent="-182520">
+            <a:endParaRPr lang="en-US" sz="2000" b="0" strike="noStrike" spc="-1">
+              <a:solidFill>
+                <a:srgbClr val="FFFFFF"/>
+              </a:solidFill>
+              <a:latin typeface="Corbel"/>
+            </a:endParaRPr>
+          </a:p>
+          <a:p>
+            <a:pPr marL="411480" lvl="1" indent="-182520">
               <a:lnSpc>
                 <a:spcPct val="90000"/>
               </a:lnSpc>
@@ -8160,32 +8997,32 @@
                 <a:spcPts val="400"/>
               </a:spcAft>
               <a:buClr>
-                <a:srgbClr val="ffffff"/>
+                <a:srgbClr val="FFFFFF"/>
               </a:buClr>
               <a:buFont typeface="Wingdings" charset="2"/>
               <a:buChar char=""/>
               <a:tabLst>
-                <a:tab algn="l" pos="0"/>
+                <a:tab pos="0" algn="l"/>
               </a:tabLst>
             </a:pPr>
             <a:r>
-              <a:rPr b="0" lang="en-GB" sz="2000" spc="-1" strike="noStrike">
+              <a:rPr lang="en-GB" sz="2000" b="0" strike="noStrike" spc="-1">
                 <a:solidFill>
-                  <a:srgbClr val="ffffff"/>
+                  <a:srgbClr val="FFFFFF"/>
                 </a:solidFill>
                 <a:latin typeface="Corbel"/>
               </a:rPr>
               <a:t>Listar todos os leilões</a:t>
             </a:r>
-            <a:endParaRPr b="0" lang="en-US" sz="2000" spc="-1" strike="noStrike">
-              <a:solidFill>
-                <a:srgbClr val="ffffff"/>
-              </a:solidFill>
-              <a:latin typeface="Corbel"/>
-            </a:endParaRPr>
-          </a:p>
-          <a:p>
-            <a:pPr lvl="1" marL="411480" indent="-182520">
+            <a:endParaRPr lang="en-US" sz="2000" b="0" strike="noStrike" spc="-1">
+              <a:solidFill>
+                <a:srgbClr val="FFFFFF"/>
+              </a:solidFill>
+              <a:latin typeface="Corbel"/>
+            </a:endParaRPr>
+          </a:p>
+          <a:p>
+            <a:pPr marL="411480" lvl="1" indent="-182520">
               <a:lnSpc>
                 <a:spcPct val="90000"/>
               </a:lnSpc>
@@ -8196,32 +9033,32 @@
                 <a:spcPts val="400"/>
               </a:spcAft>
               <a:buClr>
-                <a:srgbClr val="ffffff"/>
+                <a:srgbClr val="FFFFFF"/>
               </a:buClr>
               <a:buFont typeface="Wingdings" charset="2"/>
               <a:buChar char=""/>
               <a:tabLst>
-                <a:tab algn="l" pos="0"/>
+                <a:tab pos="0" algn="l"/>
               </a:tabLst>
             </a:pPr>
             <a:r>
-              <a:rPr b="0" lang="en-GB" sz="2000" spc="-1" strike="noStrike">
+              <a:rPr lang="en-GB" sz="2000" b="0" strike="noStrike" spc="-1">
                 <a:solidFill>
-                  <a:srgbClr val="ffffff"/>
+                  <a:srgbClr val="FFFFFF"/>
                 </a:solidFill>
                 <a:latin typeface="Corbel"/>
               </a:rPr>
               <a:t>Pesquisar leilões existentes</a:t>
             </a:r>
-            <a:endParaRPr b="0" lang="en-US" sz="2000" spc="-1" strike="noStrike">
-              <a:solidFill>
-                <a:srgbClr val="ffffff"/>
-              </a:solidFill>
-              <a:latin typeface="Corbel"/>
-            </a:endParaRPr>
-          </a:p>
-          <a:p>
-            <a:pPr lvl="1" marL="411480" indent="-182520">
+            <a:endParaRPr lang="en-US" sz="2000" b="0" strike="noStrike" spc="-1">
+              <a:solidFill>
+                <a:srgbClr val="FFFFFF"/>
+              </a:solidFill>
+              <a:latin typeface="Corbel"/>
+            </a:endParaRPr>
+          </a:p>
+          <a:p>
+            <a:pPr marL="411480" lvl="1" indent="-182520">
               <a:lnSpc>
                 <a:spcPct val="90000"/>
               </a:lnSpc>
@@ -8232,32 +9069,32 @@
                 <a:spcPts val="400"/>
               </a:spcAft>
               <a:buClr>
-                <a:srgbClr val="ffffff"/>
+                <a:srgbClr val="FFFFFF"/>
               </a:buClr>
               <a:buFont typeface="Wingdings" charset="2"/>
               <a:buChar char=""/>
               <a:tabLst>
-                <a:tab algn="l" pos="0"/>
+                <a:tab pos="0" algn="l"/>
               </a:tabLst>
             </a:pPr>
             <a:r>
-              <a:rPr b="0" lang="en-GB" sz="2000" spc="-1" strike="noStrike">
+              <a:rPr lang="en-GB" sz="2000" b="0" strike="noStrike" spc="-1">
                 <a:solidFill>
-                  <a:srgbClr val="ffffff"/>
+                  <a:srgbClr val="FFFFFF"/>
                 </a:solidFill>
                 <a:latin typeface="Corbel"/>
               </a:rPr>
               <a:t>Consultar detalhes de um leilão</a:t>
             </a:r>
-            <a:endParaRPr b="0" lang="en-US" sz="2000" spc="-1" strike="noStrike">
-              <a:solidFill>
-                <a:srgbClr val="ffffff"/>
-              </a:solidFill>
-              <a:latin typeface="Corbel"/>
-            </a:endParaRPr>
-          </a:p>
-          <a:p>
-            <a:pPr lvl="1" marL="411480" indent="-182520">
+            <a:endParaRPr lang="en-US" sz="2000" b="0" strike="noStrike" spc="-1">
+              <a:solidFill>
+                <a:srgbClr val="FFFFFF"/>
+              </a:solidFill>
+              <a:latin typeface="Corbel"/>
+            </a:endParaRPr>
+          </a:p>
+          <a:p>
+            <a:pPr marL="411480" lvl="1" indent="-182520">
               <a:lnSpc>
                 <a:spcPct val="90000"/>
               </a:lnSpc>
@@ -8268,42 +9105,42 @@
                 <a:spcPts val="400"/>
               </a:spcAft>
               <a:buClr>
-                <a:srgbClr val="ffffff"/>
+                <a:srgbClr val="FFFFFF"/>
               </a:buClr>
               <a:buFont typeface="Wingdings" charset="2"/>
               <a:buChar char=""/>
               <a:tabLst>
-                <a:tab algn="l" pos="0"/>
+                <a:tab pos="0" algn="l"/>
               </a:tabLst>
             </a:pPr>
             <a:r>
-              <a:rPr b="0" lang="en-GB" sz="2000" spc="-1" strike="noStrike">
+              <a:rPr lang="en-GB" sz="2000" b="0" strike="noStrike" spc="-1">
                 <a:solidFill>
-                  <a:srgbClr val="ffffff"/>
+                  <a:srgbClr val="FFFFFF"/>
                 </a:solidFill>
                 <a:latin typeface="Corbel"/>
               </a:rPr>
               <a:t>Notificação dos utilizadores que participam num leilão</a:t>
             </a:r>
-            <a:endParaRPr b="0" lang="en-US" sz="2000" spc="-1" strike="noStrike">
-              <a:solidFill>
-                <a:srgbClr val="ffffff"/>
-              </a:solidFill>
-              <a:latin typeface="Corbel"/>
-            </a:endParaRPr>
-          </a:p>
-          <a:p>
-            <a:endParaRPr b="0" lang="en-US" sz="2000" spc="-1" strike="noStrike">
-              <a:solidFill>
-                <a:srgbClr val="ffffff"/>
-              </a:solidFill>
-              <a:latin typeface="Corbel"/>
-            </a:endParaRPr>
-          </a:p>
-          <a:p>
-            <a:endParaRPr b="0" lang="en-US" sz="2000" spc="-1" strike="noStrike">
-              <a:solidFill>
-                <a:srgbClr val="ffffff"/>
+            <a:endParaRPr lang="en-US" sz="2000" b="0" strike="noStrike" spc="-1">
+              <a:solidFill>
+                <a:srgbClr val="FFFFFF"/>
+              </a:solidFill>
+              <a:latin typeface="Corbel"/>
+            </a:endParaRPr>
+          </a:p>
+          <a:p>
+            <a:endParaRPr lang="en-US" sz="2000" b="0" strike="noStrike" spc="-1">
+              <a:solidFill>
+                <a:srgbClr val="FFFFFF"/>
+              </a:solidFill>
+              <a:latin typeface="Corbel"/>
+            </a:endParaRPr>
+          </a:p>
+          <a:p>
+            <a:endParaRPr lang="en-US" sz="2000" b="0" strike="noStrike" spc="-1">
+              <a:solidFill>
+                <a:srgbClr val="FFFFFF"/>
               </a:solidFill>
               <a:latin typeface="Corbel"/>
             </a:endParaRPr>
@@ -8320,12 +9157,12 @@
                 <a:spcPts val="400"/>
               </a:spcAft>
               <a:tabLst>
-                <a:tab algn="l" pos="0"/>
+                <a:tab pos="0" algn="l"/>
               </a:tabLst>
             </a:pPr>
-            <a:endParaRPr b="0" lang="en-US" sz="2000" spc="-1" strike="noStrike">
-              <a:solidFill>
-                <a:srgbClr val="ffffff"/>
+            <a:endParaRPr lang="en-US" sz="2000" b="0" strike="noStrike" spc="-1">
+              <a:solidFill>
+                <a:srgbClr val="FFFFFF"/>
               </a:solidFill>
               <a:latin typeface="Corbel"/>
             </a:endParaRPr>
@@ -8334,19 +9171,14 @@
       </p:sp>
     </p:spTree>
   </p:cSld>
-  <mc:AlternateContent>
-    <mc:Choice Requires="p14">
-      <p:transition spd="slow" p14:dur="2000"/>
-    </mc:Choice>
-    <mc:Fallback>
-      <p:transition spd="slow"/>
-    </mc:Fallback>
-  </mc:AlternateContent>
+  <p:clrMapOvr>
+    <a:masterClrMapping/>
+  </p:clrMapOvr>
 </p:sld>
 </file>
 
 <file path=ppt/slides/slide6.xml><?xml version="1.0" encoding="utf-8"?>
-<p:sld xmlns:a="http://schemas.openxmlformats.org/drawingml/2006/main" xmlns:p="http://schemas.openxmlformats.org/presentationml/2006/main" xmlns:r="http://schemas.openxmlformats.org/officeDocument/2006/relationships" xmlns:p14="http://schemas.microsoft.com/office/powerpoint/2010/main" xmlns:p15="http://schemas.microsoft.com/office/powerpoint/2012/main" xmlns:mc="http://schemas.openxmlformats.org/markup-compatibility/2006">
+<p:sld xmlns:a="http://schemas.openxmlformats.org/drawingml/2006/main" xmlns:r="http://schemas.openxmlformats.org/officeDocument/2006/relationships" xmlns:p="http://schemas.openxmlformats.org/presentationml/2006/main">
   <p:cSld>
     <p:spTree>
       <p:nvGrpSpPr>
@@ -8385,6 +9217,7 @@
           <a:bodyPr anchor="ctr">
             <a:noAutofit/>
           </a:bodyPr>
+          <a:lstStyle/>
           <a:p>
             <a:pPr>
               <a:lnSpc>
@@ -8392,17 +9225,17 @@
               </a:lnSpc>
             </a:pPr>
             <a:r>
-              <a:rPr b="0" lang="pt-PT" sz="4000" spc="-1" strike="noStrike" cap="all">
+              <a:rPr lang="pt-PT" sz="4000" b="0" strike="noStrike" cap="all" spc="-1" dirty="0">
                 <a:solidFill>
-                  <a:srgbClr val="323232"/>
+                  <a:schemeClr val="bg1"/>
                 </a:solidFill>
                 <a:latin typeface="Corbel"/>
               </a:rPr>
               <a:t>Conflicts</a:t>
             </a:r>
-            <a:endParaRPr b="0" lang="en-US" sz="4000" spc="-1" strike="noStrike">
-              <a:solidFill>
-                <a:srgbClr val="ffffff"/>
+            <a:endParaRPr lang="en-US" sz="4000" b="0" strike="noStrike" spc="-1" dirty="0">
+              <a:solidFill>
+                <a:schemeClr val="bg1"/>
               </a:solidFill>
               <a:latin typeface="Corbel"/>
             </a:endParaRPr>
@@ -8432,6 +9265,7 @@
           <a:bodyPr>
             <a:noAutofit/>
           </a:bodyPr>
+          <a:lstStyle/>
           <a:p>
             <a:pPr>
               <a:lnSpc>
@@ -8444,27 +9278,27 @@
                 <a:spcPts val="201"/>
               </a:spcAft>
               <a:tabLst>
-                <a:tab algn="l" pos="0"/>
+                <a:tab pos="0" algn="l"/>
               </a:tabLst>
             </a:pPr>
             <a:r>
-              <a:rPr b="0" lang="pt-PT" sz="2200" spc="-1" strike="noStrike">
+              <a:rPr lang="pt-PT" sz="2200" b="0" strike="noStrike" spc="-1" dirty="0">
                 <a:solidFill>
-                  <a:srgbClr val="ffffff"/>
+                  <a:srgbClr val="FFFFFF"/>
                 </a:solidFill>
                 <a:latin typeface="Corbel"/>
               </a:rPr>
-              <a:t>Posseiveis conflitos:</a:t>
+              <a:t>Possíveis conflitos:</a:t>
             </a:r>
-            <a:endParaRPr b="0" lang="en-US" sz="2200" spc="-1" strike="noStrike">
-              <a:solidFill>
-                <a:srgbClr val="ffffff"/>
-              </a:solidFill>
-              <a:latin typeface="Corbel"/>
-            </a:endParaRPr>
-          </a:p>
-          <a:p>
-            <a:pPr lvl="1" marL="411480" indent="-182520">
+            <a:endParaRPr lang="en-US" sz="2200" b="0" strike="noStrike" spc="-1" dirty="0">
+              <a:solidFill>
+                <a:srgbClr val="FFFFFF"/>
+              </a:solidFill>
+              <a:latin typeface="Corbel"/>
+            </a:endParaRPr>
+          </a:p>
+          <a:p>
+            <a:pPr marL="411480" lvl="1" indent="-182520">
               <a:lnSpc>
                 <a:spcPct val="90000"/>
               </a:lnSpc>
@@ -8475,32 +9309,26 @@
                 <a:spcPts val="400"/>
               </a:spcAft>
               <a:buClr>
-                <a:srgbClr val="ffffff"/>
+                <a:srgbClr val="FFFFFF"/>
               </a:buClr>
               <a:buFont typeface="Wingdings" charset="2"/>
               <a:buChar char=""/>
               <a:tabLst>
-                <a:tab algn="l" pos="0"/>
+                <a:tab pos="0" algn="l"/>
               </a:tabLst>
             </a:pPr>
             <a:r>
-              <a:rPr b="0" lang="pt-PT" sz="2000" spc="-1" strike="noStrike">
+              <a:rPr lang="pt-PT" sz="2000" b="0" strike="noStrike" spc="-1" dirty="0">
                 <a:solidFill>
-                  <a:srgbClr val="ffffff"/>
+                  <a:srgbClr val="FFFFFF"/>
                 </a:solidFill>
                 <a:latin typeface="Corbel"/>
               </a:rPr>
               <a:t>Vários utilizadores licitarem o mesmo.</a:t>
             </a:r>
-            <a:endParaRPr b="0" lang="en-US" sz="2000" spc="-1" strike="noStrike">
-              <a:solidFill>
-                <a:srgbClr val="ffffff"/>
-              </a:solidFill>
-              <a:latin typeface="Corbel"/>
-            </a:endParaRPr>
-          </a:p>
-          <a:p>
-            <a:pPr lvl="1" marL="411480" indent="-182520">
+          </a:p>
+          <a:p>
+            <a:pPr marL="228960" lvl="1">
               <a:lnSpc>
                 <a:spcPct val="90000"/>
               </a:lnSpc>
@@ -8511,43 +9339,15 @@
                 <a:spcPts val="400"/>
               </a:spcAft>
               <a:buClr>
-                <a:srgbClr val="ffffff"/>
+                <a:srgbClr val="FFFFFF"/>
               </a:buClr>
-              <a:buFont typeface="Wingdings" charset="2"/>
-              <a:buChar char=""/>
               <a:tabLst>
-                <a:tab algn="l" pos="0"/>
+                <a:tab pos="0" algn="l"/>
               </a:tabLst>
             </a:pPr>
-            <a:r>
-              <a:rPr b="0" lang="pt-PT" sz="2000" spc="-1" strike="noStrike">
-                <a:solidFill>
-                  <a:srgbClr val="ffffff"/>
-                </a:solidFill>
-                <a:latin typeface="Corbel"/>
-              </a:rPr>
-              <a:t>Criação de utilizadores com o mesmo </a:t>
-            </a:r>
-            <a:r>
-              <a:rPr b="0" i="1" lang="pt-PT" sz="2000" spc="-1" strike="noStrike">
-                <a:solidFill>
-                  <a:srgbClr val="ffffff"/>
-                </a:solidFill>
-                <a:latin typeface="Corbel"/>
-              </a:rPr>
-              <a:t>username.</a:t>
-            </a:r>
-            <a:endParaRPr b="0" lang="en-US" sz="2000" spc="-1" strike="noStrike">
-              <a:solidFill>
-                <a:srgbClr val="ffffff"/>
-              </a:solidFill>
-              <a:latin typeface="Corbel"/>
-            </a:endParaRPr>
-          </a:p>
-          <a:p>
-            <a:endParaRPr b="0" lang="en-US" sz="2000" spc="-1" strike="noStrike">
-              <a:solidFill>
-                <a:srgbClr val="ffffff"/>
+            <a:endParaRPr lang="en-US" sz="2000" b="0" strike="noStrike" spc="-1" dirty="0">
+              <a:solidFill>
+                <a:srgbClr val="FFFFFF"/>
               </a:solidFill>
               <a:latin typeface="Corbel"/>
             </a:endParaRPr>
@@ -8564,27 +9364,27 @@
                 <a:spcPts val="201"/>
               </a:spcAft>
               <a:tabLst>
-                <a:tab algn="l" pos="0"/>
+                <a:tab pos="0" algn="l"/>
               </a:tabLst>
             </a:pPr>
             <a:r>
-              <a:rPr b="0" lang="pt-PT" sz="2200" spc="-1" strike="noStrike">
+              <a:rPr lang="pt-PT" sz="2200" b="0" strike="noStrike" spc="-1" dirty="0">
                 <a:solidFill>
-                  <a:srgbClr val="ffffff"/>
+                  <a:srgbClr val="FFFFFF"/>
                 </a:solidFill>
                 <a:latin typeface="Corbel"/>
               </a:rPr>
               <a:t>Para resolver estes conflitos será necessário começar uma transação sempre que:</a:t>
             </a:r>
-            <a:endParaRPr b="0" lang="en-US" sz="2200" spc="-1" strike="noStrike">
-              <a:solidFill>
-                <a:srgbClr val="ffffff"/>
-              </a:solidFill>
-              <a:latin typeface="Corbel"/>
-            </a:endParaRPr>
-          </a:p>
-          <a:p>
-            <a:pPr lvl="1" marL="411480" indent="-182520">
+            <a:endParaRPr lang="en-US" sz="2200" b="0" strike="noStrike" spc="-1" dirty="0">
+              <a:solidFill>
+                <a:srgbClr val="FFFFFF"/>
+              </a:solidFill>
+              <a:latin typeface="Corbel"/>
+            </a:endParaRPr>
+          </a:p>
+          <a:p>
+            <a:pPr marL="411480" lvl="1" indent="-182520">
               <a:lnSpc>
                 <a:spcPct val="90000"/>
               </a:lnSpc>
@@ -8595,95 +9395,50 @@
                 <a:spcPts val="400"/>
               </a:spcAft>
               <a:buClr>
-                <a:srgbClr val="ffffff"/>
+                <a:srgbClr val="FFFFFF"/>
               </a:buClr>
               <a:buFont typeface="Wingdings" charset="2"/>
               <a:buChar char=""/>
               <a:tabLst>
-                <a:tab algn="l" pos="0"/>
+                <a:tab pos="0" algn="l"/>
               </a:tabLst>
             </a:pPr>
             <a:r>
-              <a:rPr b="0" lang="pt-PT" sz="2000" spc="-1" strike="noStrike">
+              <a:rPr lang="pt-PT" sz="2000" b="0" strike="noStrike" spc="-1" dirty="0">
                 <a:solidFill>
-                  <a:srgbClr val="ffffff"/>
+                  <a:srgbClr val="FFFFFF"/>
                 </a:solidFill>
                 <a:latin typeface="Corbel"/>
               </a:rPr>
-              <a:t> </a:t>
+              <a:t> Um utilizador pretenda licitar num determinado leilão.</a:t>
             </a:r>
-            <a:r>
-              <a:rPr b="0" lang="pt-PT" sz="2000" spc="-1" strike="noStrike">
-                <a:solidFill>
-                  <a:srgbClr val="ffffff"/>
-                </a:solidFill>
-                <a:latin typeface="Corbel"/>
-              </a:rPr>
-              <a:t>Um utilizador pretenda licitar num determinado leilão.</a:t>
-            </a:r>
-            <a:endParaRPr b="0" lang="en-US" sz="2000" spc="-1" strike="noStrike">
-              <a:solidFill>
-                <a:srgbClr val="ffffff"/>
-              </a:solidFill>
-              <a:latin typeface="Corbel"/>
-            </a:endParaRPr>
-          </a:p>
-          <a:p>
-            <a:pPr lvl="1" marL="411480" indent="-182520">
-              <a:lnSpc>
-                <a:spcPct val="90000"/>
-              </a:lnSpc>
-              <a:spcBef>
-                <a:spcPts val="201"/>
-              </a:spcBef>
-              <a:spcAft>
-                <a:spcPts val="400"/>
-              </a:spcAft>
-              <a:buClr>
-                <a:srgbClr val="ffffff"/>
-              </a:buClr>
-              <a:buFont typeface="Wingdings" charset="2"/>
-              <a:buChar char=""/>
-              <a:tabLst>
-                <a:tab algn="l" pos="0"/>
-              </a:tabLst>
-            </a:pPr>
-            <a:r>
-              <a:rPr b="0" lang="pt-PT" sz="2000" spc="-1" strike="noStrike">
-                <a:solidFill>
-                  <a:srgbClr val="ffffff"/>
-                </a:solidFill>
-                <a:latin typeface="Corbel"/>
-              </a:rPr>
-              <a:t>Um utlizador pretenda criar um novo registo na base de dados.</a:t>
-            </a:r>
-            <a:endParaRPr b="0" lang="en-US" sz="2000" spc="-1" strike="noStrike">
-              <a:solidFill>
-                <a:srgbClr val="ffffff"/>
-              </a:solidFill>
-              <a:latin typeface="Corbel"/>
-            </a:endParaRPr>
-          </a:p>
-          <a:p>
-            <a:endParaRPr b="0" lang="en-US" sz="2000" spc="-1" strike="noStrike">
-              <a:solidFill>
-                <a:srgbClr val="ffffff"/>
-              </a:solidFill>
-              <a:latin typeface="Corbel"/>
-            </a:endParaRPr>
-          </a:p>
-          <a:p>
-            <a:endParaRPr b="0" lang="en-US" sz="2000" spc="-1" strike="noStrike">
-              <a:solidFill>
-                <a:srgbClr val="ffffff"/>
-              </a:solidFill>
-              <a:latin typeface="Corbel"/>
-            </a:endParaRPr>
-          </a:p>
-          <a:p>
-            <a:endParaRPr b="0" lang="en-US" sz="2000" spc="-1" strike="noStrike">
-              <a:solidFill>
-                <a:srgbClr val="ffffff"/>
+            <a:endParaRPr lang="en-US" sz="2000" b="0" strike="noStrike" spc="-1" dirty="0">
+              <a:solidFill>
+                <a:srgbClr val="FFFFFF"/>
+              </a:solidFill>
+              <a:latin typeface="Corbel"/>
+            </a:endParaRPr>
+          </a:p>
+          <a:p>
+            <a:endParaRPr lang="en-US" sz="2000" b="0" strike="noStrike" spc="-1" dirty="0">
+              <a:solidFill>
+                <a:srgbClr val="FFFFFF"/>
+              </a:solidFill>
+              <a:latin typeface="Corbel"/>
+            </a:endParaRPr>
+          </a:p>
+          <a:p>
+            <a:endParaRPr lang="en-US" sz="2000" b="0" strike="noStrike" spc="-1" dirty="0">
+              <a:solidFill>
+                <a:srgbClr val="FFFFFF"/>
+              </a:solidFill>
+              <a:latin typeface="Corbel"/>
+            </a:endParaRPr>
+          </a:p>
+          <a:p>
+            <a:endParaRPr lang="en-US" sz="2000" b="0" strike="noStrike" spc="-1" dirty="0">
+              <a:solidFill>
+                <a:srgbClr val="FFFFFF"/>
               </a:solidFill>
               <a:latin typeface="Corbel"/>
             </a:endParaRPr>
@@ -8692,19 +9447,14 @@
       </p:sp>
     </p:spTree>
   </p:cSld>
-  <mc:AlternateContent>
-    <mc:Choice Requires="p14">
-      <p:transition spd="slow" p14:dur="2000"/>
-    </mc:Choice>
-    <mc:Fallback>
-      <p:transition spd="slow"/>
-    </mc:Fallback>
-  </mc:AlternateContent>
+  <p:clrMapOvr>
+    <a:masterClrMapping/>
+  </p:clrMapOvr>
 </p:sld>
 </file>
 
 <file path=ppt/slides/slide7.xml><?xml version="1.0" encoding="utf-8"?>
-<p:sld xmlns:a="http://schemas.openxmlformats.org/drawingml/2006/main" xmlns:p="http://schemas.openxmlformats.org/presentationml/2006/main" xmlns:r="http://schemas.openxmlformats.org/officeDocument/2006/relationships" xmlns:p14="http://schemas.microsoft.com/office/powerpoint/2010/main" xmlns:p15="http://schemas.microsoft.com/office/powerpoint/2012/main" xmlns:mc="http://schemas.openxmlformats.org/markup-compatibility/2006">
+<p:sld xmlns:a="http://schemas.openxmlformats.org/drawingml/2006/main" xmlns:r="http://schemas.openxmlformats.org/officeDocument/2006/relationships" xmlns:p="http://schemas.openxmlformats.org/presentationml/2006/main">
   <p:cSld>
     <p:spTree>
       <p:nvGrpSpPr>
@@ -8743,6 +9493,7 @@
           <a:bodyPr anchor="ctr">
             <a:noAutofit/>
           </a:bodyPr>
+          <a:lstStyle/>
           <a:p>
             <a:pPr>
               <a:lnSpc>
@@ -8750,17 +9501,17 @@
               </a:lnSpc>
             </a:pPr>
             <a:r>
-              <a:rPr b="0" lang="en-GB" sz="4000" spc="-1" strike="noStrike" cap="all">
+              <a:rPr lang="en-GB" sz="4000" b="0" strike="noStrike" cap="all" spc="-1" dirty="0">
                 <a:solidFill>
-                  <a:srgbClr val="323232"/>
+                  <a:schemeClr val="bg1"/>
                 </a:solidFill>
                 <a:latin typeface="Corbel"/>
               </a:rPr>
               <a:t>Core technologies</a:t>
             </a:r>
-            <a:endParaRPr b="0" lang="en-US" sz="4000" spc="-1" strike="noStrike">
-              <a:solidFill>
-                <a:srgbClr val="ffffff"/>
+            <a:endParaRPr lang="en-US" sz="4000" b="0" strike="noStrike" spc="-1" dirty="0">
+              <a:solidFill>
+                <a:schemeClr val="bg1"/>
               </a:solidFill>
               <a:latin typeface="Corbel"/>
             </a:endParaRPr>
@@ -8790,6 +9541,7 @@
           <a:bodyPr>
             <a:noAutofit/>
           </a:bodyPr>
+          <a:lstStyle/>
           <a:p>
             <a:pPr marL="182880" indent="-182520" algn="just">
               <a:lnSpc>
@@ -8802,77 +9554,77 @@
                 <a:spcPts val="201"/>
               </a:spcAft>
               <a:buClr>
-                <a:srgbClr val="ffffff"/>
+                <a:srgbClr val="FFFFFF"/>
               </a:buClr>
               <a:buFont typeface="Wingdings" charset="2"/>
               <a:buChar char=""/>
             </a:pPr>
             <a:r>
-              <a:rPr b="0" lang="pt-PT" sz="2200" spc="-1" strike="noStrike">
+              <a:rPr lang="pt-PT" sz="2200" b="0" strike="noStrike" spc="-1">
                 <a:solidFill>
-                  <a:srgbClr val="ffffff"/>
+                  <a:srgbClr val="FFFFFF"/>
                 </a:solidFill>
                 <a:latin typeface="Corbel"/>
               </a:rPr>
               <a:t>A API será desenvolvida em </a:t>
             </a:r>
             <a:r>
-              <a:rPr b="0" i="1" lang="pt-PT" sz="2200" spc="-1" strike="noStrike">
+              <a:rPr lang="pt-PT" sz="2200" b="0" i="1" strike="noStrike" spc="-1">
                 <a:solidFill>
-                  <a:srgbClr val="ffffff"/>
+                  <a:srgbClr val="FFFFFF"/>
                 </a:solidFill>
                 <a:latin typeface="Corbel"/>
               </a:rPr>
               <a:t>Python</a:t>
             </a:r>
             <a:r>
-              <a:rPr b="0" lang="pt-PT" sz="2200" spc="-1" strike="noStrike">
+              <a:rPr lang="pt-PT" sz="2200" b="0" strike="noStrike" spc="-1">
                 <a:solidFill>
-                  <a:srgbClr val="ffffff"/>
+                  <a:srgbClr val="FFFFFF"/>
                 </a:solidFill>
                 <a:latin typeface="Corbel"/>
               </a:rPr>
               <a:t> recorrendo ao módulo </a:t>
             </a:r>
             <a:r>
-              <a:rPr b="0" i="1" lang="pt-PT" sz="2200" spc="-1" strike="noStrike">
+              <a:rPr lang="pt-PT" sz="2200" b="0" i="1" strike="noStrike" spc="-1">
                 <a:solidFill>
-                  <a:srgbClr val="ffffff"/>
+                  <a:srgbClr val="FFFFFF"/>
                 </a:solidFill>
                 <a:latin typeface="Corbel"/>
               </a:rPr>
               <a:t>psycopg2</a:t>
             </a:r>
             <a:r>
-              <a:rPr b="0" lang="pt-PT" sz="2200" spc="-1" strike="noStrike">
+              <a:rPr lang="pt-PT" sz="2200" b="0" strike="noStrike" spc="-1">
                 <a:solidFill>
-                  <a:srgbClr val="ffffff"/>
+                  <a:srgbClr val="FFFFFF"/>
                 </a:solidFill>
                 <a:latin typeface="Corbel"/>
               </a:rPr>
               <a:t> para conexão à base de dados. A base de dados irá ser gerida pelo software </a:t>
             </a:r>
             <a:r>
-              <a:rPr b="0" i="1" lang="pt-PT" sz="2200" spc="-1" strike="noStrike">
+              <a:rPr lang="pt-PT" sz="2200" b="0" i="1" strike="noStrike" spc="-1">
                 <a:solidFill>
-                  <a:srgbClr val="ffffff"/>
+                  <a:srgbClr val="FFFFFF"/>
                 </a:solidFill>
                 <a:latin typeface="Corbel"/>
               </a:rPr>
               <a:t>PostgreSQL</a:t>
             </a:r>
             <a:r>
-              <a:rPr b="0" lang="pt-PT" sz="2200" spc="-1" strike="noStrike">
+              <a:rPr lang="pt-PT" sz="2200" b="0" strike="noStrike" spc="-1">
                 <a:solidFill>
-                  <a:srgbClr val="ffffff"/>
+                  <a:srgbClr val="FFFFFF"/>
                 </a:solidFill>
                 <a:latin typeface="Corbel"/>
               </a:rPr>
               <a:t>.</a:t>
             </a:r>
-            <a:endParaRPr b="0" lang="en-US" sz="2200" spc="-1" strike="noStrike">
-              <a:solidFill>
-                <a:srgbClr val="ffffff"/>
+            <a:endParaRPr lang="en-US" sz="2200" b="0" strike="noStrike" spc="-1" dirty="0">
+              <a:solidFill>
+                <a:srgbClr val="FFFFFF"/>
               </a:solidFill>
               <a:latin typeface="Corbel"/>
             </a:endParaRPr>
@@ -8889,59 +9641,59 @@
                 <a:spcPts val="201"/>
               </a:spcAft>
               <a:buClr>
-                <a:srgbClr val="ffffff"/>
+                <a:srgbClr val="FFFFFF"/>
               </a:buClr>
               <a:buFont typeface="Wingdings" charset="2"/>
               <a:buChar char=""/>
             </a:pPr>
             <a:r>
-              <a:rPr b="0" lang="pt-PT" sz="2200" spc="-1" strike="noStrike">
+              <a:rPr lang="pt-PT" sz="2200" b="0" strike="noStrike" spc="-1">
                 <a:solidFill>
-                  <a:srgbClr val="ffffff"/>
+                  <a:srgbClr val="FFFFFF"/>
                 </a:solidFill>
                 <a:latin typeface="Corbel"/>
               </a:rPr>
               <a:t>Será usado o </a:t>
             </a:r>
             <a:r>
-              <a:rPr b="0" i="1" lang="pt-PT" sz="2200" spc="-1" strike="noStrike">
+              <a:rPr lang="pt-PT" sz="2200" b="0" i="1" strike="noStrike" spc="-1">
                 <a:solidFill>
-                  <a:srgbClr val="ffffff"/>
+                  <a:srgbClr val="FFFFFF"/>
                 </a:solidFill>
                 <a:latin typeface="Corbel"/>
               </a:rPr>
               <a:t>Postman </a:t>
             </a:r>
             <a:r>
-              <a:rPr b="0" lang="pt-PT" sz="2200" spc="-1" strike="noStrike">
+              <a:rPr lang="pt-PT" sz="2200" b="0" strike="noStrike" spc="-1">
                 <a:solidFill>
-                  <a:srgbClr val="ffffff"/>
+                  <a:srgbClr val="FFFFFF"/>
                 </a:solidFill>
                 <a:latin typeface="Corbel"/>
               </a:rPr>
               <a:t>para fazer as </a:t>
             </a:r>
             <a:r>
-              <a:rPr b="0" i="1" lang="pt-PT" sz="2200" spc="-1" strike="noStrike">
+              <a:rPr lang="pt-PT" sz="2200" b="0" i="1" strike="noStrike" spc="-1">
                 <a:solidFill>
-                  <a:srgbClr val="ffffff"/>
+                  <a:srgbClr val="FFFFFF"/>
                 </a:solidFill>
                 <a:latin typeface="Corbel"/>
               </a:rPr>
               <a:t>queries </a:t>
             </a:r>
             <a:r>
-              <a:rPr b="0" lang="pt-PT" sz="2200" spc="-1" strike="noStrike">
+              <a:rPr lang="pt-PT" sz="2200" b="0" strike="noStrike" spc="-1">
                 <a:solidFill>
-                  <a:srgbClr val="ffffff"/>
+                  <a:srgbClr val="FFFFFF"/>
                 </a:solidFill>
                 <a:latin typeface="Corbel"/>
               </a:rPr>
               <a:t>à base de dados</a:t>
             </a:r>
-            <a:endParaRPr b="0" lang="en-US" sz="2200" spc="-1" strike="noStrike">
-              <a:solidFill>
-                <a:srgbClr val="ffffff"/>
+            <a:endParaRPr lang="en-US" sz="2200" b="0" strike="noStrike" spc="-1" dirty="0">
+              <a:solidFill>
+                <a:srgbClr val="FFFFFF"/>
               </a:solidFill>
               <a:latin typeface="Corbel"/>
             </a:endParaRPr>
@@ -8950,19 +9702,14 @@
       </p:sp>
     </p:spTree>
   </p:cSld>
-  <mc:AlternateContent>
-    <mc:Choice Requires="p14">
-      <p:transition spd="slow" p14:dur="2000"/>
-    </mc:Choice>
-    <mc:Fallback>
-      <p:transition spd="slow"/>
-    </mc:Fallback>
-  </mc:AlternateContent>
+  <p:clrMapOvr>
+    <a:masterClrMapping/>
+  </p:clrMapOvr>
 </p:sld>
 </file>
 
 <file path=ppt/slides/slide8.xml><?xml version="1.0" encoding="utf-8"?>
-<p:sld xmlns:a="http://schemas.openxmlformats.org/drawingml/2006/main" xmlns:p="http://schemas.openxmlformats.org/presentationml/2006/main" xmlns:r="http://schemas.openxmlformats.org/officeDocument/2006/relationships" xmlns:p14="http://schemas.microsoft.com/office/powerpoint/2010/main" xmlns:p15="http://schemas.microsoft.com/office/powerpoint/2012/main" xmlns:mc="http://schemas.openxmlformats.org/markup-compatibility/2006">
+<p:sld xmlns:a="http://schemas.openxmlformats.org/drawingml/2006/main" xmlns:r="http://schemas.openxmlformats.org/officeDocument/2006/relationships" xmlns:p="http://schemas.openxmlformats.org/presentationml/2006/main">
   <p:cSld>
     <p:spTree>
       <p:nvGrpSpPr>
@@ -9001,6 +9748,7 @@
           <a:bodyPr anchor="ctr">
             <a:noAutofit/>
           </a:bodyPr>
+          <a:lstStyle/>
           <a:p>
             <a:pPr>
               <a:lnSpc>
@@ -9008,17 +9756,17 @@
               </a:lnSpc>
             </a:pPr>
             <a:r>
-              <a:rPr b="0" lang="en-GB" sz="4000" spc="-1" strike="noStrike" cap="all">
+              <a:rPr lang="en-GB" sz="4000" b="0" strike="noStrike" cap="all" spc="-1" dirty="0">
                 <a:solidFill>
-                  <a:srgbClr val="323232"/>
+                  <a:schemeClr val="bg1"/>
                 </a:solidFill>
                 <a:latin typeface="Corbel"/>
               </a:rPr>
               <a:t>Development plan</a:t>
             </a:r>
-            <a:endParaRPr b="0" lang="en-US" sz="4000" spc="-1" strike="noStrike">
-              <a:solidFill>
-                <a:srgbClr val="ffffff"/>
+            <a:endParaRPr lang="en-US" sz="4000" b="0" strike="noStrike" spc="-1" dirty="0">
+              <a:solidFill>
+                <a:schemeClr val="bg1"/>
               </a:solidFill>
               <a:latin typeface="Corbel"/>
             </a:endParaRPr>
@@ -9048,6 +9796,7 @@
           <a:bodyPr>
             <a:noAutofit/>
           </a:bodyPr>
+          <a:lstStyle/>
           <a:p>
             <a:pPr>
               <a:lnSpc>
@@ -9060,42 +9809,211 @@
                 <a:spcPts val="201"/>
               </a:spcAft>
               <a:tabLst>
-                <a:tab algn="l" pos="0"/>
+                <a:tab pos="0" algn="l"/>
               </a:tabLst>
             </a:pPr>
             <a:r>
-              <a:rPr b="0" lang="en-US" sz="2200" spc="-1" strike="noStrike">
+              <a:rPr lang="en-US" sz="2200" b="0" strike="noStrike" spc="-1" dirty="0">
                 <a:solidFill>
-                  <a:srgbClr val="ffffff"/>
+                  <a:srgbClr val="FFFFFF"/>
                 </a:solidFill>
                 <a:latin typeface="Corbel"/>
               </a:rPr>
-              <a:t>Com as tableas e o modelo ER criados, será desenvolvida a API que irá implementar as funções descritas anteriormente.</a:t>
+              <a:t>Com as </a:t>
             </a:r>
-            <a:endParaRPr b="0" lang="en-US" sz="2200" spc="-1" strike="noStrike">
-              <a:solidFill>
-                <a:srgbClr val="ffffff"/>
-              </a:solidFill>
-              <a:latin typeface="Corbel"/>
-            </a:endParaRPr>
+            <a:r>
+              <a:rPr lang="pt-PT" sz="2200" b="0" strike="noStrike" spc="-1" dirty="0">
+                <a:solidFill>
+                  <a:srgbClr val="FFFFFF"/>
+                </a:solidFill>
+                <a:latin typeface="Corbel"/>
+              </a:rPr>
+              <a:t>tabelas</a:t>
+            </a:r>
+            <a:r>
+              <a:rPr lang="en-US" sz="2200" b="0" strike="noStrike" spc="-1" dirty="0">
+                <a:solidFill>
+                  <a:srgbClr val="FFFFFF"/>
+                </a:solidFill>
+                <a:latin typeface="Corbel"/>
+              </a:rPr>
+              <a:t> e o </a:t>
+            </a:r>
+            <a:r>
+              <a:rPr lang="pt-PT" sz="2200" b="0" strike="noStrike" spc="-1" dirty="0">
+                <a:solidFill>
+                  <a:srgbClr val="FFFFFF"/>
+                </a:solidFill>
+                <a:latin typeface="Corbel"/>
+              </a:rPr>
+              <a:t>modelo</a:t>
+            </a:r>
+            <a:r>
+              <a:rPr lang="en-US" sz="2200" b="0" strike="noStrike" spc="-1" dirty="0">
+                <a:solidFill>
+                  <a:srgbClr val="FFFFFF"/>
+                </a:solidFill>
+                <a:latin typeface="Corbel"/>
+              </a:rPr>
+              <a:t> ER </a:t>
+            </a:r>
+            <a:r>
+              <a:rPr lang="en-US" sz="2200" b="0" strike="noStrike" spc="-1" dirty="0" err="1">
+                <a:solidFill>
+                  <a:srgbClr val="FFFFFF"/>
+                </a:solidFill>
+                <a:latin typeface="Corbel"/>
+              </a:rPr>
+              <a:t>criados</a:t>
+            </a:r>
+            <a:r>
+              <a:rPr lang="en-US" sz="2200" b="0" strike="noStrike" spc="-1" dirty="0">
+                <a:solidFill>
+                  <a:srgbClr val="FFFFFF"/>
+                </a:solidFill>
+                <a:latin typeface="Corbel"/>
+              </a:rPr>
+              <a:t>, </a:t>
+            </a:r>
+            <a:r>
+              <a:rPr lang="en-US" sz="2200" b="0" strike="noStrike" spc="-1" dirty="0" err="1">
+                <a:solidFill>
+                  <a:srgbClr val="FFFFFF"/>
+                </a:solidFill>
+                <a:latin typeface="Corbel"/>
+              </a:rPr>
+              <a:t>será</a:t>
+            </a:r>
+            <a:r>
+              <a:rPr lang="en-US" sz="2200" b="0" strike="noStrike" spc="-1" dirty="0">
+                <a:solidFill>
+                  <a:srgbClr val="FFFFFF"/>
+                </a:solidFill>
+                <a:latin typeface="Corbel"/>
+              </a:rPr>
+              <a:t> </a:t>
+            </a:r>
+            <a:r>
+              <a:rPr lang="en-US" sz="2200" b="0" strike="noStrike" spc="-1" dirty="0" err="1">
+                <a:solidFill>
+                  <a:srgbClr val="FFFFFF"/>
+                </a:solidFill>
+                <a:latin typeface="Corbel"/>
+              </a:rPr>
+              <a:t>desenvolvida</a:t>
+            </a:r>
+            <a:r>
+              <a:rPr lang="en-US" sz="2200" b="0" strike="noStrike" spc="-1" dirty="0">
+                <a:solidFill>
+                  <a:srgbClr val="FFFFFF"/>
+                </a:solidFill>
+                <a:latin typeface="Corbel"/>
+              </a:rPr>
+              <a:t> a API que </a:t>
+            </a:r>
+            <a:r>
+              <a:rPr lang="en-US" sz="2200" b="0" strike="noStrike" spc="-1" dirty="0" err="1">
+                <a:solidFill>
+                  <a:srgbClr val="FFFFFF"/>
+                </a:solidFill>
+                <a:latin typeface="Corbel"/>
+              </a:rPr>
+              <a:t>irá</a:t>
+            </a:r>
+            <a:r>
+              <a:rPr lang="en-US" sz="2200" b="0" strike="noStrike" spc="-1" dirty="0">
+                <a:solidFill>
+                  <a:srgbClr val="FFFFFF"/>
+                </a:solidFill>
+                <a:latin typeface="Corbel"/>
+              </a:rPr>
+              <a:t> </a:t>
+            </a:r>
+            <a:r>
+              <a:rPr lang="en-US" sz="2200" b="0" strike="noStrike" spc="-1" dirty="0" err="1">
+                <a:solidFill>
+                  <a:srgbClr val="FFFFFF"/>
+                </a:solidFill>
+                <a:latin typeface="Corbel"/>
+              </a:rPr>
+              <a:t>implementar</a:t>
+            </a:r>
+            <a:r>
+              <a:rPr lang="en-US" sz="2200" b="0" strike="noStrike" spc="-1" dirty="0">
+                <a:solidFill>
+                  <a:srgbClr val="FFFFFF"/>
+                </a:solidFill>
+                <a:latin typeface="Corbel"/>
+              </a:rPr>
+              <a:t> as </a:t>
+            </a:r>
+            <a:r>
+              <a:rPr lang="en-US" sz="2200" b="0" strike="noStrike" spc="-1" dirty="0" err="1">
+                <a:solidFill>
+                  <a:srgbClr val="FFFFFF"/>
+                </a:solidFill>
+                <a:latin typeface="Corbel"/>
+              </a:rPr>
+              <a:t>funções</a:t>
+            </a:r>
+            <a:r>
+              <a:rPr lang="en-US" sz="2200" b="0" strike="noStrike" spc="-1" dirty="0">
+                <a:solidFill>
+                  <a:srgbClr val="FFFFFF"/>
+                </a:solidFill>
+                <a:latin typeface="Corbel"/>
+              </a:rPr>
+              <a:t> </a:t>
+            </a:r>
+            <a:r>
+              <a:rPr lang="en-US" sz="2200" b="0" strike="noStrike" spc="-1" dirty="0" err="1">
+                <a:solidFill>
+                  <a:srgbClr val="FFFFFF"/>
+                </a:solidFill>
+                <a:latin typeface="Corbel"/>
+              </a:rPr>
+              <a:t>descritas</a:t>
+            </a:r>
+            <a:r>
+              <a:rPr lang="en-US" sz="2200" b="0" strike="noStrike" spc="-1" dirty="0">
+                <a:solidFill>
+                  <a:srgbClr val="FFFFFF"/>
+                </a:solidFill>
+                <a:latin typeface="Corbel"/>
+              </a:rPr>
+              <a:t> </a:t>
+            </a:r>
+            <a:r>
+              <a:rPr lang="pt-PT" sz="2200" b="0" strike="noStrike" spc="-1" dirty="0">
+                <a:solidFill>
+                  <a:srgbClr val="FFFFFF"/>
+                </a:solidFill>
+                <a:latin typeface="Corbel"/>
+              </a:rPr>
+              <a:t>anteriormente</a:t>
+            </a:r>
+            <a:r>
+              <a:rPr lang="en-US" sz="2200" b="0" strike="noStrike" spc="-1" dirty="0">
+                <a:solidFill>
+                  <a:srgbClr val="FFFFFF"/>
+                </a:solidFill>
+                <a:latin typeface="Corbel"/>
+              </a:rPr>
+              <a:t>.</a:t>
+            </a:r>
           </a:p>
         </p:txBody>
       </p:sp>
     </p:spTree>
   </p:cSld>
-  <mc:AlternateContent>
-    <mc:Choice Requires="p14">
-      <p:transition spd="slow" p14:dur="2000"/>
-    </mc:Choice>
-    <mc:Fallback>
-      <p:transition spd="slow"/>
-    </mc:Fallback>
-  </mc:AlternateContent>
+  <p:clrMapOvr>
+    <a:masterClrMapping/>
+  </p:clrMapOvr>
 </p:sld>
 </file>
 
 <file path=ppt/slides/slide9.xml><?xml version="1.0" encoding="utf-8"?>
-<p:sld xmlns:a="http://schemas.openxmlformats.org/drawingml/2006/main" xmlns:p="http://schemas.openxmlformats.org/presentationml/2006/main" xmlns:r="http://schemas.openxmlformats.org/officeDocument/2006/relationships" xmlns:p14="http://schemas.microsoft.com/office/powerpoint/2010/main" xmlns:p15="http://schemas.microsoft.com/office/powerpoint/2012/main" xmlns:mc="http://schemas.openxmlformats.org/markup-compatibility/2006">
+<p:sld xmlns:a="http://schemas.openxmlformats.org/drawingml/2006/main" xmlns:r="http://schemas.openxmlformats.org/officeDocument/2006/relationships" xmlns:p="http://schemas.openxmlformats.org/presentationml/2006/main">
   <p:cSld>
     <p:spTree>
       <p:nvGrpSpPr>
@@ -9134,6 +10052,7 @@
           <a:bodyPr anchor="ctr">
             <a:noAutofit/>
           </a:bodyPr>
+          <a:lstStyle/>
           <a:p>
             <a:pPr>
               <a:lnSpc>
@@ -9141,17 +10060,17 @@
               </a:lnSpc>
             </a:pPr>
             <a:r>
-              <a:rPr b="0" lang="en-US" sz="4000" spc="-1" strike="noStrike" cap="all">
+              <a:rPr lang="en-US" sz="4000" b="0" strike="noStrike" cap="all" spc="-1" dirty="0">
                 <a:solidFill>
-                  <a:srgbClr val="323232"/>
+                  <a:schemeClr val="bg1"/>
                 </a:solidFill>
                 <a:latin typeface="Corbel"/>
               </a:rPr>
               <a:t>ER diagram</a:t>
             </a:r>
-            <a:endParaRPr b="0" lang="en-US" sz="4000" spc="-1" strike="noStrike">
-              <a:solidFill>
-                <a:srgbClr val="ffffff"/>
+            <a:endParaRPr lang="en-US" sz="4000" b="0" strike="noStrike" spc="-1" dirty="0">
+              <a:solidFill>
+                <a:schemeClr val="bg1"/>
               </a:solidFill>
               <a:latin typeface="Corbel"/>
             </a:endParaRPr>
@@ -9160,12 +10079,12 @@
       </p:sp>
       <p:pic>
         <p:nvPicPr>
-          <p:cNvPr id="110" name="" descr=""/>
+          <p:cNvPr id="110" name="Picture 109"/>
           <p:cNvPicPr/>
           <p:nvPr/>
         </p:nvPicPr>
         <p:blipFill>
-          <a:blip r:embed="rId1"/>
+          <a:blip r:embed="rId2"/>
           <a:stretch/>
         </p:blipFill>
         <p:spPr>
@@ -9183,14 +10102,9 @@
       </p:pic>
     </p:spTree>
   </p:cSld>
-  <mc:AlternateContent>
-    <mc:Choice Requires="p14">
-      <p:transition spd="slow" p14:dur="2000"/>
-    </mc:Choice>
-    <mc:Fallback>
-      <p:transition spd="slow"/>
-    </mc:Fallback>
-  </mc:AlternateContent>
+  <p:clrMapOvr>
+    <a:masterClrMapping/>
+  </p:clrMapOvr>
 </p:sld>
 </file>
 
@@ -9208,31 +10122,31 @@
         <a:srgbClr val="323232"/>
       </a:dk2>
       <a:lt2>
-        <a:srgbClr val="e3ded1"/>
+        <a:srgbClr val="E3DED1"/>
       </a:lt2>
       <a:accent1>
-        <a:srgbClr val="a5300f"/>
+        <a:srgbClr val="A5300F"/>
       </a:accent1>
       <a:accent2>
-        <a:srgbClr val="d55816"/>
+        <a:srgbClr val="D55816"/>
       </a:accent2>
       <a:accent3>
-        <a:srgbClr val="e19825"/>
+        <a:srgbClr val="E19825"/>
       </a:accent3>
       <a:accent4>
-        <a:srgbClr val="b19c7d"/>
+        <a:srgbClr val="B19C7D"/>
       </a:accent4>
       <a:accent5>
-        <a:srgbClr val="7f5f52"/>
+        <a:srgbClr val="7F5F52"/>
       </a:accent5>
       <a:accent6>
-        <a:srgbClr val="b27d49"/>
+        <a:srgbClr val="B27D49"/>
       </a:accent6>
       <a:hlink>
-        <a:srgbClr val="6b9f25"/>
+        <a:srgbClr val="6B9F25"/>
       </a:hlink>
       <a:folHlink>
-        <a:srgbClr val="b26b02"/>
+        <a:srgbClr val="B26B02"/>
       </a:folHlink>
     </a:clrScheme>
     <a:fontScheme name="Office">
@@ -9417,6 +10331,8 @@
       </a:bgFillStyleLst>
     </a:fmtScheme>
   </a:themeElements>
+  <a:objectDefaults/>
+  <a:extraClrSchemeLst/>
 </a:theme>
 </file>
 
@@ -9434,31 +10350,31 @@
         <a:srgbClr val="323232"/>
       </a:dk2>
       <a:lt2>
-        <a:srgbClr val="e3ded1"/>
+        <a:srgbClr val="E3DED1"/>
       </a:lt2>
       <a:accent1>
-        <a:srgbClr val="a5300f"/>
+        <a:srgbClr val="A5300F"/>
       </a:accent1>
       <a:accent2>
-        <a:srgbClr val="d55816"/>
+        <a:srgbClr val="D55816"/>
       </a:accent2>
       <a:accent3>
-        <a:srgbClr val="e19825"/>
+        <a:srgbClr val="E19825"/>
       </a:accent3>
       <a:accent4>
-        <a:srgbClr val="b19c7d"/>
+        <a:srgbClr val="B19C7D"/>
       </a:accent4>
       <a:accent5>
-        <a:srgbClr val="7f5f52"/>
+        <a:srgbClr val="7F5F52"/>
       </a:accent5>
       <a:accent6>
-        <a:srgbClr val="b27d49"/>
+        <a:srgbClr val="B27D49"/>
       </a:accent6>
       <a:hlink>
-        <a:srgbClr val="6b9f25"/>
+        <a:srgbClr val="6B9F25"/>
       </a:hlink>
       <a:folHlink>
-        <a:srgbClr val="b26b02"/>
+        <a:srgbClr val="B26B02"/>
       </a:folHlink>
     </a:clrScheme>
     <a:fontScheme name="Office">
@@ -9643,6 +10559,8 @@
       </a:bgFillStyleLst>
     </a:fmtScheme>
   </a:themeElements>
+  <a:objectDefaults/>
+  <a:extraClrSchemeLst/>
 </a:theme>
 </file>
 
@@ -9660,31 +10578,31 @@
         <a:srgbClr val="323232"/>
       </a:dk2>
       <a:lt2>
-        <a:srgbClr val="e3ded1"/>
+        <a:srgbClr val="E3DED1"/>
       </a:lt2>
       <a:accent1>
-        <a:srgbClr val="a5300f"/>
+        <a:srgbClr val="A5300F"/>
       </a:accent1>
       <a:accent2>
-        <a:srgbClr val="d55816"/>
+        <a:srgbClr val="D55816"/>
       </a:accent2>
       <a:accent3>
-        <a:srgbClr val="e19825"/>
+        <a:srgbClr val="E19825"/>
       </a:accent3>
       <a:accent4>
-        <a:srgbClr val="b19c7d"/>
+        <a:srgbClr val="B19C7D"/>
       </a:accent4>
       <a:accent5>
-        <a:srgbClr val="7f5f52"/>
+        <a:srgbClr val="7F5F52"/>
       </a:accent5>
       <a:accent6>
-        <a:srgbClr val="b27d49"/>
+        <a:srgbClr val="B27D49"/>
       </a:accent6>
       <a:hlink>
-        <a:srgbClr val="6b9f25"/>
+        <a:srgbClr val="6B9F25"/>
       </a:hlink>
       <a:folHlink>
-        <a:srgbClr val="b26b02"/>
+        <a:srgbClr val="B26B02"/>
       </a:folHlink>
     </a:clrScheme>
     <a:fontScheme name="Office">
@@ -9869,5 +10787,7 @@
       </a:bgFillStyleLst>
     </a:fmtScheme>
   </a:themeElements>
+  <a:objectDefaults/>
+  <a:extraClrSchemeLst/>
 </a:theme>
 </file>